--- a/03_lectures/Corpus Linguistics_2023_11_10.pptx
+++ b/03_lectures/Corpus Linguistics_2023_11_10.pptx
@@ -20,16 +20,34 @@
     <p:sldId id="404" r:id="rId14"/>
     <p:sldId id="405" r:id="rId15"/>
     <p:sldId id="409" r:id="rId16"/>
-    <p:sldId id="413" r:id="rId17"/>
-    <p:sldId id="407" r:id="rId18"/>
-    <p:sldId id="259" r:id="rId19"/>
-    <p:sldId id="410" r:id="rId20"/>
-    <p:sldId id="411" r:id="rId21"/>
-    <p:sldId id="412" r:id="rId22"/>
-    <p:sldId id="414" r:id="rId23"/>
-    <p:sldId id="415" r:id="rId24"/>
-    <p:sldId id="416" r:id="rId25"/>
-    <p:sldId id="417" r:id="rId26"/>
+    <p:sldId id="424" r:id="rId17"/>
+    <p:sldId id="425" r:id="rId18"/>
+    <p:sldId id="426" r:id="rId19"/>
+    <p:sldId id="413" r:id="rId20"/>
+    <p:sldId id="407" r:id="rId21"/>
+    <p:sldId id="259" r:id="rId22"/>
+    <p:sldId id="427" r:id="rId23"/>
+    <p:sldId id="428" r:id="rId24"/>
+    <p:sldId id="410" r:id="rId25"/>
+    <p:sldId id="411" r:id="rId26"/>
+    <p:sldId id="412" r:id="rId27"/>
+    <p:sldId id="414" r:id="rId28"/>
+    <p:sldId id="415" r:id="rId29"/>
+    <p:sldId id="416" r:id="rId30"/>
+    <p:sldId id="417" r:id="rId31"/>
+    <p:sldId id="418" r:id="rId32"/>
+    <p:sldId id="419" r:id="rId33"/>
+    <p:sldId id="429" r:id="rId34"/>
+    <p:sldId id="420" r:id="rId35"/>
+    <p:sldId id="430" r:id="rId36"/>
+    <p:sldId id="421" r:id="rId37"/>
+    <p:sldId id="422" r:id="rId38"/>
+    <p:sldId id="423" r:id="rId39"/>
+    <p:sldId id="299" r:id="rId40"/>
+    <p:sldId id="300" r:id="rId41"/>
+    <p:sldId id="302" r:id="rId42"/>
+    <p:sldId id="303" r:id="rId43"/>
+    <p:sldId id="305" r:id="rId44"/>
   </p:sldIdLst>
   <p:sldSz cx="12192000" cy="6858000"/>
   <p:notesSz cx="6858000" cy="9144000"/>
@@ -128,6 +146,70 @@
       </a:defRPr>
     </a:lvl9pPr>
   </p:defaultTextStyle>
+  <p:extLst>
+    <p:ext uri="{521415D9-36F7-43E2-AB2F-B90AF26B5E84}">
+      <p14:sectionLst xmlns:p14="http://schemas.microsoft.com/office/powerpoint/2010/main">
+        <p14:section name="Default Section" id="{0F5096BE-30A4-4184-96AA-AD33D60C985D}">
+          <p14:sldIdLst>
+            <p14:sldId id="256"/>
+            <p14:sldId id="257"/>
+          </p14:sldIdLst>
+        </p14:section>
+        <p14:section name="Ch.3" id="{2497CEB8-9712-4A93-97C5-9A0508088B48}">
+          <p14:sldIdLst>
+            <p14:sldId id="258"/>
+            <p14:sldId id="397"/>
+            <p14:sldId id="398"/>
+            <p14:sldId id="400"/>
+            <p14:sldId id="399"/>
+            <p14:sldId id="402"/>
+            <p14:sldId id="406"/>
+            <p14:sldId id="401"/>
+            <p14:sldId id="403"/>
+            <p14:sldId id="408"/>
+            <p14:sldId id="404"/>
+            <p14:sldId id="405"/>
+            <p14:sldId id="409"/>
+            <p14:sldId id="424"/>
+            <p14:sldId id="425"/>
+            <p14:sldId id="426"/>
+            <p14:sldId id="413"/>
+            <p14:sldId id="407"/>
+            <p14:sldId id="259"/>
+            <p14:sldId id="427"/>
+            <p14:sldId id="428"/>
+            <p14:sldId id="410"/>
+            <p14:sldId id="411"/>
+            <p14:sldId id="412"/>
+            <p14:sldId id="414"/>
+            <p14:sldId id="415"/>
+            <p14:sldId id="416"/>
+            <p14:sldId id="417"/>
+            <p14:sldId id="418"/>
+            <p14:sldId id="419"/>
+            <p14:sldId id="429"/>
+            <p14:sldId id="420"/>
+            <p14:sldId id="430"/>
+            <p14:sldId id="421"/>
+            <p14:sldId id="422"/>
+            <p14:sldId id="423"/>
+          </p14:sldIdLst>
+        </p14:section>
+        <p14:section name="Ch 2 pg 29-40" id="{9430499D-BF58-4959-A413-31A020C332A3}">
+          <p14:sldIdLst>
+            <p14:sldId id="299"/>
+            <p14:sldId id="300"/>
+            <p14:sldId id="302"/>
+            <p14:sldId id="303"/>
+            <p14:sldId id="305"/>
+          </p14:sldIdLst>
+        </p14:section>
+      </p14:sectionLst>
+    </p:ext>
+    <p:ext uri="{EFAFB233-063F-42B5-8137-9DF3F51BA10A}">
+      <p15:sldGuideLst xmlns:p15="http://schemas.microsoft.com/office/powerpoint/2012/main"/>
+    </p:ext>
+  </p:extLst>
 </p:presentation>
 </file>
 
@@ -3860,7 +3942,9 @@
         </p:nvSpPr>
         <p:spPr/>
         <p:txBody>
-          <a:bodyPr/>
+          <a:bodyPr>
+            <a:normAutofit lnSpcReduction="10000"/>
+          </a:bodyPr>
           <a:lstStyle/>
           <a:p>
             <a:r>
@@ -3874,6 +3958,12 @@
               <a:t>Allomorphy</a:t>
             </a:r>
             <a:endParaRPr lang="en-CA" dirty="0"/>
+          </a:p>
+          <a:p>
+            <a:r>
+              <a:rPr lang="en-CA" dirty="0"/>
+              <a:t>Rules or schemas</a:t>
+            </a:r>
           </a:p>
           <a:p>
             <a:r>
@@ -4440,6 +4530,415 @@
 </file>
 
 <file path=ppt/slides/slide16.xml><?xml version="1.0" encoding="utf-8"?>
+<p:sld xmlns:a="http://schemas.openxmlformats.org/drawingml/2006/main" xmlns:r="http://schemas.openxmlformats.org/officeDocument/2006/relationships" xmlns:p="http://schemas.openxmlformats.org/presentationml/2006/main">
+  <p:cSld>
+    <p:spTree>
+      <p:nvGrpSpPr>
+        <p:cNvPr id="1" name=""/>
+        <p:cNvGrpSpPr/>
+        <p:nvPr/>
+      </p:nvGrpSpPr>
+      <p:grpSpPr>
+        <a:xfrm>
+          <a:off x="0" y="0"/>
+          <a:ext cx="0" cy="0"/>
+          <a:chOff x="0" y="0"/>
+          <a:chExt cx="0" cy="0"/>
+        </a:xfrm>
+      </p:grpSpPr>
+      <p:sp>
+        <p:nvSpPr>
+          <p:cNvPr id="2" name="Title 1">
+            <a:extLst>
+              <a:ext uri="{FF2B5EF4-FFF2-40B4-BE49-F238E27FC236}">
+                <a16:creationId xmlns:a16="http://schemas.microsoft.com/office/drawing/2014/main" id="{13E9793A-A0FB-D83C-7BEE-A39EDA4CD769}"/>
+              </a:ext>
+            </a:extLst>
+          </p:cNvPr>
+          <p:cNvSpPr>
+            <a:spLocks noGrp="1"/>
+          </p:cNvSpPr>
+          <p:nvPr>
+            <p:ph type="title"/>
+          </p:nvPr>
+        </p:nvSpPr>
+        <p:spPr/>
+        <p:txBody>
+          <a:bodyPr/>
+          <a:lstStyle/>
+          <a:p>
+            <a:r>
+              <a:rPr lang="is-IS" dirty="0"/>
+              <a:t>Rules or Schemas</a:t>
+            </a:r>
+            <a:endParaRPr lang="es-BO" dirty="0"/>
+          </a:p>
+        </p:txBody>
+      </p:sp>
+      <p:sp>
+        <p:nvSpPr>
+          <p:cNvPr id="3" name="Content Placeholder 2">
+            <a:extLst>
+              <a:ext uri="{FF2B5EF4-FFF2-40B4-BE49-F238E27FC236}">
+                <a16:creationId xmlns:a16="http://schemas.microsoft.com/office/drawing/2014/main" id="{0E0CD8C2-7952-6E51-B5FE-FCB2593C8BFC}"/>
+              </a:ext>
+            </a:extLst>
+          </p:cNvPr>
+          <p:cNvSpPr>
+            <a:spLocks noGrp="1"/>
+          </p:cNvSpPr>
+          <p:nvPr>
+            <p:ph idx="1"/>
+          </p:nvPr>
+        </p:nvSpPr>
+        <p:spPr/>
+        <p:txBody>
+          <a:bodyPr/>
+          <a:lstStyle/>
+          <a:p>
+            <a:r>
+              <a:rPr lang="is-IS" dirty="0"/>
+              <a:t>There are a few different ways of thinking about the combination of morphological elements</a:t>
+            </a:r>
+          </a:p>
+          <a:p>
+            <a:endParaRPr lang="is-IS" dirty="0"/>
+          </a:p>
+          <a:p>
+            <a:r>
+              <a:rPr lang="is-IS" dirty="0"/>
+              <a:t>Rules: Discrete statements with an input and an output</a:t>
+            </a:r>
+          </a:p>
+          <a:p>
+            <a:pPr lvl="1"/>
+            <a:r>
+              <a:rPr lang="is-IS" dirty="0"/>
+              <a:t>Plural rule: X </a:t>
+            </a:r>
+            <a:r>
+              <a:rPr lang="is-IS" dirty="0">
+                <a:latin typeface="Times New Roman" panose="02020603050405020304" pitchFamily="18" charset="0"/>
+                <a:cs typeface="Times New Roman" panose="02020603050405020304" pitchFamily="18" charset="0"/>
+              </a:rPr>
+              <a:t>→ X+əz</a:t>
+            </a:r>
+            <a:endParaRPr lang="is-IS" dirty="0"/>
+          </a:p>
+          <a:p>
+            <a:endParaRPr lang="is-IS" dirty="0"/>
+          </a:p>
+          <a:p>
+            <a:r>
+              <a:rPr lang="is-IS" dirty="0"/>
+              <a:t>Schemas: “Generalization over words having similar patterns and phonological connections“</a:t>
+            </a:r>
+          </a:p>
+          <a:p>
+            <a:endParaRPr lang="is-IS" dirty="0"/>
+          </a:p>
+          <a:p>
+            <a:endParaRPr lang="es-BO" dirty="0"/>
+          </a:p>
+        </p:txBody>
+      </p:sp>
+    </p:spTree>
+    <p:extLst>
+      <p:ext uri="{BB962C8B-B14F-4D97-AF65-F5344CB8AC3E}">
+        <p14:creationId xmlns:p14="http://schemas.microsoft.com/office/powerpoint/2010/main" val="1504642968"/>
+      </p:ext>
+    </p:extLst>
+  </p:cSld>
+  <p:clrMapOvr>
+    <a:masterClrMapping/>
+  </p:clrMapOvr>
+</p:sld>
+</file>
+
+<file path=ppt/slides/slide17.xml><?xml version="1.0" encoding="utf-8"?>
+<p:sld xmlns:a="http://schemas.openxmlformats.org/drawingml/2006/main" xmlns:r="http://schemas.openxmlformats.org/officeDocument/2006/relationships" xmlns:p="http://schemas.openxmlformats.org/presentationml/2006/main">
+  <p:cSld>
+    <p:spTree>
+      <p:nvGrpSpPr>
+        <p:cNvPr id="1" name=""/>
+        <p:cNvGrpSpPr/>
+        <p:nvPr/>
+      </p:nvGrpSpPr>
+      <p:grpSpPr>
+        <a:xfrm>
+          <a:off x="0" y="0"/>
+          <a:ext cx="0" cy="0"/>
+          <a:chOff x="0" y="0"/>
+          <a:chExt cx="0" cy="0"/>
+        </a:xfrm>
+      </p:grpSpPr>
+      <p:sp>
+        <p:nvSpPr>
+          <p:cNvPr id="2" name="Title 1">
+            <a:extLst>
+              <a:ext uri="{FF2B5EF4-FFF2-40B4-BE49-F238E27FC236}">
+                <a16:creationId xmlns:a16="http://schemas.microsoft.com/office/drawing/2014/main" id="{6CEE1E60-1750-B1A4-36DC-9622C485A848}"/>
+              </a:ext>
+            </a:extLst>
+          </p:cNvPr>
+          <p:cNvSpPr>
+            <a:spLocks noGrp="1"/>
+          </p:cNvSpPr>
+          <p:nvPr>
+            <p:ph type="title"/>
+          </p:nvPr>
+        </p:nvSpPr>
+        <p:spPr/>
+        <p:txBody>
+          <a:bodyPr/>
+          <a:lstStyle/>
+          <a:p>
+            <a:r>
+              <a:rPr lang="is-IS" dirty="0"/>
+              <a:t>Schemas</a:t>
+            </a:r>
+            <a:endParaRPr lang="es-BO" dirty="0"/>
+          </a:p>
+        </p:txBody>
+      </p:sp>
+      <p:pic>
+        <p:nvPicPr>
+          <p:cNvPr id="7" name="Picture 6">
+            <a:extLst>
+              <a:ext uri="{FF2B5EF4-FFF2-40B4-BE49-F238E27FC236}">
+                <a16:creationId xmlns:a16="http://schemas.microsoft.com/office/drawing/2014/main" id="{EEE68F73-DA8B-565F-4ABD-4FA5C117E789}"/>
+              </a:ext>
+            </a:extLst>
+          </p:cNvPr>
+          <p:cNvPicPr>
+            <a:picLocks noChangeAspect="1"/>
+          </p:cNvPicPr>
+          <p:nvPr/>
+        </p:nvPicPr>
+        <p:blipFill>
+          <a:blip r:embed="rId2"/>
+          <a:stretch>
+            <a:fillRect/>
+          </a:stretch>
+        </p:blipFill>
+        <p:spPr>
+          <a:xfrm>
+            <a:off x="3436146" y="872341"/>
+            <a:ext cx="6782747" cy="5620534"/>
+          </a:xfrm>
+          <a:prstGeom prst="rect">
+            <a:avLst/>
+          </a:prstGeom>
+        </p:spPr>
+      </p:pic>
+    </p:spTree>
+    <p:extLst>
+      <p:ext uri="{BB962C8B-B14F-4D97-AF65-F5344CB8AC3E}">
+        <p14:creationId xmlns:p14="http://schemas.microsoft.com/office/powerpoint/2010/main" val="1169698442"/>
+      </p:ext>
+    </p:extLst>
+  </p:cSld>
+  <p:clrMapOvr>
+    <a:masterClrMapping/>
+  </p:clrMapOvr>
+</p:sld>
+</file>
+
+<file path=ppt/slides/slide18.xml><?xml version="1.0" encoding="utf-8"?>
+<p:sld xmlns:a="http://schemas.openxmlformats.org/drawingml/2006/main" xmlns:r="http://schemas.openxmlformats.org/officeDocument/2006/relationships" xmlns:p="http://schemas.openxmlformats.org/presentationml/2006/main">
+  <p:cSld>
+    <p:spTree>
+      <p:nvGrpSpPr>
+        <p:cNvPr id="1" name=""/>
+        <p:cNvGrpSpPr/>
+        <p:nvPr/>
+      </p:nvGrpSpPr>
+      <p:grpSpPr>
+        <a:xfrm>
+          <a:off x="0" y="0"/>
+          <a:ext cx="0" cy="0"/>
+          <a:chOff x="0" y="0"/>
+          <a:chExt cx="0" cy="0"/>
+        </a:xfrm>
+      </p:grpSpPr>
+      <p:sp>
+        <p:nvSpPr>
+          <p:cNvPr id="2" name="Title 1">
+            <a:extLst>
+              <a:ext uri="{FF2B5EF4-FFF2-40B4-BE49-F238E27FC236}">
+                <a16:creationId xmlns:a16="http://schemas.microsoft.com/office/drawing/2014/main" id="{FC20474F-BA0D-D2FB-DEE5-677E7AC447C4}"/>
+              </a:ext>
+            </a:extLst>
+          </p:cNvPr>
+          <p:cNvSpPr>
+            <a:spLocks noGrp="1"/>
+          </p:cNvSpPr>
+          <p:nvPr>
+            <p:ph type="title"/>
+          </p:nvPr>
+        </p:nvSpPr>
+        <p:spPr/>
+        <p:txBody>
+          <a:bodyPr/>
+          <a:lstStyle/>
+          <a:p>
+            <a:r>
+              <a:rPr lang="is-IS" dirty="0"/>
+              <a:t>Schemas</a:t>
+            </a:r>
+            <a:endParaRPr lang="es-BO" dirty="0"/>
+          </a:p>
+        </p:txBody>
+      </p:sp>
+      <p:sp>
+        <p:nvSpPr>
+          <p:cNvPr id="3" name="Content Placeholder 2">
+            <a:extLst>
+              <a:ext uri="{FF2B5EF4-FFF2-40B4-BE49-F238E27FC236}">
+                <a16:creationId xmlns:a16="http://schemas.microsoft.com/office/drawing/2014/main" id="{F7AD2CD5-A108-036E-FDC6-D783A2FA1424}"/>
+              </a:ext>
+            </a:extLst>
+          </p:cNvPr>
+          <p:cNvSpPr>
+            <a:spLocks noGrp="1"/>
+          </p:cNvSpPr>
+          <p:nvPr>
+            <p:ph idx="1"/>
+          </p:nvPr>
+        </p:nvSpPr>
+        <p:spPr/>
+        <p:txBody>
+          <a:bodyPr/>
+          <a:lstStyle/>
+          <a:p>
+            <a:r>
+              <a:rPr lang="is-IS" dirty="0"/>
+              <a:t>The basic idea is that you build new words on </a:t>
+            </a:r>
+            <a:r>
+              <a:rPr lang="is-IS" i="1" dirty="0"/>
+              <a:t>analogy </a:t>
+            </a:r>
+            <a:r>
+              <a:rPr lang="is-IS" dirty="0"/>
+              <a:t>with other words based  on phonological connections</a:t>
+            </a:r>
+          </a:p>
+          <a:p>
+            <a:endParaRPr lang="is-IS" dirty="0"/>
+          </a:p>
+          <a:p>
+            <a:r>
+              <a:rPr lang="is-IS" dirty="0"/>
+              <a:t>But a schema can be abstract: </a:t>
+            </a:r>
+            <a:endParaRPr lang="es-BO" dirty="0"/>
+          </a:p>
+          <a:p>
+            <a:pPr marL="0" indent="0">
+              <a:buNone/>
+            </a:pPr>
+            <a:r>
+              <a:rPr lang="es-BO" dirty="0"/>
+              <a:t>					X-</a:t>
+            </a:r>
+            <a:r>
+              <a:rPr lang="es-BO" dirty="0" err="1"/>
+              <a:t>əz</a:t>
+            </a:r>
+            <a:endParaRPr lang="es-BO" dirty="0"/>
+          </a:p>
+          <a:p>
+            <a:pPr marL="0" indent="0">
+              <a:buNone/>
+            </a:pPr>
+            <a:r>
+              <a:rPr lang="es-BO" dirty="0"/>
+              <a:t>					X-</a:t>
+            </a:r>
+            <a:r>
+              <a:rPr lang="es-BO" dirty="0" err="1"/>
+              <a:t>ən</a:t>
+            </a:r>
+            <a:r>
+              <a:rPr lang="es-BO" dirty="0"/>
+              <a:t>			plural</a:t>
+            </a:r>
+          </a:p>
+          <a:p>
+            <a:pPr marL="0" indent="0">
+              <a:buNone/>
+            </a:pPr>
+            <a:r>
+              <a:rPr lang="es-BO" dirty="0"/>
+              <a:t>					</a:t>
+            </a:r>
+            <a:r>
+              <a:rPr lang="es-BO" dirty="0" err="1"/>
+              <a:t>CʊC~CiC</a:t>
+            </a:r>
+            <a:endParaRPr lang="es-BO" dirty="0"/>
+          </a:p>
+        </p:txBody>
+      </p:sp>
+      <p:sp>
+        <p:nvSpPr>
+          <p:cNvPr id="4" name="Right Brace 3">
+            <a:extLst>
+              <a:ext uri="{FF2B5EF4-FFF2-40B4-BE49-F238E27FC236}">
+                <a16:creationId xmlns:a16="http://schemas.microsoft.com/office/drawing/2014/main" id="{4CD9B237-55FA-999E-32FD-7D3F8526FF33}"/>
+              </a:ext>
+            </a:extLst>
+          </p:cNvPr>
+          <p:cNvSpPr/>
+          <p:nvPr/>
+        </p:nvSpPr>
+        <p:spPr>
+          <a:xfrm>
+            <a:off x="7028597" y="3684896"/>
+            <a:ext cx="859809" cy="1473958"/>
+          </a:xfrm>
+          <a:prstGeom prst="rightBrace">
+            <a:avLst/>
+          </a:prstGeom>
+        </p:spPr>
+        <p:style>
+          <a:lnRef idx="1">
+            <a:schemeClr val="dk1"/>
+          </a:lnRef>
+          <a:fillRef idx="0">
+            <a:schemeClr val="dk1"/>
+          </a:fillRef>
+          <a:effectRef idx="0">
+            <a:schemeClr val="dk1"/>
+          </a:effectRef>
+          <a:fontRef idx="minor">
+            <a:schemeClr val="tx1"/>
+          </a:fontRef>
+        </p:style>
+        <p:txBody>
+          <a:bodyPr rtlCol="0" anchor="ctr"/>
+          <a:lstStyle/>
+          <a:p>
+            <a:pPr algn="ctr"/>
+            <a:endParaRPr lang="es-BO"/>
+          </a:p>
+        </p:txBody>
+      </p:sp>
+    </p:spTree>
+    <p:extLst>
+      <p:ext uri="{BB962C8B-B14F-4D97-AF65-F5344CB8AC3E}">
+        <p14:creationId xmlns:p14="http://schemas.microsoft.com/office/powerpoint/2010/main" val="2170720035"/>
+      </p:ext>
+    </p:extLst>
+  </p:cSld>
+  <p:clrMapOvr>
+    <a:masterClrMapping/>
+  </p:clrMapOvr>
+</p:sld>
+</file>
+
+<file path=ppt/slides/slide19.xml><?xml version="1.0" encoding="utf-8"?>
 <p:sld xmlns:a="http://schemas.openxmlformats.org/drawingml/2006/main" xmlns:r="http://schemas.openxmlformats.org/officeDocument/2006/relationships" xmlns:p="http://schemas.openxmlformats.org/presentationml/2006/main">
   <p:cSld>
     <p:spTree>
@@ -4687,338 +5186,6 @@
 </p:sld>
 </file>
 
-<file path=ppt/slides/slide17.xml><?xml version="1.0" encoding="utf-8"?>
-<p:sld xmlns:a="http://schemas.openxmlformats.org/drawingml/2006/main" xmlns:r="http://schemas.openxmlformats.org/officeDocument/2006/relationships" xmlns:p="http://schemas.openxmlformats.org/presentationml/2006/main">
-  <p:cSld>
-    <p:spTree>
-      <p:nvGrpSpPr>
-        <p:cNvPr id="1" name=""/>
-        <p:cNvGrpSpPr/>
-        <p:nvPr/>
-      </p:nvGrpSpPr>
-      <p:grpSpPr>
-        <a:xfrm>
-          <a:off x="0" y="0"/>
-          <a:ext cx="0" cy="0"/>
-          <a:chOff x="0" y="0"/>
-          <a:chExt cx="0" cy="0"/>
-        </a:xfrm>
-      </p:grpSpPr>
-      <p:sp>
-        <p:nvSpPr>
-          <p:cNvPr id="2" name="Title 1">
-            <a:extLst>
-              <a:ext uri="{FF2B5EF4-FFF2-40B4-BE49-F238E27FC236}">
-                <a16:creationId xmlns:a16="http://schemas.microsoft.com/office/drawing/2014/main" id="{998F1120-FAE3-0076-151F-B90C303172F7}"/>
-              </a:ext>
-            </a:extLst>
-          </p:cNvPr>
-          <p:cNvSpPr txBox="1">
-            <a:spLocks noGrp="1"/>
-          </p:cNvSpPr>
-          <p:nvPr>
-            <p:ph type="title"/>
-          </p:nvPr>
-        </p:nvSpPr>
-        <p:spPr/>
-        <p:txBody>
-          <a:bodyPr/>
-          <a:lstStyle/>
-          <a:p>
-            <a:pPr lvl="0"/>
-            <a:r>
-              <a:rPr lang="en-CA" dirty="0"/>
-              <a:t>Morphological productivity</a:t>
-            </a:r>
-            <a:endParaRPr lang="es-BO" dirty="0"/>
-          </a:p>
-        </p:txBody>
-      </p:sp>
-      <p:sp>
-        <p:nvSpPr>
-          <p:cNvPr id="3" name="Content Placeholder 2">
-            <a:extLst>
-              <a:ext uri="{FF2B5EF4-FFF2-40B4-BE49-F238E27FC236}">
-                <a16:creationId xmlns:a16="http://schemas.microsoft.com/office/drawing/2014/main" id="{F45C1AA8-EC23-3882-22E4-1123CBFB06FE}"/>
-              </a:ext>
-            </a:extLst>
-          </p:cNvPr>
-          <p:cNvSpPr txBox="1">
-            <a:spLocks noGrp="1"/>
-          </p:cNvSpPr>
-          <p:nvPr>
-            <p:ph idx="1"/>
-          </p:nvPr>
-        </p:nvSpPr>
-        <p:spPr/>
-        <p:txBody>
-          <a:bodyPr/>
-          <a:lstStyle/>
-          <a:p>
-            <a:pPr lvl="0"/>
-            <a:r>
-              <a:rPr lang="en-CA"/>
-              <a:t>Morphemes vary in terms of their productivity.</a:t>
-            </a:r>
-          </a:p>
-          <a:p>
-            <a:pPr lvl="0"/>
-            <a:endParaRPr lang="en-CA"/>
-          </a:p>
-          <a:p>
-            <a:pPr lvl="0"/>
-            <a:r>
-              <a:rPr lang="en-CA"/>
-              <a:t>Some morphemes like </a:t>
-            </a:r>
-            <a:r>
-              <a:rPr lang="en-CA" i="1"/>
-              <a:t>–ness </a:t>
-            </a:r>
-            <a:r>
-              <a:rPr lang="en-CA"/>
-              <a:t>are highly productive</a:t>
-            </a:r>
-          </a:p>
-          <a:p>
-            <a:pPr lvl="0"/>
-            <a:endParaRPr lang="en-CA"/>
-          </a:p>
-          <a:p>
-            <a:pPr lvl="0"/>
-            <a:r>
-              <a:rPr lang="es-BO"/>
-              <a:t>Others like </a:t>
-            </a:r>
-            <a:r>
-              <a:rPr lang="es-BO" i="1"/>
-              <a:t>–th </a:t>
-            </a:r>
-            <a:r>
-              <a:rPr lang="es-BO"/>
-              <a:t>in </a:t>
-            </a:r>
-            <a:r>
-              <a:rPr lang="es-BO" i="1"/>
-              <a:t>warmth </a:t>
-            </a:r>
-            <a:r>
-              <a:rPr lang="es-BO"/>
-              <a:t>only occur with a small number of forms.</a:t>
-            </a:r>
-          </a:p>
-        </p:txBody>
-      </p:sp>
-    </p:spTree>
-  </p:cSld>
-  <p:clrMapOvr>
-    <a:masterClrMapping/>
-  </p:clrMapOvr>
-</p:sld>
-</file>
-
-<file path=ppt/slides/slide18.xml><?xml version="1.0" encoding="utf-8"?>
-<p:sld xmlns:a="http://schemas.openxmlformats.org/drawingml/2006/main" xmlns:r="http://schemas.openxmlformats.org/officeDocument/2006/relationships" xmlns:p="http://schemas.openxmlformats.org/presentationml/2006/main">
-  <p:cSld>
-    <p:spTree>
-      <p:nvGrpSpPr>
-        <p:cNvPr id="1" name=""/>
-        <p:cNvGrpSpPr/>
-        <p:nvPr/>
-      </p:nvGrpSpPr>
-      <p:grpSpPr>
-        <a:xfrm>
-          <a:off x="0" y="0"/>
-          <a:ext cx="0" cy="0"/>
-          <a:chOff x="0" y="0"/>
-          <a:chExt cx="0" cy="0"/>
-        </a:xfrm>
-      </p:grpSpPr>
-      <p:sp>
-        <p:nvSpPr>
-          <p:cNvPr id="2" name="Title 1">
-            <a:extLst>
-              <a:ext uri="{FF2B5EF4-FFF2-40B4-BE49-F238E27FC236}">
-                <a16:creationId xmlns:a16="http://schemas.microsoft.com/office/drawing/2014/main" id="{5F69AFA2-5C16-8B65-3DA3-9836C39313A6}"/>
-              </a:ext>
-            </a:extLst>
-          </p:cNvPr>
-          <p:cNvSpPr>
-            <a:spLocks noGrp="1"/>
-          </p:cNvSpPr>
-          <p:nvPr>
-            <p:ph type="title"/>
-          </p:nvPr>
-        </p:nvSpPr>
-        <p:spPr/>
-        <p:txBody>
-          <a:bodyPr/>
-          <a:lstStyle/>
-          <a:p>
-            <a:r>
-              <a:rPr lang="is-IS" dirty="0"/>
-              <a:t>Morphological productivity</a:t>
-            </a:r>
-            <a:endParaRPr lang="es-BO" dirty="0"/>
-          </a:p>
-        </p:txBody>
-      </p:sp>
-      <p:sp>
-        <p:nvSpPr>
-          <p:cNvPr id="3" name="Content Placeholder 2">
-            <a:extLst>
-              <a:ext uri="{FF2B5EF4-FFF2-40B4-BE49-F238E27FC236}">
-                <a16:creationId xmlns:a16="http://schemas.microsoft.com/office/drawing/2014/main" id="{DCAA8E37-D5FA-0E37-39E4-277DBE0E097F}"/>
-              </a:ext>
-            </a:extLst>
-          </p:cNvPr>
-          <p:cNvSpPr>
-            <a:spLocks noGrp="1"/>
-          </p:cNvSpPr>
-          <p:nvPr>
-            <p:ph idx="1"/>
-          </p:nvPr>
-        </p:nvSpPr>
-        <p:spPr/>
-        <p:txBody>
-          <a:bodyPr/>
-          <a:lstStyle/>
-          <a:p>
-            <a:r>
-              <a:rPr lang="is-IS" b="1" dirty="0"/>
-              <a:t>Realized productivity</a:t>
-            </a:r>
-            <a:r>
-              <a:rPr lang="is-IS" dirty="0"/>
-              <a:t>: high memberships (lots of words have this morpheme)</a:t>
-            </a:r>
-          </a:p>
-          <a:p>
-            <a:endParaRPr lang="is-IS" dirty="0"/>
-          </a:p>
-          <a:p>
-            <a:r>
-              <a:rPr lang="is-IS" b="1" dirty="0"/>
-              <a:t>Expanded productivity</a:t>
-            </a:r>
-            <a:r>
-              <a:rPr lang="is-IS" dirty="0"/>
-              <a:t>: growing memberships (new words use this morpheme)</a:t>
-            </a:r>
-          </a:p>
-          <a:p>
-            <a:endParaRPr lang="is-IS" dirty="0"/>
-          </a:p>
-          <a:p>
-            <a:r>
-              <a:rPr lang="is-IS" b="1" dirty="0"/>
-              <a:t>Potential productivity</a:t>
-            </a:r>
-            <a:r>
-              <a:rPr lang="is-IS" dirty="0"/>
-              <a:t>: we think it could be used with lots of words</a:t>
-            </a:r>
-            <a:endParaRPr lang="es-BO" dirty="0"/>
-          </a:p>
-        </p:txBody>
-      </p:sp>
-    </p:spTree>
-    <p:extLst>
-      <p:ext uri="{BB962C8B-B14F-4D97-AF65-F5344CB8AC3E}">
-        <p14:creationId xmlns:p14="http://schemas.microsoft.com/office/powerpoint/2010/main" val="3988692805"/>
-      </p:ext>
-    </p:extLst>
-  </p:cSld>
-  <p:clrMapOvr>
-    <a:masterClrMapping/>
-  </p:clrMapOvr>
-</p:sld>
-</file>
-
-<file path=ppt/slides/slide19.xml><?xml version="1.0" encoding="utf-8"?>
-<p:sld xmlns:a="http://schemas.openxmlformats.org/drawingml/2006/main" xmlns:r="http://schemas.openxmlformats.org/officeDocument/2006/relationships" xmlns:p="http://schemas.openxmlformats.org/presentationml/2006/main">
-  <p:cSld>
-    <p:spTree>
-      <p:nvGrpSpPr>
-        <p:cNvPr id="1" name=""/>
-        <p:cNvGrpSpPr/>
-        <p:nvPr/>
-      </p:nvGrpSpPr>
-      <p:grpSpPr>
-        <a:xfrm>
-          <a:off x="0" y="0"/>
-          <a:ext cx="0" cy="0"/>
-          <a:chOff x="0" y="0"/>
-          <a:chExt cx="0" cy="0"/>
-        </a:xfrm>
-      </p:grpSpPr>
-      <p:sp>
-        <p:nvSpPr>
-          <p:cNvPr id="2" name="Title 1">
-            <a:extLst>
-              <a:ext uri="{FF2B5EF4-FFF2-40B4-BE49-F238E27FC236}">
-                <a16:creationId xmlns:a16="http://schemas.microsoft.com/office/drawing/2014/main" id="{F463AE27-A69A-4DBF-C662-9C6C4D45E975}"/>
-              </a:ext>
-            </a:extLst>
-          </p:cNvPr>
-          <p:cNvSpPr>
-            <a:spLocks noGrp="1"/>
-          </p:cNvSpPr>
-          <p:nvPr>
-            <p:ph type="title"/>
-          </p:nvPr>
-        </p:nvSpPr>
-        <p:spPr/>
-        <p:txBody>
-          <a:bodyPr/>
-          <a:lstStyle/>
-          <a:p>
-            <a:r>
-              <a:rPr lang="is-IS" dirty="0"/>
-              <a:t>Realized productivity</a:t>
-            </a:r>
-            <a:endParaRPr lang="es-BO" dirty="0"/>
-          </a:p>
-        </p:txBody>
-      </p:sp>
-      <p:sp>
-        <p:nvSpPr>
-          <p:cNvPr id="3" name="Content Placeholder 2">
-            <a:extLst>
-              <a:ext uri="{FF2B5EF4-FFF2-40B4-BE49-F238E27FC236}">
-                <a16:creationId xmlns:a16="http://schemas.microsoft.com/office/drawing/2014/main" id="{D8EFBB7F-BB98-51BA-D33E-8ACD36A8542E}"/>
-              </a:ext>
-            </a:extLst>
-          </p:cNvPr>
-          <p:cNvSpPr>
-            <a:spLocks noGrp="1"/>
-          </p:cNvSpPr>
-          <p:nvPr>
-            <p:ph idx="1"/>
-          </p:nvPr>
-        </p:nvSpPr>
-        <p:spPr/>
-        <p:txBody>
-          <a:bodyPr/>
-          <a:lstStyle/>
-          <a:p>
-            <a:endParaRPr lang="es-BO"/>
-          </a:p>
-        </p:txBody>
-      </p:sp>
-    </p:spTree>
-    <p:extLst>
-      <p:ext uri="{BB962C8B-B14F-4D97-AF65-F5344CB8AC3E}">
-        <p14:creationId xmlns:p14="http://schemas.microsoft.com/office/powerpoint/2010/main" val="27331327"/>
-      </p:ext>
-    </p:extLst>
-  </p:cSld>
-  <p:clrMapOvr>
-    <a:masterClrMapping/>
-  </p:clrMapOvr>
-</p:sld>
-</file>
-
 <file path=ppt/slides/slide2.xml><?xml version="1.0" encoding="utf-8"?>
 <p:sld xmlns:a="http://schemas.openxmlformats.org/drawingml/2006/main" xmlns:r="http://schemas.openxmlformats.org/officeDocument/2006/relationships" xmlns:p="http://schemas.openxmlformats.org/presentationml/2006/main">
   <p:cSld>
@@ -5251,11 +5418,11 @@
           <p:cNvPr id="2" name="Title 1">
             <a:extLst>
               <a:ext uri="{FF2B5EF4-FFF2-40B4-BE49-F238E27FC236}">
-                <a16:creationId xmlns:a16="http://schemas.microsoft.com/office/drawing/2014/main" id="{1F89E5C9-D81F-89EE-7882-DCB763DFD921}"/>
-              </a:ext>
-            </a:extLst>
-          </p:cNvPr>
-          <p:cNvSpPr>
+                <a16:creationId xmlns:a16="http://schemas.microsoft.com/office/drawing/2014/main" id="{998F1120-FAE3-0076-151F-B90C303172F7}"/>
+              </a:ext>
+            </a:extLst>
+          </p:cNvPr>
+          <p:cNvSpPr txBox="1">
             <a:spLocks noGrp="1"/>
           </p:cNvSpPr>
           <p:nvPr>
@@ -5267,9 +5434,10 @@
           <a:bodyPr/>
           <a:lstStyle/>
           <a:p>
-            <a:r>
-              <a:rPr lang="is-IS" dirty="0"/>
-              <a:t>Expanded productivity</a:t>
+            <a:pPr lvl="0"/>
+            <a:r>
+              <a:rPr lang="en-CA" dirty="0"/>
+              <a:t>Morphological productivity</a:t>
             </a:r>
             <a:endParaRPr lang="es-BO" dirty="0"/>
           </a:p>
@@ -5280,11 +5448,11 @@
           <p:cNvPr id="3" name="Content Placeholder 2">
             <a:extLst>
               <a:ext uri="{FF2B5EF4-FFF2-40B4-BE49-F238E27FC236}">
-                <a16:creationId xmlns:a16="http://schemas.microsoft.com/office/drawing/2014/main" id="{E7BEDF07-0FDB-99F0-6E95-66D709B18FA5}"/>
-              </a:ext>
-            </a:extLst>
-          </p:cNvPr>
-          <p:cNvSpPr>
+                <a16:creationId xmlns:a16="http://schemas.microsoft.com/office/drawing/2014/main" id="{F45C1AA8-EC23-3882-22E4-1123CBFB06FE}"/>
+              </a:ext>
+            </a:extLst>
+          </p:cNvPr>
+          <p:cNvSpPr txBox="1">
             <a:spLocks noGrp="1"/>
           </p:cNvSpPr>
           <p:nvPr>
@@ -5296,16 +5464,61 @@
           <a:bodyPr/>
           <a:lstStyle/>
           <a:p>
-            <a:endParaRPr lang="es-BO"/>
+            <a:pPr lvl="0"/>
+            <a:r>
+              <a:rPr lang="en-CA"/>
+              <a:t>Morphemes vary in terms of their productivity.</a:t>
+            </a:r>
+          </a:p>
+          <a:p>
+            <a:pPr lvl="0"/>
+            <a:endParaRPr lang="en-CA"/>
+          </a:p>
+          <a:p>
+            <a:pPr lvl="0"/>
+            <a:r>
+              <a:rPr lang="en-CA"/>
+              <a:t>Some morphemes like </a:t>
+            </a:r>
+            <a:r>
+              <a:rPr lang="en-CA" i="1"/>
+              <a:t>–ness </a:t>
+            </a:r>
+            <a:r>
+              <a:rPr lang="en-CA"/>
+              <a:t>are highly productive</a:t>
+            </a:r>
+          </a:p>
+          <a:p>
+            <a:pPr lvl="0"/>
+            <a:endParaRPr lang="en-CA"/>
+          </a:p>
+          <a:p>
+            <a:pPr lvl="0"/>
+            <a:r>
+              <a:rPr lang="es-BO"/>
+              <a:t>Others like </a:t>
+            </a:r>
+            <a:r>
+              <a:rPr lang="es-BO" i="1"/>
+              <a:t>–th </a:t>
+            </a:r>
+            <a:r>
+              <a:rPr lang="es-BO"/>
+              <a:t>in </a:t>
+            </a:r>
+            <a:r>
+              <a:rPr lang="es-BO" i="1"/>
+              <a:t>warmth </a:t>
+            </a:r>
+            <a:r>
+              <a:rPr lang="es-BO"/>
+              <a:t>only occur with a small number of forms.</a:t>
+            </a:r>
           </a:p>
         </p:txBody>
       </p:sp>
     </p:spTree>
-    <p:extLst>
-      <p:ext uri="{BB962C8B-B14F-4D97-AF65-F5344CB8AC3E}">
-        <p14:creationId xmlns:p14="http://schemas.microsoft.com/office/powerpoint/2010/main" val="423297881"/>
-      </p:ext>
-    </p:extLst>
   </p:cSld>
   <p:clrMapOvr>
     <a:masterClrMapping/>
@@ -5335,7 +5548,7 @@
           <p:cNvPr id="2" name="Title 1">
             <a:extLst>
               <a:ext uri="{FF2B5EF4-FFF2-40B4-BE49-F238E27FC236}">
-                <a16:creationId xmlns:a16="http://schemas.microsoft.com/office/drawing/2014/main" id="{3591349B-54E1-CDCE-3F27-6604AF5B679E}"/>
+                <a16:creationId xmlns:a16="http://schemas.microsoft.com/office/drawing/2014/main" id="{5F69AFA2-5C16-8B65-3DA3-9836C39313A6}"/>
               </a:ext>
             </a:extLst>
           </p:cNvPr>
@@ -5353,41 +5566,75 @@
           <a:p>
             <a:r>
               <a:rPr lang="is-IS" dirty="0"/>
+              <a:t>Morphological productivity</a:t>
+            </a:r>
+            <a:endParaRPr lang="es-BO" dirty="0"/>
+          </a:p>
+        </p:txBody>
+      </p:sp>
+      <p:sp>
+        <p:nvSpPr>
+          <p:cNvPr id="3" name="Content Placeholder 2">
+            <a:extLst>
+              <a:ext uri="{FF2B5EF4-FFF2-40B4-BE49-F238E27FC236}">
+                <a16:creationId xmlns:a16="http://schemas.microsoft.com/office/drawing/2014/main" id="{DCAA8E37-D5FA-0E37-39E4-277DBE0E097F}"/>
+              </a:ext>
+            </a:extLst>
+          </p:cNvPr>
+          <p:cNvSpPr>
+            <a:spLocks noGrp="1"/>
+          </p:cNvSpPr>
+          <p:nvPr>
+            <p:ph idx="1"/>
+          </p:nvPr>
+        </p:nvSpPr>
+        <p:spPr/>
+        <p:txBody>
+          <a:bodyPr/>
+          <a:lstStyle/>
+          <a:p>
+            <a:r>
+              <a:rPr lang="is-IS" b="1" dirty="0"/>
+              <a:t>Realized productivity</a:t>
+            </a:r>
+            <a:r>
+              <a:rPr lang="is-IS" dirty="0"/>
+              <a:t>: high memberships (lots of words have this morpheme)</a:t>
+            </a:r>
+          </a:p>
+          <a:p>
+            <a:endParaRPr lang="is-IS" dirty="0"/>
+          </a:p>
+          <a:p>
+            <a:r>
+              <a:rPr lang="is-IS" b="1" dirty="0"/>
+              <a:t>Expanded productivity</a:t>
+            </a:r>
+            <a:r>
+              <a:rPr lang="is-IS" dirty="0"/>
+              <a:t>: growing memberships (new words use this morpheme)</a:t>
+            </a:r>
+          </a:p>
+          <a:p>
+            <a:endParaRPr lang="is-IS" dirty="0"/>
+          </a:p>
+          <a:p>
+            <a:r>
+              <a:rPr lang="is-IS" b="1" dirty="0"/>
               <a:t>Potential productivity</a:t>
             </a:r>
+            <a:r>
+              <a:rPr lang="is-IS" dirty="0"/>
+              <a:t>: we think it could be used with lots of words</a:t>
+            </a:r>
             <a:endParaRPr lang="es-BO" dirty="0"/>
-          </a:p>
-        </p:txBody>
-      </p:sp>
-      <p:sp>
-        <p:nvSpPr>
-          <p:cNvPr id="3" name="Content Placeholder 2">
-            <a:extLst>
-              <a:ext uri="{FF2B5EF4-FFF2-40B4-BE49-F238E27FC236}">
-                <a16:creationId xmlns:a16="http://schemas.microsoft.com/office/drawing/2014/main" id="{379E8CE9-3346-63D6-638A-68A9309A9B86}"/>
-              </a:ext>
-            </a:extLst>
-          </p:cNvPr>
-          <p:cNvSpPr>
-            <a:spLocks noGrp="1"/>
-          </p:cNvSpPr>
-          <p:nvPr>
-            <p:ph idx="1"/>
-          </p:nvPr>
-        </p:nvSpPr>
-        <p:spPr/>
-        <p:txBody>
-          <a:bodyPr/>
-          <a:lstStyle/>
-          <a:p>
-            <a:endParaRPr lang="es-BO"/>
           </a:p>
         </p:txBody>
       </p:sp>
     </p:spTree>
     <p:extLst>
       <p:ext uri="{BB962C8B-B14F-4D97-AF65-F5344CB8AC3E}">
-        <p14:creationId xmlns:p14="http://schemas.microsoft.com/office/powerpoint/2010/main" val="244633975"/>
+        <p14:creationId xmlns:p14="http://schemas.microsoft.com/office/powerpoint/2010/main" val="3988692805"/>
       </p:ext>
     </p:extLst>
   </p:cSld>
@@ -5414,64 +5661,474 @@
           <a:chExt cx="0" cy="0"/>
         </a:xfrm>
       </p:grpSpPr>
-      <p:sp>
-        <p:nvSpPr>
-          <p:cNvPr id="2" name="Title 1">
-            <a:extLst>
-              <a:ext uri="{FF2B5EF4-FFF2-40B4-BE49-F238E27FC236}">
-                <a16:creationId xmlns:a16="http://schemas.microsoft.com/office/drawing/2014/main" id="{4934E64E-E063-F558-6775-726F51DC3829}"/>
-              </a:ext>
-            </a:extLst>
-          </p:cNvPr>
-          <p:cNvSpPr>
-            <a:spLocks noGrp="1"/>
-          </p:cNvSpPr>
-          <p:nvPr>
-            <p:ph type="title"/>
-          </p:nvPr>
-        </p:nvSpPr>
-        <p:spPr/>
-        <p:txBody>
-          <a:bodyPr/>
+      <p:pic>
+        <p:nvPicPr>
+          <p:cNvPr id="5" name="Graphic 4" descr="Factory outline">
+            <a:extLst>
+              <a:ext uri="{FF2B5EF4-FFF2-40B4-BE49-F238E27FC236}">
+                <a16:creationId xmlns:a16="http://schemas.microsoft.com/office/drawing/2014/main" id="{623FEDC5-45CA-4CEB-837B-B52CAB803744}"/>
+              </a:ext>
+            </a:extLst>
+          </p:cNvPr>
+          <p:cNvPicPr>
+            <a:picLocks noChangeAspect="1"/>
+          </p:cNvPicPr>
+          <p:nvPr/>
+        </p:nvPicPr>
+        <p:blipFill>
+          <a:blip r:embed="rId2">
+            <a:extLst>
+              <a:ext uri="{28A0092B-C50C-407E-A947-70E740481C1C}">
+                <a14:useLocalDpi xmlns:a14="http://schemas.microsoft.com/office/drawing/2010/main" val="0"/>
+              </a:ext>
+              <a:ext uri="{96DAC541-7B7A-43D3-8B79-37D633B846F1}">
+                <asvg:svgBlip xmlns:asvg="http://schemas.microsoft.com/office/drawing/2016/SVG/main" r:embed="rId3"/>
+              </a:ext>
+            </a:extLst>
+          </a:blip>
+          <a:stretch>
+            <a:fillRect/>
+          </a:stretch>
+        </p:blipFill>
+        <p:spPr>
+          <a:xfrm>
+            <a:off x="1205132" y="5264834"/>
+            <a:ext cx="914400" cy="914400"/>
+          </a:xfrm>
+          <a:prstGeom prst="rect">
+            <a:avLst/>
+          </a:prstGeom>
+        </p:spPr>
+      </p:pic>
+      <p:pic>
+        <p:nvPicPr>
+          <p:cNvPr id="6" name="Graphic 5" descr="Factory outline">
+            <a:extLst>
+              <a:ext uri="{FF2B5EF4-FFF2-40B4-BE49-F238E27FC236}">
+                <a16:creationId xmlns:a16="http://schemas.microsoft.com/office/drawing/2014/main" id="{F2D70935-D0EC-D8D9-4E6A-74E6DB179214}"/>
+              </a:ext>
+            </a:extLst>
+          </p:cNvPr>
+          <p:cNvPicPr>
+            <a:picLocks noChangeAspect="1"/>
+          </p:cNvPicPr>
+          <p:nvPr/>
+        </p:nvPicPr>
+        <p:blipFill>
+          <a:blip r:embed="rId2">
+            <a:extLst>
+              <a:ext uri="{28A0092B-C50C-407E-A947-70E740481C1C}">
+                <a14:useLocalDpi xmlns:a14="http://schemas.microsoft.com/office/drawing/2010/main" val="0"/>
+              </a:ext>
+              <a:ext uri="{96DAC541-7B7A-43D3-8B79-37D633B846F1}">
+                <asvg:svgBlip xmlns:asvg="http://schemas.microsoft.com/office/drawing/2016/SVG/main" r:embed="rId3"/>
+              </a:ext>
+            </a:extLst>
+          </a:blip>
+          <a:stretch>
+            <a:fillRect/>
+          </a:stretch>
+        </p:blipFill>
+        <p:spPr>
+          <a:xfrm>
+            <a:off x="2119532" y="4643511"/>
+            <a:ext cx="914400" cy="914400"/>
+          </a:xfrm>
+          <a:prstGeom prst="rect">
+            <a:avLst/>
+          </a:prstGeom>
+        </p:spPr>
+      </p:pic>
+      <p:pic>
+        <p:nvPicPr>
+          <p:cNvPr id="7" name="Graphic 6" descr="Factory outline">
+            <a:extLst>
+              <a:ext uri="{FF2B5EF4-FFF2-40B4-BE49-F238E27FC236}">
+                <a16:creationId xmlns:a16="http://schemas.microsoft.com/office/drawing/2014/main" id="{5F2BE402-B0E2-2863-9DCD-B53774766744}"/>
+              </a:ext>
+            </a:extLst>
+          </p:cNvPr>
+          <p:cNvPicPr>
+            <a:picLocks noChangeAspect="1"/>
+          </p:cNvPicPr>
+          <p:nvPr/>
+        </p:nvPicPr>
+        <p:blipFill>
+          <a:blip r:embed="rId2">
+            <a:extLst>
+              <a:ext uri="{28A0092B-C50C-407E-A947-70E740481C1C}">
+                <a14:useLocalDpi xmlns:a14="http://schemas.microsoft.com/office/drawing/2010/main" val="0"/>
+              </a:ext>
+              <a:ext uri="{96DAC541-7B7A-43D3-8B79-37D633B846F1}">
+                <asvg:svgBlip xmlns:asvg="http://schemas.microsoft.com/office/drawing/2016/SVG/main" r:embed="rId3"/>
+              </a:ext>
+            </a:extLst>
+          </a:blip>
+          <a:stretch>
+            <a:fillRect/>
+          </a:stretch>
+        </p:blipFill>
+        <p:spPr>
+          <a:xfrm>
+            <a:off x="1205132" y="4039773"/>
+            <a:ext cx="914400" cy="914400"/>
+          </a:xfrm>
+          <a:prstGeom prst="rect">
+            <a:avLst/>
+          </a:prstGeom>
+        </p:spPr>
+      </p:pic>
+      <p:pic>
+        <p:nvPicPr>
+          <p:cNvPr id="8" name="Graphic 7" descr="Factory outline">
+            <a:extLst>
+              <a:ext uri="{FF2B5EF4-FFF2-40B4-BE49-F238E27FC236}">
+                <a16:creationId xmlns:a16="http://schemas.microsoft.com/office/drawing/2014/main" id="{6121618F-F996-C21C-B839-65972A5FD943}"/>
+              </a:ext>
+            </a:extLst>
+          </p:cNvPr>
+          <p:cNvPicPr>
+            <a:picLocks noChangeAspect="1"/>
+          </p:cNvPicPr>
+          <p:nvPr/>
+        </p:nvPicPr>
+        <p:blipFill>
+          <a:blip r:embed="rId2">
+            <a:extLst>
+              <a:ext uri="{28A0092B-C50C-407E-A947-70E740481C1C}">
+                <a14:useLocalDpi xmlns:a14="http://schemas.microsoft.com/office/drawing/2010/main" val="0"/>
+              </a:ext>
+              <a:ext uri="{96DAC541-7B7A-43D3-8B79-37D633B846F1}">
+                <asvg:svgBlip xmlns:asvg="http://schemas.microsoft.com/office/drawing/2016/SVG/main" r:embed="rId3"/>
+              </a:ext>
+            </a:extLst>
+          </a:blip>
+          <a:stretch>
+            <a:fillRect/>
+          </a:stretch>
+        </p:blipFill>
+        <p:spPr>
+          <a:xfrm>
+            <a:off x="2119532" y="3582573"/>
+            <a:ext cx="914400" cy="914400"/>
+          </a:xfrm>
+          <a:prstGeom prst="rect">
+            <a:avLst/>
+          </a:prstGeom>
+        </p:spPr>
+      </p:pic>
+      <p:pic>
+        <p:nvPicPr>
+          <p:cNvPr id="9" name="Graphic 8" descr="Factory outline">
+            <a:extLst>
+              <a:ext uri="{FF2B5EF4-FFF2-40B4-BE49-F238E27FC236}">
+                <a16:creationId xmlns:a16="http://schemas.microsoft.com/office/drawing/2014/main" id="{3E3AD2FC-6CAE-3FBD-454A-AF4DEB5FECB4}"/>
+              </a:ext>
+            </a:extLst>
+          </p:cNvPr>
+          <p:cNvPicPr>
+            <a:picLocks noChangeAspect="1"/>
+          </p:cNvPicPr>
+          <p:nvPr/>
+        </p:nvPicPr>
+        <p:blipFill>
+          <a:blip r:embed="rId2">
+            <a:extLst>
+              <a:ext uri="{28A0092B-C50C-407E-A947-70E740481C1C}">
+                <a14:useLocalDpi xmlns:a14="http://schemas.microsoft.com/office/drawing/2010/main" val="0"/>
+              </a:ext>
+              <a:ext uri="{96DAC541-7B7A-43D3-8B79-37D633B846F1}">
+                <asvg:svgBlip xmlns:asvg="http://schemas.microsoft.com/office/drawing/2016/SVG/main" r:embed="rId3"/>
+              </a:ext>
+            </a:extLst>
+          </a:blip>
+          <a:stretch>
+            <a:fillRect/>
+          </a:stretch>
+        </p:blipFill>
+        <p:spPr>
+          <a:xfrm>
+            <a:off x="3033932" y="5264834"/>
+            <a:ext cx="914400" cy="914400"/>
+          </a:xfrm>
+          <a:prstGeom prst="rect">
+            <a:avLst/>
+          </a:prstGeom>
+        </p:spPr>
+      </p:pic>
+      <p:sp>
+        <p:nvSpPr>
+          <p:cNvPr id="10" name="Content Placeholder 2">
+            <a:extLst>
+              <a:ext uri="{FF2B5EF4-FFF2-40B4-BE49-F238E27FC236}">
+                <a16:creationId xmlns:a16="http://schemas.microsoft.com/office/drawing/2014/main" id="{908B40EF-1479-DA23-4C2C-43E22366057A}"/>
+              </a:ext>
+            </a:extLst>
+          </p:cNvPr>
+          <p:cNvSpPr>
+            <a:spLocks noGrp="1"/>
+          </p:cNvSpPr>
+          <p:nvPr>
+            <p:ph idx="1"/>
+          </p:nvPr>
+        </p:nvSpPr>
+        <p:spPr>
+          <a:xfrm>
+            <a:off x="838200" y="602835"/>
+            <a:ext cx="10515600" cy="3126277"/>
+          </a:xfrm>
+        </p:spPr>
+        <p:txBody>
+          <a:bodyPr>
+            <a:normAutofit lnSpcReduction="10000"/>
+          </a:bodyPr>
           <a:lstStyle/>
           <a:p>
             <a:r>
               <a:rPr lang="is-IS" dirty="0"/>
-              <a:t>Segmentability</a:t>
-            </a:r>
+              <a:t>Different notions of productivity based on analogies with economics</a:t>
+            </a:r>
+          </a:p>
+          <a:p>
+            <a:endParaRPr lang="is-IS" dirty="0"/>
+          </a:p>
+          <a:p>
+            <a:r>
+              <a:rPr lang="is-IS" dirty="0"/>
+              <a:t>Realized productivity: how much has been produced in the past (production)</a:t>
+            </a:r>
+          </a:p>
+          <a:p>
+            <a:endParaRPr lang="is-IS" dirty="0"/>
+          </a:p>
+          <a:p>
+            <a:r>
+              <a:rPr lang="is-IS" dirty="0"/>
+              <a:t>Expanding productivity: based on changes in what is produced over time (profit)</a:t>
+            </a:r>
+          </a:p>
+          <a:p>
             <a:endParaRPr lang="es-BO" dirty="0"/>
           </a:p>
         </p:txBody>
       </p:sp>
       <p:sp>
         <p:nvSpPr>
-          <p:cNvPr id="3" name="Content Placeholder 2">
-            <a:extLst>
-              <a:ext uri="{FF2B5EF4-FFF2-40B4-BE49-F238E27FC236}">
-                <a16:creationId xmlns:a16="http://schemas.microsoft.com/office/drawing/2014/main" id="{1E4E3916-753B-A09E-324B-4566AEDA38AD}"/>
-              </a:ext>
-            </a:extLst>
-          </p:cNvPr>
-          <p:cNvSpPr>
-            <a:spLocks noGrp="1"/>
-          </p:cNvSpPr>
-          <p:nvPr>
-            <p:ph idx="1"/>
-          </p:nvPr>
-        </p:nvSpPr>
-        <p:spPr/>
-        <p:txBody>
-          <a:bodyPr/>
-          <a:lstStyle/>
-          <a:p>
-            <a:endParaRPr lang="es-BO"/>
+          <p:cNvPr id="11" name="Content Placeholder 2">
+            <a:extLst>
+              <a:ext uri="{FF2B5EF4-FFF2-40B4-BE49-F238E27FC236}">
+                <a16:creationId xmlns:a16="http://schemas.microsoft.com/office/drawing/2014/main" id="{AE25BE1D-45DF-839A-8BEC-68243E155FD5}"/>
+              </a:ext>
+            </a:extLst>
+          </p:cNvPr>
+          <p:cNvSpPr txBox="1">
+            <a:spLocks/>
+          </p:cNvSpPr>
+          <p:nvPr/>
+        </p:nvSpPr>
+        <p:spPr>
+          <a:xfrm>
+            <a:off x="4888524" y="3729112"/>
+            <a:ext cx="6098344" cy="2815615"/>
+          </a:xfrm>
+          <a:prstGeom prst="rect">
+            <a:avLst/>
+          </a:prstGeom>
+        </p:spPr>
+        <p:txBody>
+          <a:bodyPr vert="horz" lIns="91440" tIns="45720" rIns="91440" bIns="45720" rtlCol="0">
+            <a:normAutofit/>
+          </a:bodyPr>
+          <a:lstStyle>
+            <a:lvl1pPr marL="228600" indent="-228600" algn="l" defTabSz="914400" rtl="0" eaLnBrk="1" latinLnBrk="0" hangingPunct="1">
+              <a:lnSpc>
+                <a:spcPct val="90000"/>
+              </a:lnSpc>
+              <a:spcBef>
+                <a:spcPts val="1000"/>
+              </a:spcBef>
+              <a:buFont typeface="Arial" panose="020B0604020202020204" pitchFamily="34" charset="0"/>
+              <a:buChar char="•"/>
+              <a:defRPr sz="2800" kern="1200">
+                <a:solidFill>
+                  <a:schemeClr val="tx1"/>
+                </a:solidFill>
+                <a:latin typeface="+mn-lt"/>
+                <a:ea typeface="+mn-ea"/>
+                <a:cs typeface="+mn-cs"/>
+              </a:defRPr>
+            </a:lvl1pPr>
+            <a:lvl2pPr marL="685800" indent="-228600" algn="l" defTabSz="914400" rtl="0" eaLnBrk="1" latinLnBrk="0" hangingPunct="1">
+              <a:lnSpc>
+                <a:spcPct val="90000"/>
+              </a:lnSpc>
+              <a:spcBef>
+                <a:spcPts val="500"/>
+              </a:spcBef>
+              <a:buFont typeface="Arial" panose="020B0604020202020204" pitchFamily="34" charset="0"/>
+              <a:buChar char="•"/>
+              <a:defRPr sz="2400" kern="1200">
+                <a:solidFill>
+                  <a:schemeClr val="tx1"/>
+                </a:solidFill>
+                <a:latin typeface="+mn-lt"/>
+                <a:ea typeface="+mn-ea"/>
+                <a:cs typeface="+mn-cs"/>
+              </a:defRPr>
+            </a:lvl2pPr>
+            <a:lvl3pPr marL="1143000" indent="-228600" algn="l" defTabSz="914400" rtl="0" eaLnBrk="1" latinLnBrk="0" hangingPunct="1">
+              <a:lnSpc>
+                <a:spcPct val="90000"/>
+              </a:lnSpc>
+              <a:spcBef>
+                <a:spcPts val="500"/>
+              </a:spcBef>
+              <a:buFont typeface="Arial" panose="020B0604020202020204" pitchFamily="34" charset="0"/>
+              <a:buChar char="•"/>
+              <a:defRPr sz="2000" kern="1200">
+                <a:solidFill>
+                  <a:schemeClr val="tx1"/>
+                </a:solidFill>
+                <a:latin typeface="+mn-lt"/>
+                <a:ea typeface="+mn-ea"/>
+                <a:cs typeface="+mn-cs"/>
+              </a:defRPr>
+            </a:lvl3pPr>
+            <a:lvl4pPr marL="1600200" indent="-228600" algn="l" defTabSz="914400" rtl="0" eaLnBrk="1" latinLnBrk="0" hangingPunct="1">
+              <a:lnSpc>
+                <a:spcPct val="90000"/>
+              </a:lnSpc>
+              <a:spcBef>
+                <a:spcPts val="500"/>
+              </a:spcBef>
+              <a:buFont typeface="Arial" panose="020B0604020202020204" pitchFamily="34" charset="0"/>
+              <a:buChar char="•"/>
+              <a:defRPr sz="1800" kern="1200">
+                <a:solidFill>
+                  <a:schemeClr val="tx1"/>
+                </a:solidFill>
+                <a:latin typeface="+mn-lt"/>
+                <a:ea typeface="+mn-ea"/>
+                <a:cs typeface="+mn-cs"/>
+              </a:defRPr>
+            </a:lvl4pPr>
+            <a:lvl5pPr marL="2057400" indent="-228600" algn="l" defTabSz="914400" rtl="0" eaLnBrk="1" latinLnBrk="0" hangingPunct="1">
+              <a:lnSpc>
+                <a:spcPct val="90000"/>
+              </a:lnSpc>
+              <a:spcBef>
+                <a:spcPts val="500"/>
+              </a:spcBef>
+              <a:buFont typeface="Arial" panose="020B0604020202020204" pitchFamily="34" charset="0"/>
+              <a:buChar char="•"/>
+              <a:defRPr sz="1800" kern="1200">
+                <a:solidFill>
+                  <a:schemeClr val="tx1"/>
+                </a:solidFill>
+                <a:latin typeface="+mn-lt"/>
+                <a:ea typeface="+mn-ea"/>
+                <a:cs typeface="+mn-cs"/>
+              </a:defRPr>
+            </a:lvl5pPr>
+            <a:lvl6pPr marL="2514600" indent="-228600" algn="l" defTabSz="914400" rtl="0" eaLnBrk="1" latinLnBrk="0" hangingPunct="1">
+              <a:lnSpc>
+                <a:spcPct val="90000"/>
+              </a:lnSpc>
+              <a:spcBef>
+                <a:spcPts val="500"/>
+              </a:spcBef>
+              <a:buFont typeface="Arial" panose="020B0604020202020204" pitchFamily="34" charset="0"/>
+              <a:buChar char="•"/>
+              <a:defRPr sz="1800" kern="1200">
+                <a:solidFill>
+                  <a:schemeClr val="tx1"/>
+                </a:solidFill>
+                <a:latin typeface="+mn-lt"/>
+                <a:ea typeface="+mn-ea"/>
+                <a:cs typeface="+mn-cs"/>
+              </a:defRPr>
+            </a:lvl6pPr>
+            <a:lvl7pPr marL="2971800" indent="-228600" algn="l" defTabSz="914400" rtl="0" eaLnBrk="1" latinLnBrk="0" hangingPunct="1">
+              <a:lnSpc>
+                <a:spcPct val="90000"/>
+              </a:lnSpc>
+              <a:spcBef>
+                <a:spcPts val="500"/>
+              </a:spcBef>
+              <a:buFont typeface="Arial" panose="020B0604020202020204" pitchFamily="34" charset="0"/>
+              <a:buChar char="•"/>
+              <a:defRPr sz="1800" kern="1200">
+                <a:solidFill>
+                  <a:schemeClr val="tx1"/>
+                </a:solidFill>
+                <a:latin typeface="+mn-lt"/>
+                <a:ea typeface="+mn-ea"/>
+                <a:cs typeface="+mn-cs"/>
+              </a:defRPr>
+            </a:lvl7pPr>
+            <a:lvl8pPr marL="3429000" indent="-228600" algn="l" defTabSz="914400" rtl="0" eaLnBrk="1" latinLnBrk="0" hangingPunct="1">
+              <a:lnSpc>
+                <a:spcPct val="90000"/>
+              </a:lnSpc>
+              <a:spcBef>
+                <a:spcPts val="500"/>
+              </a:spcBef>
+              <a:buFont typeface="Arial" panose="020B0604020202020204" pitchFamily="34" charset="0"/>
+              <a:buChar char="•"/>
+              <a:defRPr sz="1800" kern="1200">
+                <a:solidFill>
+                  <a:schemeClr val="tx1"/>
+                </a:solidFill>
+                <a:latin typeface="+mn-lt"/>
+                <a:ea typeface="+mn-ea"/>
+                <a:cs typeface="+mn-cs"/>
+              </a:defRPr>
+            </a:lvl8pPr>
+            <a:lvl9pPr marL="3886200" indent="-228600" algn="l" defTabSz="914400" rtl="0" eaLnBrk="1" latinLnBrk="0" hangingPunct="1">
+              <a:lnSpc>
+                <a:spcPct val="90000"/>
+              </a:lnSpc>
+              <a:spcBef>
+                <a:spcPts val="500"/>
+              </a:spcBef>
+              <a:buFont typeface="Arial" panose="020B0604020202020204" pitchFamily="34" charset="0"/>
+              <a:buChar char="•"/>
+              <a:defRPr sz="1800" kern="1200">
+                <a:solidFill>
+                  <a:schemeClr val="tx1"/>
+                </a:solidFill>
+                <a:latin typeface="+mn-lt"/>
+                <a:ea typeface="+mn-ea"/>
+                <a:cs typeface="+mn-cs"/>
+              </a:defRPr>
+            </a:lvl9pPr>
+          </a:lstStyle>
+          <a:p>
+            <a:r>
+              <a:rPr lang="is-IS" b="1" dirty="0"/>
+              <a:t>Potential productivity</a:t>
+            </a:r>
+            <a:r>
+              <a:rPr lang="is-IS" dirty="0"/>
+              <a:t>: based on how crowded the market it is ... </a:t>
+            </a:r>
+          </a:p>
+          <a:p>
+            <a:endParaRPr lang="is-IS" dirty="0"/>
+          </a:p>
+          <a:p>
+            <a:r>
+              <a:rPr lang="is-IS" dirty="0"/>
+              <a:t>potential productivity can be determined by saturation of competing morphological schemas</a:t>
+            </a:r>
+            <a:endParaRPr lang="es-BO" dirty="0"/>
           </a:p>
         </p:txBody>
       </p:sp>
     </p:spTree>
     <p:extLst>
       <p:ext uri="{BB962C8B-B14F-4D97-AF65-F5344CB8AC3E}">
-        <p14:creationId xmlns:p14="http://schemas.microsoft.com/office/powerpoint/2010/main" val="2498866891"/>
+        <p14:creationId xmlns:p14="http://schemas.microsoft.com/office/powerpoint/2010/main" val="2614981629"/>
       </p:ext>
     </p:extLst>
   </p:cSld>
@@ -5503,7 +6160,7 @@
           <p:cNvPr id="2" name="Title 1">
             <a:extLst>
               <a:ext uri="{FF2B5EF4-FFF2-40B4-BE49-F238E27FC236}">
-                <a16:creationId xmlns:a16="http://schemas.microsoft.com/office/drawing/2014/main" id="{0B7D5D11-E34E-44C8-DAA3-C8174A15C8F6}"/>
+                <a16:creationId xmlns:a16="http://schemas.microsoft.com/office/drawing/2014/main" id="{5F8C6A75-FCBC-5B99-47AF-C38CECF95F1D}"/>
               </a:ext>
             </a:extLst>
           </p:cNvPr>
@@ -5521,7 +6178,7 @@
           <a:p>
             <a:r>
               <a:rPr lang="is-IS" dirty="0"/>
-              <a:t>Morphology and phonetic reduction</a:t>
+              <a:t>Realized productivity</a:t>
             </a:r>
             <a:endParaRPr lang="es-BO" dirty="0"/>
           </a:p>
@@ -5532,7 +6189,7 @@
           <p:cNvPr id="3" name="Content Placeholder 2">
             <a:extLst>
               <a:ext uri="{FF2B5EF4-FFF2-40B4-BE49-F238E27FC236}">
-                <a16:creationId xmlns:a16="http://schemas.microsoft.com/office/drawing/2014/main" id="{3FAE7A14-FDA3-CD7D-CEF9-7EF3E49435BF}"/>
+                <a16:creationId xmlns:a16="http://schemas.microsoft.com/office/drawing/2014/main" id="{263468D3-E34E-3D8C-B208-EB4A9096E1EF}"/>
               </a:ext>
             </a:extLst>
           </p:cNvPr>
@@ -5548,14 +6205,18 @@
           <a:bodyPr/>
           <a:lstStyle/>
           <a:p>
-            <a:endParaRPr lang="es-BO"/>
+            <a:r>
+              <a:rPr lang="is-IS" dirty="0"/>
+              <a:t>Should we measure realized productivity in terms of token or type frequency?</a:t>
+            </a:r>
+            <a:endParaRPr lang="es-BO" dirty="0"/>
           </a:p>
         </p:txBody>
       </p:sp>
     </p:spTree>
     <p:extLst>
       <p:ext uri="{BB962C8B-B14F-4D97-AF65-F5344CB8AC3E}">
-        <p14:creationId xmlns:p14="http://schemas.microsoft.com/office/powerpoint/2010/main" val="3311757853"/>
+        <p14:creationId xmlns:p14="http://schemas.microsoft.com/office/powerpoint/2010/main" val="1354872270"/>
       </p:ext>
     </p:extLst>
   </p:cSld>
@@ -5587,7 +6248,7 @@
           <p:cNvPr id="2" name="Title 1">
             <a:extLst>
               <a:ext uri="{FF2B5EF4-FFF2-40B4-BE49-F238E27FC236}">
-                <a16:creationId xmlns:a16="http://schemas.microsoft.com/office/drawing/2014/main" id="{777683D1-E7D9-3F99-1878-CAC6AE67F2B3}"/>
+                <a16:creationId xmlns:a16="http://schemas.microsoft.com/office/drawing/2014/main" id="{F463AE27-A69A-4DBF-C662-9C6C4D45E975}"/>
               </a:ext>
             </a:extLst>
           </p:cNvPr>
@@ -5605,7 +6266,7 @@
           <a:p>
             <a:r>
               <a:rPr lang="is-IS" dirty="0"/>
-              <a:t>Borrowing</a:t>
+              <a:t>Realized productivity</a:t>
             </a:r>
             <a:endParaRPr lang="es-BO" dirty="0"/>
           </a:p>
@@ -5616,7 +6277,7 @@
           <p:cNvPr id="3" name="Content Placeholder 2">
             <a:extLst>
               <a:ext uri="{FF2B5EF4-FFF2-40B4-BE49-F238E27FC236}">
-                <a16:creationId xmlns:a16="http://schemas.microsoft.com/office/drawing/2014/main" id="{F45D555D-3D8B-D60D-5A7F-B3C5C7B08A0D}"/>
+                <a16:creationId xmlns:a16="http://schemas.microsoft.com/office/drawing/2014/main" id="{D8EFBB7F-BB98-51BA-D33E-8ACD36A8542E}"/>
               </a:ext>
             </a:extLst>
           </p:cNvPr>
@@ -5632,14 +6293,52 @@
           <a:bodyPr/>
           <a:lstStyle/>
           <a:p>
-            <a:endParaRPr lang="es-BO"/>
+            <a:r>
+              <a:rPr lang="is-IS" dirty="0"/>
+              <a:t>It is measured by type-frequency of the schema</a:t>
+            </a:r>
+          </a:p>
+          <a:p>
+            <a:endParaRPr lang="is-IS" dirty="0"/>
+          </a:p>
+          <a:p>
+            <a:r>
+              <a:rPr lang="is-IS" dirty="0"/>
+              <a:t>Productive categories have a large number of low-frequency forms</a:t>
+            </a:r>
+          </a:p>
+          <a:p>
+            <a:pPr lvl="1"/>
+            <a:r>
+              <a:rPr lang="is-IS" i="1" dirty="0"/>
+              <a:t>exoticize~exoticized</a:t>
+            </a:r>
+          </a:p>
+          <a:p>
+            <a:endParaRPr lang="is-IS" dirty="0"/>
+          </a:p>
+          <a:p>
+            <a:r>
+              <a:rPr lang="is-IS" dirty="0"/>
+              <a:t>Unproductive categories tend to contain many high-frequency forms</a:t>
+            </a:r>
+          </a:p>
+          <a:p>
+            <a:pPr lvl="1"/>
+            <a:r>
+              <a:rPr lang="is-IS" i="1" dirty="0"/>
+              <a:t>keep~kept, sleep~slept</a:t>
+            </a:r>
+          </a:p>
+          <a:p>
+            <a:endParaRPr lang="es-BO" dirty="0"/>
           </a:p>
         </p:txBody>
       </p:sp>
     </p:spTree>
     <p:extLst>
       <p:ext uri="{BB962C8B-B14F-4D97-AF65-F5344CB8AC3E}">
-        <p14:creationId xmlns:p14="http://schemas.microsoft.com/office/powerpoint/2010/main" val="3334227164"/>
+        <p14:creationId xmlns:p14="http://schemas.microsoft.com/office/powerpoint/2010/main" val="27331327"/>
       </p:ext>
     </p:extLst>
   </p:cSld>
@@ -5671,7 +6370,7 @@
           <p:cNvPr id="2" name="Title 1">
             <a:extLst>
               <a:ext uri="{FF2B5EF4-FFF2-40B4-BE49-F238E27FC236}">
-                <a16:creationId xmlns:a16="http://schemas.microsoft.com/office/drawing/2014/main" id="{8FCE3A53-2DCE-8877-1897-A315B7C31BFB}"/>
+                <a16:creationId xmlns:a16="http://schemas.microsoft.com/office/drawing/2014/main" id="{1F89E5C9-D81F-89EE-7882-DCB763DFD921}"/>
               </a:ext>
             </a:extLst>
           </p:cNvPr>
@@ -5688,10 +6387,10 @@
           <a:lstStyle/>
           <a:p>
             <a:r>
-              <a:rPr lang="is-IS"/>
-              <a:t>Syntax</a:t>
-            </a:r>
-            <a:endParaRPr lang="es-BO"/>
+              <a:rPr lang="is-IS" dirty="0"/>
+              <a:t>Expanding productivity</a:t>
+            </a:r>
+            <a:endParaRPr lang="es-BO" dirty="0"/>
           </a:p>
         </p:txBody>
       </p:sp>
@@ -5700,7 +6399,7 @@
           <p:cNvPr id="3" name="Content Placeholder 2">
             <a:extLst>
               <a:ext uri="{FF2B5EF4-FFF2-40B4-BE49-F238E27FC236}">
-                <a16:creationId xmlns:a16="http://schemas.microsoft.com/office/drawing/2014/main" id="{F2B5B60A-C693-75D9-21D7-669B35A8B138}"/>
+                <a16:creationId xmlns:a16="http://schemas.microsoft.com/office/drawing/2014/main" id="{E7BEDF07-0FDB-99F0-6E95-66D709B18FA5}"/>
               </a:ext>
             </a:extLst>
           </p:cNvPr>
@@ -5716,14 +6415,489 @@
           <a:bodyPr/>
           <a:lstStyle/>
           <a:p>
-            <a:endParaRPr lang="es-BO"/>
+            <a:r>
+              <a:rPr lang="is-IS" dirty="0"/>
+              <a:t>Expanded productivity is based an inherently diachronic concept</a:t>
+            </a:r>
+          </a:p>
+          <a:p>
+            <a:endParaRPr lang="is-IS" dirty="0"/>
+          </a:p>
+          <a:p>
+            <a:r>
+              <a:rPr lang="is-IS" dirty="0"/>
+              <a:t>It can be measured by how many </a:t>
+            </a:r>
+            <a:r>
+              <a:rPr lang="is-IS" i="1" dirty="0"/>
+              <a:t>hapax legomena</a:t>
+            </a:r>
+            <a:r>
+              <a:rPr lang="is-IS" dirty="0"/>
+              <a:t> appear in corpora </a:t>
+            </a:r>
+          </a:p>
+          <a:p>
+            <a:endParaRPr lang="is-IS" dirty="0"/>
+          </a:p>
+          <a:p>
+            <a:r>
+              <a:rPr lang="is-IS" b="1" i="1" dirty="0"/>
+              <a:t>Hapax legomena: </a:t>
+            </a:r>
+            <a:r>
+              <a:rPr lang="is-IS" dirty="0"/>
+              <a:t>Forms that only appear once</a:t>
+            </a:r>
+          </a:p>
+          <a:p>
+            <a:pPr lvl="1"/>
+            <a:r>
+              <a:rPr lang="is-IS" dirty="0"/>
+              <a:t>(e.g. </a:t>
+            </a:r>
+            <a:r>
+              <a:rPr lang="is-IS" i="1" dirty="0"/>
+              <a:t>flother</a:t>
+            </a:r>
+            <a:r>
+              <a:rPr lang="is-IS" dirty="0"/>
+              <a:t>, as a synonym for snowflake)</a:t>
+            </a:r>
+          </a:p>
+          <a:p>
+            <a:pPr lvl="1"/>
+            <a:endParaRPr lang="es-BO" dirty="0"/>
           </a:p>
         </p:txBody>
       </p:sp>
     </p:spTree>
     <p:extLst>
       <p:ext uri="{BB962C8B-B14F-4D97-AF65-F5344CB8AC3E}">
-        <p14:creationId xmlns:p14="http://schemas.microsoft.com/office/powerpoint/2010/main" val="2329995740"/>
+        <p14:creationId xmlns:p14="http://schemas.microsoft.com/office/powerpoint/2010/main" val="423297881"/>
+      </p:ext>
+    </p:extLst>
+  </p:cSld>
+  <p:clrMapOvr>
+    <a:masterClrMapping/>
+  </p:clrMapOvr>
+</p:sld>
+</file>
+
+<file path=ppt/slides/slide26.xml><?xml version="1.0" encoding="utf-8"?>
+<p:sld xmlns:a="http://schemas.openxmlformats.org/drawingml/2006/main" xmlns:r="http://schemas.openxmlformats.org/officeDocument/2006/relationships" xmlns:p="http://schemas.openxmlformats.org/presentationml/2006/main">
+  <p:cSld>
+    <p:spTree>
+      <p:nvGrpSpPr>
+        <p:cNvPr id="1" name=""/>
+        <p:cNvGrpSpPr/>
+        <p:nvPr/>
+      </p:nvGrpSpPr>
+      <p:grpSpPr>
+        <a:xfrm>
+          <a:off x="0" y="0"/>
+          <a:ext cx="0" cy="0"/>
+          <a:chOff x="0" y="0"/>
+          <a:chExt cx="0" cy="0"/>
+        </a:xfrm>
+      </p:grpSpPr>
+      <p:sp>
+        <p:nvSpPr>
+          <p:cNvPr id="2" name="Title 1">
+            <a:extLst>
+              <a:ext uri="{FF2B5EF4-FFF2-40B4-BE49-F238E27FC236}">
+                <a16:creationId xmlns:a16="http://schemas.microsoft.com/office/drawing/2014/main" id="{3591349B-54E1-CDCE-3F27-6604AF5B679E}"/>
+              </a:ext>
+            </a:extLst>
+          </p:cNvPr>
+          <p:cNvSpPr>
+            <a:spLocks noGrp="1"/>
+          </p:cNvSpPr>
+          <p:nvPr>
+            <p:ph type="title"/>
+          </p:nvPr>
+        </p:nvSpPr>
+        <p:spPr/>
+        <p:txBody>
+          <a:bodyPr/>
+          <a:lstStyle/>
+          <a:p>
+            <a:r>
+              <a:rPr lang="is-IS" dirty="0"/>
+              <a:t>Potential productivity</a:t>
+            </a:r>
+            <a:endParaRPr lang="es-BO" dirty="0"/>
+          </a:p>
+        </p:txBody>
+      </p:sp>
+      <p:sp>
+        <p:nvSpPr>
+          <p:cNvPr id="3" name="Content Placeholder 2">
+            <a:extLst>
+              <a:ext uri="{FF2B5EF4-FFF2-40B4-BE49-F238E27FC236}">
+                <a16:creationId xmlns:a16="http://schemas.microsoft.com/office/drawing/2014/main" id="{379E8CE9-3346-63D6-638A-68A9309A9B86}"/>
+              </a:ext>
+            </a:extLst>
+          </p:cNvPr>
+          <p:cNvSpPr>
+            <a:spLocks noGrp="1"/>
+          </p:cNvSpPr>
+          <p:nvPr>
+            <p:ph idx="1"/>
+          </p:nvPr>
+        </p:nvSpPr>
+        <p:spPr/>
+        <p:txBody>
+          <a:bodyPr/>
+          <a:lstStyle/>
+          <a:p>
+            <a:r>
+              <a:rPr lang="is-IS" dirty="0"/>
+              <a:t>Morphological schemas encode categories</a:t>
+            </a:r>
+          </a:p>
+          <a:p>
+            <a:endParaRPr lang="is-IS" dirty="0"/>
+          </a:p>
+          <a:p>
+            <a:r>
+              <a:rPr lang="is-IS" dirty="0"/>
+              <a:t>Morphological schemas can be more or less saturated with respect to a category</a:t>
+            </a:r>
+          </a:p>
+          <a:p>
+            <a:endParaRPr lang="is-IS" dirty="0"/>
+          </a:p>
+          <a:p>
+            <a:r>
+              <a:rPr lang="is-IS" dirty="0"/>
+              <a:t>This is measured by hapax legomena divided by the total number of tokens of the category that a morphological schema encodes </a:t>
+            </a:r>
+            <a:endParaRPr lang="es-BO" dirty="0"/>
+          </a:p>
+        </p:txBody>
+      </p:sp>
+    </p:spTree>
+    <p:extLst>
+      <p:ext uri="{BB962C8B-B14F-4D97-AF65-F5344CB8AC3E}">
+        <p14:creationId xmlns:p14="http://schemas.microsoft.com/office/powerpoint/2010/main" val="244633975"/>
+      </p:ext>
+    </p:extLst>
+  </p:cSld>
+  <p:clrMapOvr>
+    <a:masterClrMapping/>
+  </p:clrMapOvr>
+</p:sld>
+</file>
+
+<file path=ppt/slides/slide27.xml><?xml version="1.0" encoding="utf-8"?>
+<p:sld xmlns:a="http://schemas.openxmlformats.org/drawingml/2006/main" xmlns:r="http://schemas.openxmlformats.org/officeDocument/2006/relationships" xmlns:p="http://schemas.openxmlformats.org/presentationml/2006/main">
+  <p:cSld>
+    <p:spTree>
+      <p:nvGrpSpPr>
+        <p:cNvPr id="1" name=""/>
+        <p:cNvGrpSpPr/>
+        <p:nvPr/>
+      </p:nvGrpSpPr>
+      <p:grpSpPr>
+        <a:xfrm>
+          <a:off x="0" y="0"/>
+          <a:ext cx="0" cy="0"/>
+          <a:chOff x="0" y="0"/>
+          <a:chExt cx="0" cy="0"/>
+        </a:xfrm>
+      </p:grpSpPr>
+      <p:sp>
+        <p:nvSpPr>
+          <p:cNvPr id="2" name="Title 1">
+            <a:extLst>
+              <a:ext uri="{FF2B5EF4-FFF2-40B4-BE49-F238E27FC236}">
+                <a16:creationId xmlns:a16="http://schemas.microsoft.com/office/drawing/2014/main" id="{4934E64E-E063-F558-6775-726F51DC3829}"/>
+              </a:ext>
+            </a:extLst>
+          </p:cNvPr>
+          <p:cNvSpPr>
+            <a:spLocks noGrp="1"/>
+          </p:cNvSpPr>
+          <p:nvPr>
+            <p:ph type="title"/>
+          </p:nvPr>
+        </p:nvSpPr>
+        <p:spPr/>
+        <p:txBody>
+          <a:bodyPr/>
+          <a:lstStyle/>
+          <a:p>
+            <a:r>
+              <a:rPr lang="is-IS" dirty="0"/>
+              <a:t>Segmentability</a:t>
+            </a:r>
+            <a:endParaRPr lang="es-BO" dirty="0"/>
+          </a:p>
+        </p:txBody>
+      </p:sp>
+      <p:sp>
+        <p:nvSpPr>
+          <p:cNvPr id="3" name="Content Placeholder 2">
+            <a:extLst>
+              <a:ext uri="{FF2B5EF4-FFF2-40B4-BE49-F238E27FC236}">
+                <a16:creationId xmlns:a16="http://schemas.microsoft.com/office/drawing/2014/main" id="{1E4E3916-753B-A09E-324B-4566AEDA38AD}"/>
+              </a:ext>
+            </a:extLst>
+          </p:cNvPr>
+          <p:cNvSpPr>
+            <a:spLocks noGrp="1"/>
+          </p:cNvSpPr>
+          <p:nvPr>
+            <p:ph idx="1"/>
+          </p:nvPr>
+        </p:nvSpPr>
+        <p:spPr/>
+        <p:txBody>
+          <a:bodyPr/>
+          <a:lstStyle/>
+          <a:p>
+            <a:r>
+              <a:rPr lang="is-IS" dirty="0"/>
+              <a:t>Morphological forms can be more or less segmentable by speakers/hearers</a:t>
+            </a:r>
+          </a:p>
+          <a:p>
+            <a:endParaRPr lang="is-IS" dirty="0"/>
+          </a:p>
+          <a:p>
+            <a:r>
+              <a:rPr lang="is-IS" dirty="0"/>
+              <a:t>The idea is that when you hear a word you, you can either hear it holistically or into pieces.</a:t>
+            </a:r>
+          </a:p>
+          <a:p>
+            <a:endParaRPr lang="is-IS" dirty="0"/>
+          </a:p>
+          <a:p>
+            <a:r>
+              <a:rPr lang="is-IS" dirty="0"/>
+              <a:t>The less frequent the word form is in relation to the pieces that make it up, the more segmentable it is</a:t>
+            </a:r>
+          </a:p>
+          <a:p>
+            <a:endParaRPr lang="is-IS" dirty="0"/>
+          </a:p>
+          <a:p>
+            <a:endParaRPr lang="is-IS" dirty="0"/>
+          </a:p>
+        </p:txBody>
+      </p:sp>
+    </p:spTree>
+    <p:extLst>
+      <p:ext uri="{BB962C8B-B14F-4D97-AF65-F5344CB8AC3E}">
+        <p14:creationId xmlns:p14="http://schemas.microsoft.com/office/powerpoint/2010/main" val="2498866891"/>
+      </p:ext>
+    </p:extLst>
+  </p:cSld>
+  <p:clrMapOvr>
+    <a:masterClrMapping/>
+  </p:clrMapOvr>
+</p:sld>
+</file>
+
+<file path=ppt/slides/slide28.xml><?xml version="1.0" encoding="utf-8"?>
+<p:sld xmlns:a="http://schemas.openxmlformats.org/drawingml/2006/main" xmlns:r="http://schemas.openxmlformats.org/officeDocument/2006/relationships" xmlns:p="http://schemas.openxmlformats.org/presentationml/2006/main">
+  <p:cSld>
+    <p:spTree>
+      <p:nvGrpSpPr>
+        <p:cNvPr id="1" name=""/>
+        <p:cNvGrpSpPr/>
+        <p:nvPr/>
+      </p:nvGrpSpPr>
+      <p:grpSpPr>
+        <a:xfrm>
+          <a:off x="0" y="0"/>
+          <a:ext cx="0" cy="0"/>
+          <a:chOff x="0" y="0"/>
+          <a:chExt cx="0" cy="0"/>
+        </a:xfrm>
+      </p:grpSpPr>
+      <p:sp>
+        <p:nvSpPr>
+          <p:cNvPr id="2" name="Title 1">
+            <a:extLst>
+              <a:ext uri="{FF2B5EF4-FFF2-40B4-BE49-F238E27FC236}">
+                <a16:creationId xmlns:a16="http://schemas.microsoft.com/office/drawing/2014/main" id="{0B7D5D11-E34E-44C8-DAA3-C8174A15C8F6}"/>
+              </a:ext>
+            </a:extLst>
+          </p:cNvPr>
+          <p:cNvSpPr>
+            <a:spLocks noGrp="1"/>
+          </p:cNvSpPr>
+          <p:nvPr>
+            <p:ph type="title"/>
+          </p:nvPr>
+        </p:nvSpPr>
+        <p:spPr/>
+        <p:txBody>
+          <a:bodyPr/>
+          <a:lstStyle/>
+          <a:p>
+            <a:r>
+              <a:rPr lang="is-IS" dirty="0"/>
+              <a:t>Morphology and phonetic reduction</a:t>
+            </a:r>
+            <a:endParaRPr lang="es-BO" dirty="0"/>
+          </a:p>
+        </p:txBody>
+      </p:sp>
+      <p:sp>
+        <p:nvSpPr>
+          <p:cNvPr id="3" name="Content Placeholder 2">
+            <a:extLst>
+              <a:ext uri="{FF2B5EF4-FFF2-40B4-BE49-F238E27FC236}">
+                <a16:creationId xmlns:a16="http://schemas.microsoft.com/office/drawing/2014/main" id="{3FAE7A14-FDA3-CD7D-CEF9-7EF3E49435BF}"/>
+              </a:ext>
+            </a:extLst>
+          </p:cNvPr>
+          <p:cNvSpPr>
+            <a:spLocks noGrp="1"/>
+          </p:cNvSpPr>
+          <p:nvPr>
+            <p:ph idx="1"/>
+          </p:nvPr>
+        </p:nvSpPr>
+        <p:spPr/>
+        <p:txBody>
+          <a:bodyPr>
+            <a:normAutofit fontScale="92500"/>
+          </a:bodyPr>
+          <a:lstStyle/>
+          <a:p>
+            <a:r>
+              <a:rPr lang="is-IS" dirty="0"/>
+              <a:t>As words become more frequent they become pronunced faster (they undergo phonetic reduction)</a:t>
+            </a:r>
+          </a:p>
+          <a:p>
+            <a:endParaRPr lang="is-IS" dirty="0"/>
+          </a:p>
+          <a:p>
+            <a:r>
+              <a:rPr lang="is-IS" dirty="0"/>
+              <a:t>Such processes of reduction can decrease segmentability even further. </a:t>
+            </a:r>
+          </a:p>
+          <a:p>
+            <a:pPr marL="0" indent="0">
+              <a:buNone/>
+            </a:pPr>
+            <a:endParaRPr lang="is-IS" dirty="0"/>
+          </a:p>
+          <a:p>
+            <a:pPr marL="0" indent="0">
+              <a:buNone/>
+            </a:pPr>
+            <a:r>
+              <a:rPr lang="is-IS" dirty="0"/>
+              <a:t>“Some words are reduced to such an extent that a faithful orthographic transcription would be very different from the orthographic norm. An example from Dutch is the word </a:t>
+            </a:r>
+            <a:r>
+              <a:rPr lang="is-IS" i="1" dirty="0"/>
+              <a:t>mogelijk </a:t>
+            </a:r>
+            <a:r>
+              <a:rPr lang="is-IS" dirty="0"/>
+              <a:t>‚possible‘ which can be pronounced not only as [moxələk] but also as [moxək, [molək], or even as [mok]“ (Keune et al. 2004)</a:t>
+            </a:r>
+            <a:endParaRPr lang="es-BO" dirty="0"/>
+          </a:p>
+        </p:txBody>
+      </p:sp>
+    </p:spTree>
+    <p:extLst>
+      <p:ext uri="{BB962C8B-B14F-4D97-AF65-F5344CB8AC3E}">
+        <p14:creationId xmlns:p14="http://schemas.microsoft.com/office/powerpoint/2010/main" val="3311757853"/>
+      </p:ext>
+    </p:extLst>
+  </p:cSld>
+  <p:clrMapOvr>
+    <a:masterClrMapping/>
+  </p:clrMapOvr>
+</p:sld>
+</file>
+
+<file path=ppt/slides/slide29.xml><?xml version="1.0" encoding="utf-8"?>
+<p:sld xmlns:a="http://schemas.openxmlformats.org/drawingml/2006/main" xmlns:r="http://schemas.openxmlformats.org/officeDocument/2006/relationships" xmlns:p="http://schemas.openxmlformats.org/presentationml/2006/main" show="0">
+  <p:cSld>
+    <p:spTree>
+      <p:nvGrpSpPr>
+        <p:cNvPr id="1" name=""/>
+        <p:cNvGrpSpPr/>
+        <p:nvPr/>
+      </p:nvGrpSpPr>
+      <p:grpSpPr>
+        <a:xfrm>
+          <a:off x="0" y="0"/>
+          <a:ext cx="0" cy="0"/>
+          <a:chOff x="0" y="0"/>
+          <a:chExt cx="0" cy="0"/>
+        </a:xfrm>
+      </p:grpSpPr>
+      <p:sp>
+        <p:nvSpPr>
+          <p:cNvPr id="2" name="Title 1">
+            <a:extLst>
+              <a:ext uri="{FF2B5EF4-FFF2-40B4-BE49-F238E27FC236}">
+                <a16:creationId xmlns:a16="http://schemas.microsoft.com/office/drawing/2014/main" id="{777683D1-E7D9-3F99-1878-CAC6AE67F2B3}"/>
+              </a:ext>
+            </a:extLst>
+          </p:cNvPr>
+          <p:cNvSpPr>
+            <a:spLocks noGrp="1"/>
+          </p:cNvSpPr>
+          <p:nvPr>
+            <p:ph type="title"/>
+          </p:nvPr>
+        </p:nvSpPr>
+        <p:spPr/>
+        <p:txBody>
+          <a:bodyPr/>
+          <a:lstStyle/>
+          <a:p>
+            <a:r>
+              <a:rPr lang="is-IS" dirty="0"/>
+              <a:t>Borrowing</a:t>
+            </a:r>
+            <a:endParaRPr lang="es-BO" dirty="0"/>
+          </a:p>
+        </p:txBody>
+      </p:sp>
+      <p:sp>
+        <p:nvSpPr>
+          <p:cNvPr id="3" name="Content Placeholder 2">
+            <a:extLst>
+              <a:ext uri="{FF2B5EF4-FFF2-40B4-BE49-F238E27FC236}">
+                <a16:creationId xmlns:a16="http://schemas.microsoft.com/office/drawing/2014/main" id="{F45D555D-3D8B-D60D-5A7F-B3C5C7B08A0D}"/>
+              </a:ext>
+            </a:extLst>
+          </p:cNvPr>
+          <p:cNvSpPr>
+            <a:spLocks noGrp="1"/>
+          </p:cNvSpPr>
+          <p:nvPr>
+            <p:ph idx="1"/>
+          </p:nvPr>
+        </p:nvSpPr>
+        <p:spPr/>
+        <p:txBody>
+          <a:bodyPr/>
+          <a:lstStyle/>
+          <a:p>
+            <a:endParaRPr lang="es-BO" dirty="0"/>
+          </a:p>
+        </p:txBody>
+      </p:sp>
+    </p:spTree>
+    <p:extLst>
+      <p:ext uri="{BB962C8B-B14F-4D97-AF65-F5344CB8AC3E}">
+        <p14:creationId xmlns:p14="http://schemas.microsoft.com/office/powerpoint/2010/main" val="3334227164"/>
       </p:ext>
     </p:extLst>
   </p:cSld>
@@ -5844,6 +7018,1454 @@
 </p:sld>
 </file>
 
+<file path=ppt/slides/slide30.xml><?xml version="1.0" encoding="utf-8"?>
+<p:sld xmlns:a="http://schemas.openxmlformats.org/drawingml/2006/main" xmlns:r="http://schemas.openxmlformats.org/officeDocument/2006/relationships" xmlns:p="http://schemas.openxmlformats.org/presentationml/2006/main">
+  <p:cSld>
+    <p:spTree>
+      <p:nvGrpSpPr>
+        <p:cNvPr id="1" name=""/>
+        <p:cNvGrpSpPr/>
+        <p:nvPr/>
+      </p:nvGrpSpPr>
+      <p:grpSpPr>
+        <a:xfrm>
+          <a:off x="0" y="0"/>
+          <a:ext cx="0" cy="0"/>
+          <a:chOff x="0" y="0"/>
+          <a:chExt cx="0" cy="0"/>
+        </a:xfrm>
+      </p:grpSpPr>
+      <p:sp>
+        <p:nvSpPr>
+          <p:cNvPr id="2" name="Title 1">
+            <a:extLst>
+              <a:ext uri="{FF2B5EF4-FFF2-40B4-BE49-F238E27FC236}">
+                <a16:creationId xmlns:a16="http://schemas.microsoft.com/office/drawing/2014/main" id="{8FCE3A53-2DCE-8877-1897-A315B7C31BFB}"/>
+              </a:ext>
+            </a:extLst>
+          </p:cNvPr>
+          <p:cNvSpPr>
+            <a:spLocks noGrp="1"/>
+          </p:cNvSpPr>
+          <p:nvPr>
+            <p:ph type="title"/>
+          </p:nvPr>
+        </p:nvSpPr>
+        <p:spPr/>
+        <p:txBody>
+          <a:bodyPr/>
+          <a:lstStyle/>
+          <a:p>
+            <a:r>
+              <a:rPr lang="is-IS"/>
+              <a:t>Syntax</a:t>
+            </a:r>
+            <a:endParaRPr lang="es-BO"/>
+          </a:p>
+        </p:txBody>
+      </p:sp>
+      <p:sp>
+        <p:nvSpPr>
+          <p:cNvPr id="3" name="Content Placeholder 2">
+            <a:extLst>
+              <a:ext uri="{FF2B5EF4-FFF2-40B4-BE49-F238E27FC236}">
+                <a16:creationId xmlns:a16="http://schemas.microsoft.com/office/drawing/2014/main" id="{F2B5B60A-C693-75D9-21D7-669B35A8B138}"/>
+              </a:ext>
+            </a:extLst>
+          </p:cNvPr>
+          <p:cNvSpPr>
+            <a:spLocks noGrp="1"/>
+          </p:cNvSpPr>
+          <p:nvPr>
+            <p:ph idx="1"/>
+          </p:nvPr>
+        </p:nvSpPr>
+        <p:spPr/>
+        <p:txBody>
+          <a:bodyPr/>
+          <a:lstStyle/>
+          <a:p>
+            <a:r>
+              <a:rPr lang="is-IS" dirty="0"/>
+              <a:t>Concepts in syntax:</a:t>
+            </a:r>
+          </a:p>
+          <a:p>
+            <a:pPr lvl="1"/>
+            <a:r>
+              <a:rPr lang="es-BO" dirty="0" err="1"/>
+              <a:t>constituents</a:t>
+            </a:r>
+            <a:endParaRPr lang="es-BO" dirty="0"/>
+          </a:p>
+          <a:p>
+            <a:pPr lvl="1"/>
+            <a:r>
+              <a:rPr lang="es-BO" dirty="0" err="1"/>
+              <a:t>phrases</a:t>
+            </a:r>
+            <a:r>
+              <a:rPr lang="es-BO" dirty="0"/>
+              <a:t>, </a:t>
+            </a:r>
+            <a:r>
+              <a:rPr lang="es-BO" dirty="0" err="1"/>
+              <a:t>clauses</a:t>
+            </a:r>
+            <a:endParaRPr lang="es-BO" dirty="0"/>
+          </a:p>
+          <a:p>
+            <a:pPr lvl="1"/>
+            <a:r>
+              <a:rPr lang="es-BO" dirty="0" err="1"/>
+              <a:t>order</a:t>
+            </a:r>
+            <a:endParaRPr lang="es-BO" dirty="0"/>
+          </a:p>
+          <a:p>
+            <a:pPr lvl="1"/>
+            <a:r>
+              <a:rPr lang="es-BO" dirty="0"/>
+              <a:t>gramatical </a:t>
+            </a:r>
+            <a:r>
+              <a:rPr lang="es-BO" dirty="0" err="1"/>
+              <a:t>relations</a:t>
+            </a:r>
+            <a:endParaRPr lang="es-BO" dirty="0"/>
+          </a:p>
+          <a:p>
+            <a:pPr lvl="1"/>
+            <a:endParaRPr lang="is-IS" dirty="0"/>
+          </a:p>
+        </p:txBody>
+      </p:sp>
+    </p:spTree>
+    <p:extLst>
+      <p:ext uri="{BB962C8B-B14F-4D97-AF65-F5344CB8AC3E}">
+        <p14:creationId xmlns:p14="http://schemas.microsoft.com/office/powerpoint/2010/main" val="2329995740"/>
+      </p:ext>
+    </p:extLst>
+  </p:cSld>
+  <p:clrMapOvr>
+    <a:masterClrMapping/>
+  </p:clrMapOvr>
+</p:sld>
+</file>
+
+<file path=ppt/slides/slide31.xml><?xml version="1.0" encoding="utf-8"?>
+<p:sld xmlns:a="http://schemas.openxmlformats.org/drawingml/2006/main" xmlns:r="http://schemas.openxmlformats.org/officeDocument/2006/relationships" xmlns:p="http://schemas.openxmlformats.org/presentationml/2006/main">
+  <p:cSld>
+    <p:spTree>
+      <p:nvGrpSpPr>
+        <p:cNvPr id="1" name=""/>
+        <p:cNvGrpSpPr/>
+        <p:nvPr/>
+      </p:nvGrpSpPr>
+      <p:grpSpPr>
+        <a:xfrm>
+          <a:off x="0" y="0"/>
+          <a:ext cx="0" cy="0"/>
+          <a:chOff x="0" y="0"/>
+          <a:chExt cx="0" cy="0"/>
+        </a:xfrm>
+      </p:grpSpPr>
+      <p:sp>
+        <p:nvSpPr>
+          <p:cNvPr id="2" name="Title 1">
+            <a:extLst>
+              <a:ext uri="{FF2B5EF4-FFF2-40B4-BE49-F238E27FC236}">
+                <a16:creationId xmlns:a16="http://schemas.microsoft.com/office/drawing/2014/main" id="{37BEC7E5-6EC5-73FE-2D18-5ED4CF55C322}"/>
+              </a:ext>
+            </a:extLst>
+          </p:cNvPr>
+          <p:cNvSpPr>
+            <a:spLocks noGrp="1"/>
+          </p:cNvSpPr>
+          <p:nvPr>
+            <p:ph type="title"/>
+          </p:nvPr>
+        </p:nvSpPr>
+        <p:spPr/>
+        <p:txBody>
+          <a:bodyPr/>
+          <a:lstStyle/>
+          <a:p>
+            <a:r>
+              <a:rPr lang="is-IS" dirty="0"/>
+              <a:t>Words, phrases and constituents</a:t>
+            </a:r>
+            <a:endParaRPr lang="es-BO" dirty="0"/>
+          </a:p>
+        </p:txBody>
+      </p:sp>
+      <p:sp>
+        <p:nvSpPr>
+          <p:cNvPr id="3" name="Content Placeholder 2">
+            <a:extLst>
+              <a:ext uri="{FF2B5EF4-FFF2-40B4-BE49-F238E27FC236}">
+                <a16:creationId xmlns:a16="http://schemas.microsoft.com/office/drawing/2014/main" id="{AAEEA1F1-2581-F06D-40BC-2068FA749814}"/>
+              </a:ext>
+            </a:extLst>
+          </p:cNvPr>
+          <p:cNvSpPr>
+            <a:spLocks noGrp="1"/>
+          </p:cNvSpPr>
+          <p:nvPr>
+            <p:ph idx="1"/>
+          </p:nvPr>
+        </p:nvSpPr>
+        <p:spPr>
+          <a:xfrm>
+            <a:off x="838200" y="1825625"/>
+            <a:ext cx="10515600" cy="603676"/>
+          </a:xfrm>
+        </p:spPr>
+        <p:txBody>
+          <a:bodyPr/>
+          <a:lstStyle/>
+          <a:p>
+            <a:r>
+              <a:rPr lang="is-IS" dirty="0"/>
+              <a:t>Sentences are not just strings of words but have constituent structure</a:t>
+            </a:r>
+            <a:endParaRPr lang="es-BO" dirty="0"/>
+          </a:p>
+        </p:txBody>
+      </p:sp>
+      <p:pic>
+        <p:nvPicPr>
+          <p:cNvPr id="7" name="Picture 6">
+            <a:extLst>
+              <a:ext uri="{FF2B5EF4-FFF2-40B4-BE49-F238E27FC236}">
+                <a16:creationId xmlns:a16="http://schemas.microsoft.com/office/drawing/2014/main" id="{1E0809CB-EFAF-1A2A-5A80-A187858A47F5}"/>
+              </a:ext>
+            </a:extLst>
+          </p:cNvPr>
+          <p:cNvPicPr>
+            <a:picLocks noChangeAspect="1"/>
+          </p:cNvPicPr>
+          <p:nvPr/>
+        </p:nvPicPr>
+        <p:blipFill>
+          <a:blip r:embed="rId2"/>
+          <a:stretch>
+            <a:fillRect/>
+          </a:stretch>
+        </p:blipFill>
+        <p:spPr>
+          <a:xfrm>
+            <a:off x="3127592" y="2429301"/>
+            <a:ext cx="5179074" cy="4293762"/>
+          </a:xfrm>
+          <a:prstGeom prst="rect">
+            <a:avLst/>
+          </a:prstGeom>
+        </p:spPr>
+      </p:pic>
+    </p:spTree>
+    <p:extLst>
+      <p:ext uri="{BB962C8B-B14F-4D97-AF65-F5344CB8AC3E}">
+        <p14:creationId xmlns:p14="http://schemas.microsoft.com/office/powerpoint/2010/main" val="2258515138"/>
+      </p:ext>
+    </p:extLst>
+  </p:cSld>
+  <p:clrMapOvr>
+    <a:masterClrMapping/>
+  </p:clrMapOvr>
+</p:sld>
+</file>
+
+<file path=ppt/slides/slide32.xml><?xml version="1.0" encoding="utf-8"?>
+<p:sld xmlns:a="http://schemas.openxmlformats.org/drawingml/2006/main" xmlns:r="http://schemas.openxmlformats.org/officeDocument/2006/relationships" xmlns:p="http://schemas.openxmlformats.org/presentationml/2006/main">
+  <p:cSld>
+    <p:spTree>
+      <p:nvGrpSpPr>
+        <p:cNvPr id="1" name=""/>
+        <p:cNvGrpSpPr/>
+        <p:nvPr/>
+      </p:nvGrpSpPr>
+      <p:grpSpPr>
+        <a:xfrm>
+          <a:off x="0" y="0"/>
+          <a:ext cx="0" cy="0"/>
+          <a:chOff x="0" y="0"/>
+          <a:chExt cx="0" cy="0"/>
+        </a:xfrm>
+      </p:grpSpPr>
+      <p:sp>
+        <p:nvSpPr>
+          <p:cNvPr id="2" name="Title 1">
+            <a:extLst>
+              <a:ext uri="{FF2B5EF4-FFF2-40B4-BE49-F238E27FC236}">
+                <a16:creationId xmlns:a16="http://schemas.microsoft.com/office/drawing/2014/main" id="{CDC672C7-56CA-D5E3-1FBB-37C0749CEC31}"/>
+              </a:ext>
+            </a:extLst>
+          </p:cNvPr>
+          <p:cNvSpPr>
+            <a:spLocks noGrp="1"/>
+          </p:cNvSpPr>
+          <p:nvPr>
+            <p:ph type="title"/>
+          </p:nvPr>
+        </p:nvSpPr>
+        <p:spPr/>
+        <p:txBody>
+          <a:bodyPr/>
+          <a:lstStyle/>
+          <a:p>
+            <a:r>
+              <a:rPr lang="is-IS" dirty="0"/>
+              <a:t>Grammatical relations</a:t>
+            </a:r>
+            <a:endParaRPr lang="es-BO" dirty="0"/>
+          </a:p>
+        </p:txBody>
+      </p:sp>
+      <p:sp>
+        <p:nvSpPr>
+          <p:cNvPr id="3" name="Content Placeholder 2">
+            <a:extLst>
+              <a:ext uri="{FF2B5EF4-FFF2-40B4-BE49-F238E27FC236}">
+                <a16:creationId xmlns:a16="http://schemas.microsoft.com/office/drawing/2014/main" id="{3D6424A0-96D3-0753-151D-E8C254B08FBC}"/>
+              </a:ext>
+            </a:extLst>
+          </p:cNvPr>
+          <p:cNvSpPr>
+            <a:spLocks noGrp="1"/>
+          </p:cNvSpPr>
+          <p:nvPr>
+            <p:ph idx="1"/>
+          </p:nvPr>
+        </p:nvSpPr>
+        <p:spPr>
+          <a:xfrm>
+            <a:off x="838200" y="1825625"/>
+            <a:ext cx="10515600" cy="636221"/>
+          </a:xfrm>
+        </p:spPr>
+        <p:txBody>
+          <a:bodyPr/>
+          <a:lstStyle/>
+          <a:p>
+            <a:r>
+              <a:rPr lang="is-IS" dirty="0"/>
+              <a:t>Grammatical relations refer to subject, object, indirect object etc...</a:t>
+            </a:r>
+            <a:endParaRPr lang="es-BO" dirty="0"/>
+          </a:p>
+        </p:txBody>
+      </p:sp>
+      <p:pic>
+        <p:nvPicPr>
+          <p:cNvPr id="5" name="Picture 4">
+            <a:extLst>
+              <a:ext uri="{FF2B5EF4-FFF2-40B4-BE49-F238E27FC236}">
+                <a16:creationId xmlns:a16="http://schemas.microsoft.com/office/drawing/2014/main" id="{075C90FE-61BB-99C9-F809-4A05F7D98235}"/>
+              </a:ext>
+            </a:extLst>
+          </p:cNvPr>
+          <p:cNvPicPr>
+            <a:picLocks noChangeAspect="1"/>
+          </p:cNvPicPr>
+          <p:nvPr/>
+        </p:nvPicPr>
+        <p:blipFill>
+          <a:blip r:embed="rId2"/>
+          <a:stretch>
+            <a:fillRect/>
+          </a:stretch>
+        </p:blipFill>
+        <p:spPr>
+          <a:xfrm>
+            <a:off x="3332308" y="2969130"/>
+            <a:ext cx="4460563" cy="3698073"/>
+          </a:xfrm>
+          <a:prstGeom prst="rect">
+            <a:avLst/>
+          </a:prstGeom>
+        </p:spPr>
+      </p:pic>
+      <p:sp>
+        <p:nvSpPr>
+          <p:cNvPr id="6" name="Oval 5">
+            <a:extLst>
+              <a:ext uri="{FF2B5EF4-FFF2-40B4-BE49-F238E27FC236}">
+                <a16:creationId xmlns:a16="http://schemas.microsoft.com/office/drawing/2014/main" id="{60C7EAE3-E92B-9BCE-CAC0-C4E31FA8EEF5}"/>
+              </a:ext>
+            </a:extLst>
+          </p:cNvPr>
+          <p:cNvSpPr/>
+          <p:nvPr/>
+        </p:nvSpPr>
+        <p:spPr>
+          <a:xfrm>
+            <a:off x="3562065" y="3630304"/>
+            <a:ext cx="1160060" cy="1078174"/>
+          </a:xfrm>
+          <a:prstGeom prst="ellipse">
+            <a:avLst/>
+          </a:prstGeom>
+          <a:noFill/>
+        </p:spPr>
+        <p:style>
+          <a:lnRef idx="2">
+            <a:schemeClr val="accent1">
+              <a:shade val="15000"/>
+            </a:schemeClr>
+          </a:lnRef>
+          <a:fillRef idx="1">
+            <a:schemeClr val="accent1"/>
+          </a:fillRef>
+          <a:effectRef idx="0">
+            <a:schemeClr val="accent1"/>
+          </a:effectRef>
+          <a:fontRef idx="minor">
+            <a:schemeClr val="lt1"/>
+          </a:fontRef>
+        </p:style>
+        <p:txBody>
+          <a:bodyPr rtlCol="0" anchor="ctr"/>
+          <a:lstStyle/>
+          <a:p>
+            <a:pPr algn="ctr"/>
+            <a:endParaRPr lang="es-BO"/>
+          </a:p>
+        </p:txBody>
+      </p:sp>
+      <p:sp>
+        <p:nvSpPr>
+          <p:cNvPr id="7" name="Oval 6">
+            <a:extLst>
+              <a:ext uri="{FF2B5EF4-FFF2-40B4-BE49-F238E27FC236}">
+                <a16:creationId xmlns:a16="http://schemas.microsoft.com/office/drawing/2014/main" id="{2F31F24E-B0BF-DC45-7BB0-5FC943F06D48}"/>
+              </a:ext>
+            </a:extLst>
+          </p:cNvPr>
+          <p:cNvSpPr/>
+          <p:nvPr/>
+        </p:nvSpPr>
+        <p:spPr>
+          <a:xfrm>
+            <a:off x="6389448" y="4279079"/>
+            <a:ext cx="1160060" cy="1078174"/>
+          </a:xfrm>
+          <a:prstGeom prst="ellipse">
+            <a:avLst/>
+          </a:prstGeom>
+          <a:noFill/>
+        </p:spPr>
+        <p:style>
+          <a:lnRef idx="2">
+            <a:schemeClr val="accent1">
+              <a:shade val="15000"/>
+            </a:schemeClr>
+          </a:lnRef>
+          <a:fillRef idx="1">
+            <a:schemeClr val="accent1"/>
+          </a:fillRef>
+          <a:effectRef idx="0">
+            <a:schemeClr val="accent1"/>
+          </a:effectRef>
+          <a:fontRef idx="minor">
+            <a:schemeClr val="lt1"/>
+          </a:fontRef>
+        </p:style>
+        <p:txBody>
+          <a:bodyPr rtlCol="0" anchor="ctr"/>
+          <a:lstStyle/>
+          <a:p>
+            <a:pPr algn="ctr"/>
+            <a:endParaRPr lang="es-BO"/>
+          </a:p>
+        </p:txBody>
+      </p:sp>
+      <p:sp>
+        <p:nvSpPr>
+          <p:cNvPr id="8" name="TextBox 7">
+            <a:extLst>
+              <a:ext uri="{FF2B5EF4-FFF2-40B4-BE49-F238E27FC236}">
+                <a16:creationId xmlns:a16="http://schemas.microsoft.com/office/drawing/2014/main" id="{C8B72499-4368-7625-E162-24F07AA9CD31}"/>
+              </a:ext>
+            </a:extLst>
+          </p:cNvPr>
+          <p:cNvSpPr txBox="1"/>
+          <p:nvPr/>
+        </p:nvSpPr>
+        <p:spPr>
+          <a:xfrm>
+            <a:off x="2892924" y="3260972"/>
+            <a:ext cx="878767" cy="369332"/>
+          </a:xfrm>
+          <a:prstGeom prst="rect">
+            <a:avLst/>
+          </a:prstGeom>
+          <a:noFill/>
+        </p:spPr>
+        <p:txBody>
+          <a:bodyPr wrap="none" rtlCol="0">
+            <a:spAutoFit/>
+          </a:bodyPr>
+          <a:lstStyle/>
+          <a:p>
+            <a:r>
+              <a:rPr lang="is-IS" dirty="0"/>
+              <a:t>Subject</a:t>
+            </a:r>
+            <a:endParaRPr lang="es-BO" dirty="0"/>
+          </a:p>
+        </p:txBody>
+      </p:sp>
+      <p:sp>
+        <p:nvSpPr>
+          <p:cNvPr id="9" name="TextBox 8">
+            <a:extLst>
+              <a:ext uri="{FF2B5EF4-FFF2-40B4-BE49-F238E27FC236}">
+                <a16:creationId xmlns:a16="http://schemas.microsoft.com/office/drawing/2014/main" id="{268D3D1E-C826-4746-74CE-AB7D6A3DCC98}"/>
+              </a:ext>
+            </a:extLst>
+          </p:cNvPr>
+          <p:cNvSpPr txBox="1"/>
+          <p:nvPr/>
+        </p:nvSpPr>
+        <p:spPr>
+          <a:xfrm>
+            <a:off x="7466430" y="4169391"/>
+            <a:ext cx="803425" cy="369332"/>
+          </a:xfrm>
+          <a:prstGeom prst="rect">
+            <a:avLst/>
+          </a:prstGeom>
+          <a:noFill/>
+        </p:spPr>
+        <p:txBody>
+          <a:bodyPr wrap="none" rtlCol="0">
+            <a:spAutoFit/>
+          </a:bodyPr>
+          <a:lstStyle/>
+          <a:p>
+            <a:r>
+              <a:rPr lang="is-IS" dirty="0"/>
+              <a:t>Object</a:t>
+            </a:r>
+            <a:endParaRPr lang="es-BO" dirty="0"/>
+          </a:p>
+        </p:txBody>
+      </p:sp>
+    </p:spTree>
+    <p:extLst>
+      <p:ext uri="{BB962C8B-B14F-4D97-AF65-F5344CB8AC3E}">
+        <p14:creationId xmlns:p14="http://schemas.microsoft.com/office/powerpoint/2010/main" val="2914993594"/>
+      </p:ext>
+    </p:extLst>
+  </p:cSld>
+  <p:clrMapOvr>
+    <a:masterClrMapping/>
+  </p:clrMapOvr>
+</p:sld>
+</file>
+
+<file path=ppt/slides/slide33.xml><?xml version="1.0" encoding="utf-8"?>
+<p:sld xmlns:a="http://schemas.openxmlformats.org/drawingml/2006/main" xmlns:r="http://schemas.openxmlformats.org/officeDocument/2006/relationships" xmlns:p="http://schemas.openxmlformats.org/presentationml/2006/main">
+  <p:cSld>
+    <p:spTree>
+      <p:nvGrpSpPr>
+        <p:cNvPr id="1" name=""/>
+        <p:cNvGrpSpPr/>
+        <p:nvPr/>
+      </p:nvGrpSpPr>
+      <p:grpSpPr>
+        <a:xfrm>
+          <a:off x="0" y="0"/>
+          <a:ext cx="0" cy="0"/>
+          <a:chOff x="0" y="0"/>
+          <a:chExt cx="0" cy="0"/>
+        </a:xfrm>
+      </p:grpSpPr>
+      <p:pic>
+        <p:nvPicPr>
+          <p:cNvPr id="6" name="Picture 5">
+            <a:extLst>
+              <a:ext uri="{FF2B5EF4-FFF2-40B4-BE49-F238E27FC236}">
+                <a16:creationId xmlns:a16="http://schemas.microsoft.com/office/drawing/2014/main" id="{DC7AEA65-630E-9A44-A6BA-8FB689C155D5}"/>
+              </a:ext>
+            </a:extLst>
+          </p:cNvPr>
+          <p:cNvPicPr>
+            <a:picLocks noChangeAspect="1"/>
+          </p:cNvPicPr>
+          <p:nvPr/>
+        </p:nvPicPr>
+        <p:blipFill>
+          <a:blip r:embed="rId2"/>
+          <a:stretch>
+            <a:fillRect/>
+          </a:stretch>
+        </p:blipFill>
+        <p:spPr>
+          <a:xfrm>
+            <a:off x="616404" y="1579963"/>
+            <a:ext cx="4460563" cy="3698073"/>
+          </a:xfrm>
+          <a:prstGeom prst="rect">
+            <a:avLst/>
+          </a:prstGeom>
+        </p:spPr>
+      </p:pic>
+      <p:pic>
+        <p:nvPicPr>
+          <p:cNvPr id="10" name="Picture 9">
+            <a:extLst>
+              <a:ext uri="{FF2B5EF4-FFF2-40B4-BE49-F238E27FC236}">
+                <a16:creationId xmlns:a16="http://schemas.microsoft.com/office/drawing/2014/main" id="{A471B537-5BFA-C94C-9C14-9B1FAD9E9547}"/>
+              </a:ext>
+            </a:extLst>
+          </p:cNvPr>
+          <p:cNvPicPr>
+            <a:picLocks noChangeAspect="1"/>
+          </p:cNvPicPr>
+          <p:nvPr/>
+        </p:nvPicPr>
+        <p:blipFill>
+          <a:blip r:embed="rId3"/>
+          <a:stretch>
+            <a:fillRect/>
+          </a:stretch>
+        </p:blipFill>
+        <p:spPr>
+          <a:xfrm>
+            <a:off x="6096000" y="1579963"/>
+            <a:ext cx="5661637" cy="4497187"/>
+          </a:xfrm>
+          <a:prstGeom prst="rect">
+            <a:avLst/>
+          </a:prstGeom>
+        </p:spPr>
+      </p:pic>
+      <p:sp>
+        <p:nvSpPr>
+          <p:cNvPr id="11" name="Content Placeholder 2">
+            <a:extLst>
+              <a:ext uri="{FF2B5EF4-FFF2-40B4-BE49-F238E27FC236}">
+                <a16:creationId xmlns:a16="http://schemas.microsoft.com/office/drawing/2014/main" id="{088C714A-7DCF-EFAB-8BD9-C4B282C42A1A}"/>
+              </a:ext>
+            </a:extLst>
+          </p:cNvPr>
+          <p:cNvSpPr>
+            <a:spLocks noGrp="1"/>
+          </p:cNvSpPr>
+          <p:nvPr>
+            <p:ph idx="1"/>
+          </p:nvPr>
+        </p:nvSpPr>
+        <p:spPr>
+          <a:xfrm>
+            <a:off x="742665" y="462739"/>
+            <a:ext cx="10515600" cy="6088186"/>
+          </a:xfrm>
+        </p:spPr>
+        <p:txBody>
+          <a:bodyPr>
+            <a:normAutofit lnSpcReduction="10000"/>
+          </a:bodyPr>
+          <a:lstStyle/>
+          <a:p>
+            <a:r>
+              <a:rPr lang="is-IS" dirty="0"/>
+              <a:t>Syntax can frame the same events or situations in different ways</a:t>
+            </a:r>
+          </a:p>
+          <a:p>
+            <a:endParaRPr lang="is-IS" dirty="0"/>
+          </a:p>
+          <a:p>
+            <a:endParaRPr lang="is-IS" dirty="0"/>
+          </a:p>
+          <a:p>
+            <a:endParaRPr lang="is-IS" dirty="0"/>
+          </a:p>
+          <a:p>
+            <a:endParaRPr lang="is-IS" dirty="0"/>
+          </a:p>
+          <a:p>
+            <a:endParaRPr lang="is-IS" dirty="0"/>
+          </a:p>
+          <a:p>
+            <a:endParaRPr lang="is-IS" dirty="0"/>
+          </a:p>
+          <a:p>
+            <a:endParaRPr lang="is-IS" dirty="0"/>
+          </a:p>
+          <a:p>
+            <a:endParaRPr lang="is-IS" dirty="0"/>
+          </a:p>
+          <a:p>
+            <a:endParaRPr lang="is-IS" dirty="0"/>
+          </a:p>
+          <a:p>
+            <a:endParaRPr lang="is-IS" dirty="0"/>
+          </a:p>
+          <a:p>
+            <a:pPr marL="0" indent="0">
+              <a:buNone/>
+            </a:pPr>
+            <a:r>
+              <a:rPr lang="is-IS" dirty="0"/>
+              <a:t>Why?</a:t>
+            </a:r>
+            <a:endParaRPr lang="es-BO" dirty="0"/>
+          </a:p>
+        </p:txBody>
+      </p:sp>
+    </p:spTree>
+    <p:extLst>
+      <p:ext uri="{BB962C8B-B14F-4D97-AF65-F5344CB8AC3E}">
+        <p14:creationId xmlns:p14="http://schemas.microsoft.com/office/powerpoint/2010/main" val="3209980452"/>
+      </p:ext>
+    </p:extLst>
+  </p:cSld>
+  <p:clrMapOvr>
+    <a:masterClrMapping/>
+  </p:clrMapOvr>
+</p:sld>
+</file>
+
+<file path=ppt/slides/slide34.xml><?xml version="1.0" encoding="utf-8"?>
+<p:sld xmlns:a="http://schemas.openxmlformats.org/drawingml/2006/main" xmlns:r="http://schemas.openxmlformats.org/officeDocument/2006/relationships" xmlns:p="http://schemas.openxmlformats.org/presentationml/2006/main">
+  <p:cSld>
+    <p:spTree>
+      <p:nvGrpSpPr>
+        <p:cNvPr id="1" name=""/>
+        <p:cNvGrpSpPr/>
+        <p:nvPr/>
+      </p:nvGrpSpPr>
+      <p:grpSpPr>
+        <a:xfrm>
+          <a:off x="0" y="0"/>
+          <a:ext cx="0" cy="0"/>
+          <a:chOff x="0" y="0"/>
+          <a:chExt cx="0" cy="0"/>
+        </a:xfrm>
+      </p:grpSpPr>
+      <p:sp>
+        <p:nvSpPr>
+          <p:cNvPr id="2" name="Title 1">
+            <a:extLst>
+              <a:ext uri="{FF2B5EF4-FFF2-40B4-BE49-F238E27FC236}">
+                <a16:creationId xmlns:a16="http://schemas.microsoft.com/office/drawing/2014/main" id="{6608E16F-5066-E194-829D-9526B16E264C}"/>
+              </a:ext>
+            </a:extLst>
+          </p:cNvPr>
+          <p:cNvSpPr>
+            <a:spLocks noGrp="1"/>
+          </p:cNvSpPr>
+          <p:nvPr>
+            <p:ph type="title"/>
+          </p:nvPr>
+        </p:nvSpPr>
+        <p:spPr/>
+        <p:txBody>
+          <a:bodyPr/>
+          <a:lstStyle/>
+          <a:p>
+            <a:r>
+              <a:rPr lang="is-IS" dirty="0"/>
+              <a:t>Bresnan et al.</a:t>
+            </a:r>
+            <a:endParaRPr lang="es-BO" dirty="0"/>
+          </a:p>
+        </p:txBody>
+      </p:sp>
+      <p:sp>
+        <p:nvSpPr>
+          <p:cNvPr id="3" name="Content Placeholder 2">
+            <a:extLst>
+              <a:ext uri="{FF2B5EF4-FFF2-40B4-BE49-F238E27FC236}">
+                <a16:creationId xmlns:a16="http://schemas.microsoft.com/office/drawing/2014/main" id="{B7E0A630-2FE7-07E6-A1C2-2C2A633B230F}"/>
+              </a:ext>
+            </a:extLst>
+          </p:cNvPr>
+          <p:cNvSpPr>
+            <a:spLocks noGrp="1"/>
+          </p:cNvSpPr>
+          <p:nvPr>
+            <p:ph idx="1"/>
+          </p:nvPr>
+        </p:nvSpPr>
+        <p:spPr/>
+        <p:txBody>
+          <a:bodyPr/>
+          <a:lstStyle/>
+          <a:p>
+            <a:r>
+              <a:rPr lang="is-IS" dirty="0"/>
+              <a:t>Bresnan et al. studied the dative alternation.</a:t>
+            </a:r>
+          </a:p>
+          <a:p>
+            <a:endParaRPr lang="is-IS" dirty="0"/>
+          </a:p>
+          <a:p>
+            <a:pPr marL="0" indent="0">
+              <a:buNone/>
+            </a:pPr>
+            <a:r>
+              <a:rPr lang="is-IS" dirty="0"/>
+              <a:t>		</a:t>
+            </a:r>
+          </a:p>
+          <a:p>
+            <a:pPr marL="0" indent="0">
+              <a:buNone/>
+            </a:pPr>
+            <a:r>
+              <a:rPr lang="is-IS" dirty="0"/>
+              <a:t>	</a:t>
+            </a:r>
+            <a:r>
+              <a:rPr lang="is-IS" i="1" dirty="0"/>
+              <a:t>Josh gave toys to the children</a:t>
+            </a:r>
+          </a:p>
+          <a:p>
+            <a:pPr marL="0" indent="0">
+              <a:buNone/>
+            </a:pPr>
+            <a:r>
+              <a:rPr lang="is-IS" i="1" dirty="0"/>
+              <a:t>		       </a:t>
+            </a:r>
+            <a:r>
+              <a:rPr lang="is-IS" dirty="0"/>
+              <a:t>NP   PP</a:t>
+            </a:r>
+          </a:p>
+          <a:p>
+            <a:pPr marL="0" indent="0">
+              <a:buNone/>
+            </a:pPr>
+            <a:endParaRPr lang="is-IS" i="1" dirty="0"/>
+          </a:p>
+          <a:p>
+            <a:pPr marL="0" indent="0">
+              <a:buNone/>
+            </a:pPr>
+            <a:r>
+              <a:rPr lang="is-IS" i="1" dirty="0"/>
+              <a:t>	Josh have the children the toys</a:t>
+            </a:r>
+            <a:endParaRPr lang="is-IS" dirty="0"/>
+          </a:p>
+          <a:p>
+            <a:pPr marL="0" indent="0">
+              <a:buNone/>
+            </a:pPr>
+            <a:r>
+              <a:rPr lang="es-BO" dirty="0"/>
+              <a:t>		       NP                 </a:t>
+            </a:r>
+            <a:r>
+              <a:rPr lang="es-BO" dirty="0" err="1"/>
+              <a:t>NP</a:t>
+            </a:r>
+            <a:endParaRPr lang="es-BO" dirty="0"/>
+          </a:p>
+        </p:txBody>
+      </p:sp>
+    </p:spTree>
+    <p:extLst>
+      <p:ext uri="{BB962C8B-B14F-4D97-AF65-F5344CB8AC3E}">
+        <p14:creationId xmlns:p14="http://schemas.microsoft.com/office/powerpoint/2010/main" val="3030464502"/>
+      </p:ext>
+    </p:extLst>
+  </p:cSld>
+  <p:clrMapOvr>
+    <a:masterClrMapping/>
+  </p:clrMapOvr>
+</p:sld>
+</file>
+
+<file path=ppt/slides/slide35.xml><?xml version="1.0" encoding="utf-8"?>
+<p:sld xmlns:a="http://schemas.openxmlformats.org/drawingml/2006/main" xmlns:r="http://schemas.openxmlformats.org/officeDocument/2006/relationships" xmlns:p="http://schemas.openxmlformats.org/presentationml/2006/main">
+  <p:cSld>
+    <p:spTree>
+      <p:nvGrpSpPr>
+        <p:cNvPr id="1" name=""/>
+        <p:cNvGrpSpPr/>
+        <p:nvPr/>
+      </p:nvGrpSpPr>
+      <p:grpSpPr>
+        <a:xfrm>
+          <a:off x="0" y="0"/>
+          <a:ext cx="0" cy="0"/>
+          <a:chOff x="0" y="0"/>
+          <a:chExt cx="0" cy="0"/>
+        </a:xfrm>
+      </p:grpSpPr>
+      <p:sp>
+        <p:nvSpPr>
+          <p:cNvPr id="2" name="Title 1">
+            <a:extLst>
+              <a:ext uri="{FF2B5EF4-FFF2-40B4-BE49-F238E27FC236}">
+                <a16:creationId xmlns:a16="http://schemas.microsoft.com/office/drawing/2014/main" id="{6552C764-EBBF-51E9-74CF-655E9EDE77F9}"/>
+              </a:ext>
+            </a:extLst>
+          </p:cNvPr>
+          <p:cNvSpPr>
+            <a:spLocks noGrp="1"/>
+          </p:cNvSpPr>
+          <p:nvPr>
+            <p:ph type="title"/>
+          </p:nvPr>
+        </p:nvSpPr>
+        <p:spPr/>
+        <p:txBody>
+          <a:bodyPr/>
+          <a:lstStyle/>
+          <a:p>
+            <a:r>
+              <a:rPr lang="is-IS" dirty="0"/>
+              <a:t>Bresnan et al.</a:t>
+            </a:r>
+            <a:endParaRPr lang="es-BO" dirty="0"/>
+          </a:p>
+        </p:txBody>
+      </p:sp>
+      <p:sp>
+        <p:nvSpPr>
+          <p:cNvPr id="3" name="Content Placeholder 2">
+            <a:extLst>
+              <a:ext uri="{FF2B5EF4-FFF2-40B4-BE49-F238E27FC236}">
+                <a16:creationId xmlns:a16="http://schemas.microsoft.com/office/drawing/2014/main" id="{E9E0AE81-B3A2-4FB6-67BC-2EB7E0FE039D}"/>
+              </a:ext>
+            </a:extLst>
+          </p:cNvPr>
+          <p:cNvSpPr>
+            <a:spLocks noGrp="1"/>
+          </p:cNvSpPr>
+          <p:nvPr>
+            <p:ph idx="1"/>
+          </p:nvPr>
+        </p:nvSpPr>
+        <p:spPr/>
+        <p:txBody>
+          <a:bodyPr/>
+          <a:lstStyle/>
+          <a:p>
+            <a:r>
+              <a:rPr lang="is-IS" dirty="0"/>
+              <a:t>People had tried to </a:t>
+            </a:r>
+            <a:endParaRPr lang="es-BO" dirty="0"/>
+          </a:p>
+        </p:txBody>
+      </p:sp>
+    </p:spTree>
+    <p:extLst>
+      <p:ext uri="{BB962C8B-B14F-4D97-AF65-F5344CB8AC3E}">
+        <p14:creationId xmlns:p14="http://schemas.microsoft.com/office/powerpoint/2010/main" val="2675270976"/>
+      </p:ext>
+    </p:extLst>
+  </p:cSld>
+  <p:clrMapOvr>
+    <a:masterClrMapping/>
+  </p:clrMapOvr>
+</p:sld>
+</file>
+
+<file path=ppt/slides/slide36.xml><?xml version="1.0" encoding="utf-8"?>
+<p:sld xmlns:a="http://schemas.openxmlformats.org/drawingml/2006/main" xmlns:r="http://schemas.openxmlformats.org/officeDocument/2006/relationships" xmlns:p="http://schemas.openxmlformats.org/presentationml/2006/main">
+  <p:cSld>
+    <p:spTree>
+      <p:nvGrpSpPr>
+        <p:cNvPr id="1" name=""/>
+        <p:cNvGrpSpPr/>
+        <p:nvPr/>
+      </p:nvGrpSpPr>
+      <p:grpSpPr>
+        <a:xfrm>
+          <a:off x="0" y="0"/>
+          <a:ext cx="0" cy="0"/>
+          <a:chOff x="0" y="0"/>
+          <a:chExt cx="0" cy="0"/>
+        </a:xfrm>
+      </p:grpSpPr>
+      <p:sp>
+        <p:nvSpPr>
+          <p:cNvPr id="2" name="Title 1">
+            <a:extLst>
+              <a:ext uri="{FF2B5EF4-FFF2-40B4-BE49-F238E27FC236}">
+                <a16:creationId xmlns:a16="http://schemas.microsoft.com/office/drawing/2014/main" id="{A60776BA-5679-22A6-6738-E19ECB6677B7}"/>
+              </a:ext>
+            </a:extLst>
+          </p:cNvPr>
+          <p:cNvSpPr>
+            <a:spLocks noGrp="1"/>
+          </p:cNvSpPr>
+          <p:nvPr>
+            <p:ph type="title"/>
+          </p:nvPr>
+        </p:nvSpPr>
+        <p:spPr/>
+        <p:txBody>
+          <a:bodyPr/>
+          <a:lstStyle/>
+          <a:p>
+            <a:r>
+              <a:rPr lang="is-IS" dirty="0"/>
+              <a:t>Discourse</a:t>
+            </a:r>
+            <a:endParaRPr lang="es-BO" dirty="0"/>
+          </a:p>
+        </p:txBody>
+      </p:sp>
+      <p:sp>
+        <p:nvSpPr>
+          <p:cNvPr id="3" name="Content Placeholder 2">
+            <a:extLst>
+              <a:ext uri="{FF2B5EF4-FFF2-40B4-BE49-F238E27FC236}">
+                <a16:creationId xmlns:a16="http://schemas.microsoft.com/office/drawing/2014/main" id="{0BC5C1BF-5FB7-FCA0-4AB0-4C3688622298}"/>
+              </a:ext>
+            </a:extLst>
+          </p:cNvPr>
+          <p:cNvSpPr>
+            <a:spLocks noGrp="1"/>
+          </p:cNvSpPr>
+          <p:nvPr>
+            <p:ph idx="1"/>
+          </p:nvPr>
+        </p:nvSpPr>
+        <p:spPr/>
+        <p:txBody>
+          <a:bodyPr/>
+          <a:lstStyle/>
+          <a:p>
+            <a:r>
+              <a:rPr lang="is-IS" dirty="0"/>
+              <a:t>Turn-taking</a:t>
+            </a:r>
+          </a:p>
+          <a:p>
+            <a:r>
+              <a:rPr lang="is-IS" dirty="0"/>
+              <a:t>Conversational analysis</a:t>
+            </a:r>
+          </a:p>
+          <a:p>
+            <a:r>
+              <a:rPr lang="is-IS" dirty="0"/>
+              <a:t>Critical discourse analysis</a:t>
+            </a:r>
+            <a:endParaRPr lang="es-BO" dirty="0"/>
+          </a:p>
+        </p:txBody>
+      </p:sp>
+    </p:spTree>
+    <p:extLst>
+      <p:ext uri="{BB962C8B-B14F-4D97-AF65-F5344CB8AC3E}">
+        <p14:creationId xmlns:p14="http://schemas.microsoft.com/office/powerpoint/2010/main" val="1561820550"/>
+      </p:ext>
+    </p:extLst>
+  </p:cSld>
+  <p:clrMapOvr>
+    <a:masterClrMapping/>
+  </p:clrMapOvr>
+</p:sld>
+</file>
+
+<file path=ppt/slides/slide37.xml><?xml version="1.0" encoding="utf-8"?>
+<p:sld xmlns:a="http://schemas.openxmlformats.org/drawingml/2006/main" xmlns:r="http://schemas.openxmlformats.org/officeDocument/2006/relationships" xmlns:p="http://schemas.openxmlformats.org/presentationml/2006/main">
+  <p:cSld>
+    <p:spTree>
+      <p:nvGrpSpPr>
+        <p:cNvPr id="1" name=""/>
+        <p:cNvGrpSpPr/>
+        <p:nvPr/>
+      </p:nvGrpSpPr>
+      <p:grpSpPr>
+        <a:xfrm>
+          <a:off x="0" y="0"/>
+          <a:ext cx="0" cy="0"/>
+          <a:chOff x="0" y="0"/>
+          <a:chExt cx="0" cy="0"/>
+        </a:xfrm>
+      </p:grpSpPr>
+      <p:sp>
+        <p:nvSpPr>
+          <p:cNvPr id="2" name="Title 1">
+            <a:extLst>
+              <a:ext uri="{FF2B5EF4-FFF2-40B4-BE49-F238E27FC236}">
+                <a16:creationId xmlns:a16="http://schemas.microsoft.com/office/drawing/2014/main" id="{D2D5E9AC-B6E1-CDF0-D279-1528BBADD5D1}"/>
+              </a:ext>
+            </a:extLst>
+          </p:cNvPr>
+          <p:cNvSpPr>
+            <a:spLocks noGrp="1"/>
+          </p:cNvSpPr>
+          <p:nvPr>
+            <p:ph type="title"/>
+          </p:nvPr>
+        </p:nvSpPr>
+        <p:spPr/>
+        <p:txBody>
+          <a:bodyPr/>
+          <a:lstStyle/>
+          <a:p>
+            <a:r>
+              <a:rPr lang="is-IS" dirty="0"/>
+              <a:t>Turn-taking</a:t>
+            </a:r>
+            <a:endParaRPr lang="es-BO" dirty="0"/>
+          </a:p>
+        </p:txBody>
+      </p:sp>
+      <p:sp>
+        <p:nvSpPr>
+          <p:cNvPr id="3" name="Content Placeholder 2">
+            <a:extLst>
+              <a:ext uri="{FF2B5EF4-FFF2-40B4-BE49-F238E27FC236}">
+                <a16:creationId xmlns:a16="http://schemas.microsoft.com/office/drawing/2014/main" id="{FA50E48F-5114-FB71-BF95-41941B7FFD8C}"/>
+              </a:ext>
+            </a:extLst>
+          </p:cNvPr>
+          <p:cNvSpPr>
+            <a:spLocks noGrp="1"/>
+          </p:cNvSpPr>
+          <p:nvPr>
+            <p:ph idx="1"/>
+          </p:nvPr>
+        </p:nvSpPr>
+        <p:spPr/>
+        <p:txBody>
+          <a:bodyPr/>
+          <a:lstStyle/>
+          <a:p>
+            <a:r>
+              <a:rPr lang="is-IS" dirty="0"/>
+              <a:t>Turk-taking</a:t>
+            </a:r>
+            <a:endParaRPr lang="es-BO" dirty="0"/>
+          </a:p>
+        </p:txBody>
+      </p:sp>
+    </p:spTree>
+    <p:extLst>
+      <p:ext uri="{BB962C8B-B14F-4D97-AF65-F5344CB8AC3E}">
+        <p14:creationId xmlns:p14="http://schemas.microsoft.com/office/powerpoint/2010/main" val="2305733926"/>
+      </p:ext>
+    </p:extLst>
+  </p:cSld>
+  <p:clrMapOvr>
+    <a:masterClrMapping/>
+  </p:clrMapOvr>
+</p:sld>
+</file>
+
+<file path=ppt/slides/slide38.xml><?xml version="1.0" encoding="utf-8"?>
+<p:sld xmlns:a="http://schemas.openxmlformats.org/drawingml/2006/main" xmlns:r="http://schemas.openxmlformats.org/officeDocument/2006/relationships" xmlns:p="http://schemas.openxmlformats.org/presentationml/2006/main">
+  <p:cSld>
+    <p:spTree>
+      <p:nvGrpSpPr>
+        <p:cNvPr id="1" name=""/>
+        <p:cNvGrpSpPr/>
+        <p:nvPr/>
+      </p:nvGrpSpPr>
+      <p:grpSpPr>
+        <a:xfrm>
+          <a:off x="0" y="0"/>
+          <a:ext cx="0" cy="0"/>
+          <a:chOff x="0" y="0"/>
+          <a:chExt cx="0" cy="0"/>
+        </a:xfrm>
+      </p:grpSpPr>
+      <p:sp>
+        <p:nvSpPr>
+          <p:cNvPr id="2" name="Title 1">
+            <a:extLst>
+              <a:ext uri="{FF2B5EF4-FFF2-40B4-BE49-F238E27FC236}">
+                <a16:creationId xmlns:a16="http://schemas.microsoft.com/office/drawing/2014/main" id="{EF6B0D80-AE4A-B332-907E-C32DE74E0E09}"/>
+              </a:ext>
+            </a:extLst>
+          </p:cNvPr>
+          <p:cNvSpPr>
+            <a:spLocks noGrp="1"/>
+          </p:cNvSpPr>
+          <p:nvPr>
+            <p:ph type="title"/>
+          </p:nvPr>
+        </p:nvSpPr>
+        <p:spPr/>
+        <p:txBody>
+          <a:bodyPr/>
+          <a:lstStyle/>
+          <a:p>
+            <a:r>
+              <a:rPr lang="is-IS" dirty="0"/>
+              <a:t>Critical discourse analysis</a:t>
+            </a:r>
+            <a:endParaRPr lang="es-BO" dirty="0"/>
+          </a:p>
+        </p:txBody>
+      </p:sp>
+      <p:sp>
+        <p:nvSpPr>
+          <p:cNvPr id="3" name="Content Placeholder 2">
+            <a:extLst>
+              <a:ext uri="{FF2B5EF4-FFF2-40B4-BE49-F238E27FC236}">
+                <a16:creationId xmlns:a16="http://schemas.microsoft.com/office/drawing/2014/main" id="{437B09F9-F1A5-1A69-EC83-9B7F54EB8633}"/>
+              </a:ext>
+            </a:extLst>
+          </p:cNvPr>
+          <p:cNvSpPr>
+            <a:spLocks noGrp="1"/>
+          </p:cNvSpPr>
+          <p:nvPr>
+            <p:ph idx="1"/>
+          </p:nvPr>
+        </p:nvSpPr>
+        <p:spPr/>
+        <p:txBody>
+          <a:bodyPr/>
+          <a:lstStyle/>
+          <a:p>
+            <a:endParaRPr lang="es-BO" dirty="0"/>
+          </a:p>
+        </p:txBody>
+      </p:sp>
+    </p:spTree>
+    <p:extLst>
+      <p:ext uri="{BB962C8B-B14F-4D97-AF65-F5344CB8AC3E}">
+        <p14:creationId xmlns:p14="http://schemas.microsoft.com/office/powerpoint/2010/main" val="2849394850"/>
+      </p:ext>
+    </p:extLst>
+  </p:cSld>
+  <p:clrMapOvr>
+    <a:masterClrMapping/>
+  </p:clrMapOvr>
+</p:sld>
+</file>
+
+<file path=ppt/slides/slide39.xml><?xml version="1.0" encoding="utf-8"?>
+<p:sld xmlns:a="http://schemas.openxmlformats.org/drawingml/2006/main" xmlns:r="http://schemas.openxmlformats.org/officeDocument/2006/relationships" xmlns:p="http://schemas.openxmlformats.org/presentationml/2006/main">
+  <p:cSld>
+    <p:spTree>
+      <p:nvGrpSpPr>
+        <p:cNvPr id="1" name=""/>
+        <p:cNvGrpSpPr/>
+        <p:nvPr/>
+      </p:nvGrpSpPr>
+      <p:grpSpPr>
+        <a:xfrm>
+          <a:off x="0" y="0"/>
+          <a:ext cx="0" cy="0"/>
+          <a:chOff x="0" y="0"/>
+          <a:chExt cx="0" cy="0"/>
+        </a:xfrm>
+      </p:grpSpPr>
+      <p:sp>
+        <p:nvSpPr>
+          <p:cNvPr id="2" name="Title 1">
+            <a:extLst>
+              <a:ext uri="{FF2B5EF4-FFF2-40B4-BE49-F238E27FC236}">
+                <a16:creationId xmlns:a16="http://schemas.microsoft.com/office/drawing/2014/main" id="{ACD03474-3511-20E3-BF18-80D5644E77B8}"/>
+              </a:ext>
+            </a:extLst>
+          </p:cNvPr>
+          <p:cNvSpPr txBox="1">
+            <a:spLocks noGrp="1"/>
+          </p:cNvSpPr>
+          <p:nvPr>
+            <p:ph type="title"/>
+          </p:nvPr>
+        </p:nvSpPr>
+        <p:spPr/>
+        <p:txBody>
+          <a:bodyPr/>
+          <a:lstStyle/>
+          <a:p>
+            <a:pPr lvl="0"/>
+            <a:r>
+              <a:rPr lang="en-CA"/>
+              <a:t>Register</a:t>
+            </a:r>
+            <a:endParaRPr lang="es-BO"/>
+          </a:p>
+        </p:txBody>
+      </p:sp>
+      <p:sp>
+        <p:nvSpPr>
+          <p:cNvPr id="3" name="Content Placeholder 2">
+            <a:extLst>
+              <a:ext uri="{FF2B5EF4-FFF2-40B4-BE49-F238E27FC236}">
+                <a16:creationId xmlns:a16="http://schemas.microsoft.com/office/drawing/2014/main" id="{38D51695-2CF7-8C38-2EC1-959B40409101}"/>
+              </a:ext>
+            </a:extLst>
+          </p:cNvPr>
+          <p:cNvSpPr txBox="1">
+            <a:spLocks noGrp="1"/>
+          </p:cNvSpPr>
+          <p:nvPr>
+            <p:ph idx="1"/>
+          </p:nvPr>
+        </p:nvSpPr>
+        <p:spPr>
+          <a:xfrm>
+            <a:off x="838203" y="1825627"/>
+            <a:ext cx="5644490" cy="4351336"/>
+          </a:xfrm>
+        </p:spPr>
+        <p:txBody>
+          <a:bodyPr/>
+          <a:lstStyle/>
+          <a:p>
+            <a:pPr lvl="0"/>
+            <a:r>
+              <a:rPr lang="en-CA" b="1"/>
+              <a:t>mode: </a:t>
+            </a:r>
+            <a:r>
+              <a:rPr lang="en-CA"/>
+              <a:t>spoken versus signed</a:t>
+            </a:r>
+          </a:p>
+          <a:p>
+            <a:pPr lvl="0"/>
+            <a:endParaRPr lang="en-CA" b="1"/>
+          </a:p>
+          <a:p>
+            <a:pPr lvl="0"/>
+            <a:r>
+              <a:rPr lang="en-CA" b="1"/>
+              <a:t>participants: </a:t>
+            </a:r>
+            <a:r>
+              <a:rPr lang="en-CA"/>
+              <a:t>who are the people involved and what relationships do they have to one another</a:t>
+            </a:r>
+          </a:p>
+          <a:p>
+            <a:pPr lvl="0"/>
+            <a:endParaRPr lang="en-CA" b="1"/>
+          </a:p>
+          <a:p>
+            <a:pPr lvl="0"/>
+            <a:r>
+              <a:rPr lang="en-CA" b="1"/>
+              <a:t>communicative purpose: </a:t>
+            </a:r>
+            <a:r>
+              <a:rPr lang="en-CA"/>
+              <a:t>why are you talking to one another</a:t>
+            </a:r>
+            <a:endParaRPr lang="es-BO" b="1"/>
+          </a:p>
+        </p:txBody>
+      </p:sp>
+      <p:pic>
+        <p:nvPicPr>
+          <p:cNvPr id="4" name="Picture 4">
+            <a:extLst>
+              <a:ext uri="{FF2B5EF4-FFF2-40B4-BE49-F238E27FC236}">
+                <a16:creationId xmlns:a16="http://schemas.microsoft.com/office/drawing/2014/main" id="{90E9FE68-9A4B-60AC-0712-D85D293D3330}"/>
+              </a:ext>
+            </a:extLst>
+          </p:cNvPr>
+          <p:cNvPicPr>
+            <a:picLocks noChangeAspect="1"/>
+          </p:cNvPicPr>
+          <p:nvPr/>
+        </p:nvPicPr>
+        <p:blipFill>
+          <a:blip r:embed="rId2"/>
+          <a:stretch>
+            <a:fillRect/>
+          </a:stretch>
+        </p:blipFill>
+        <p:spPr>
+          <a:xfrm>
+            <a:off x="6832021" y="871633"/>
+            <a:ext cx="4813483" cy="3245105"/>
+          </a:xfrm>
+          <a:prstGeom prst="rect">
+            <a:avLst/>
+          </a:prstGeom>
+          <a:noFill/>
+          <a:ln cap="flat">
+            <a:noFill/>
+          </a:ln>
+        </p:spPr>
+      </p:pic>
+      <p:sp>
+        <p:nvSpPr>
+          <p:cNvPr id="5" name="TextBox 6">
+            <a:extLst>
+              <a:ext uri="{FF2B5EF4-FFF2-40B4-BE49-F238E27FC236}">
+                <a16:creationId xmlns:a16="http://schemas.microsoft.com/office/drawing/2014/main" id="{CAD1ABC2-8217-7088-A494-C50AF8CC9E97}"/>
+              </a:ext>
+            </a:extLst>
+          </p:cNvPr>
+          <p:cNvSpPr txBox="1"/>
+          <p:nvPr/>
+        </p:nvSpPr>
+        <p:spPr>
+          <a:xfrm>
+            <a:off x="6482684" y="4251676"/>
+            <a:ext cx="6093726" cy="369335"/>
+          </a:xfrm>
+          <a:prstGeom prst="rect">
+            <a:avLst/>
+          </a:prstGeom>
+          <a:noFill/>
+          <a:ln cap="flat">
+            <a:noFill/>
+          </a:ln>
+        </p:spPr>
+        <p:txBody>
+          <a:bodyPr vert="horz" wrap="square" lIns="91440" tIns="45720" rIns="91440" bIns="45720" anchor="t" anchorCtr="0" compatLnSpc="1">
+            <a:spAutoFit/>
+          </a:bodyPr>
+          <a:lstStyle/>
+          <a:p>
+            <a:pPr marL="0" marR="0" lvl="0" indent="0" algn="l" defTabSz="914400" rtl="0" fontAlgn="auto" hangingPunct="1">
+              <a:lnSpc>
+                <a:spcPct val="100000"/>
+              </a:lnSpc>
+              <a:spcBef>
+                <a:spcPts val="0"/>
+              </a:spcBef>
+              <a:spcAft>
+                <a:spcPts val="0"/>
+              </a:spcAft>
+              <a:buNone/>
+              <a:tabLst/>
+              <a:defRPr sz="1800" b="0" i="0" u="none" strike="noStrike" kern="0" cap="none" spc="0" baseline="0">
+                <a:solidFill>
+                  <a:srgbClr val="000000"/>
+                </a:solidFill>
+                <a:uFillTx/>
+              </a:defRPr>
+            </a:pPr>
+            <a:r>
+              <a:rPr lang="es-BO" sz="1800" b="0" i="0" u="none" strike="noStrike" kern="1200" cap="none" spc="0" baseline="0">
+                <a:solidFill>
+                  <a:srgbClr val="000000"/>
+                </a:solidFill>
+                <a:uFillTx/>
+                <a:latin typeface="Calibri"/>
+              </a:rPr>
+              <a:t>https://en.wikipedia.org/wiki/American_Sign_Language</a:t>
+            </a:r>
+          </a:p>
+        </p:txBody>
+      </p:sp>
+    </p:spTree>
+  </p:cSld>
+  <p:clrMapOvr>
+    <a:masterClrMapping/>
+  </p:clrMapOvr>
+</p:sld>
+</file>
+
 <file path=ppt/slides/slide4.xml><?xml version="1.0" encoding="utf-8"?>
 <p:sld xmlns:a="http://schemas.openxmlformats.org/drawingml/2006/main" xmlns:r="http://schemas.openxmlformats.org/officeDocument/2006/relationships" xmlns:p="http://schemas.openxmlformats.org/presentationml/2006/main">
   <p:cSld>
@@ -5940,6 +8562,616 @@
           <a:p>
             <a:pPr lvl="0"/>
             <a:endParaRPr lang="es-BO"/>
+          </a:p>
+        </p:txBody>
+      </p:sp>
+    </p:spTree>
+  </p:cSld>
+  <p:clrMapOvr>
+    <a:masterClrMapping/>
+  </p:clrMapOvr>
+</p:sld>
+</file>
+
+<file path=ppt/slides/slide40.xml><?xml version="1.0" encoding="utf-8"?>
+<p:sld xmlns:a="http://schemas.openxmlformats.org/drawingml/2006/main" xmlns:r="http://schemas.openxmlformats.org/officeDocument/2006/relationships" xmlns:p="http://schemas.openxmlformats.org/presentationml/2006/main">
+  <p:cSld>
+    <p:spTree>
+      <p:nvGrpSpPr>
+        <p:cNvPr id="1" name=""/>
+        <p:cNvGrpSpPr/>
+        <p:nvPr/>
+      </p:nvGrpSpPr>
+      <p:grpSpPr>
+        <a:xfrm>
+          <a:off x="0" y="0"/>
+          <a:ext cx="0" cy="0"/>
+          <a:chOff x="0" y="0"/>
+          <a:chExt cx="0" cy="0"/>
+        </a:xfrm>
+      </p:grpSpPr>
+      <p:sp>
+        <p:nvSpPr>
+          <p:cNvPr id="2" name="Title 1">
+            <a:extLst>
+              <a:ext uri="{FF2B5EF4-FFF2-40B4-BE49-F238E27FC236}">
+                <a16:creationId xmlns:a16="http://schemas.microsoft.com/office/drawing/2014/main" id="{0B78CBEC-9911-582E-374A-29F2E5BF719C}"/>
+              </a:ext>
+            </a:extLst>
+          </p:cNvPr>
+          <p:cNvSpPr txBox="1">
+            <a:spLocks noGrp="1"/>
+          </p:cNvSpPr>
+          <p:nvPr>
+            <p:ph type="title"/>
+          </p:nvPr>
+        </p:nvSpPr>
+        <p:spPr/>
+        <p:txBody>
+          <a:bodyPr/>
+          <a:lstStyle/>
+          <a:p>
+            <a:pPr lvl="0"/>
+            <a:r>
+              <a:rPr lang="en-CA"/>
+              <a:t>Genre</a:t>
+            </a:r>
+            <a:endParaRPr lang="es-BO"/>
+          </a:p>
+        </p:txBody>
+      </p:sp>
+      <p:sp>
+        <p:nvSpPr>
+          <p:cNvPr id="3" name="Content Placeholder 2">
+            <a:extLst>
+              <a:ext uri="{FF2B5EF4-FFF2-40B4-BE49-F238E27FC236}">
+                <a16:creationId xmlns:a16="http://schemas.microsoft.com/office/drawing/2014/main" id="{3311B832-5BF0-DB49-4EB2-C1C10C5F7C61}"/>
+              </a:ext>
+            </a:extLst>
+          </p:cNvPr>
+          <p:cNvSpPr txBox="1">
+            <a:spLocks noGrp="1"/>
+          </p:cNvSpPr>
+          <p:nvPr>
+            <p:ph idx="1"/>
+          </p:nvPr>
+        </p:nvSpPr>
+        <p:spPr/>
+        <p:txBody>
+          <a:bodyPr/>
+          <a:lstStyle/>
+          <a:p>
+            <a:pPr lvl="0"/>
+            <a:r>
+              <a:rPr lang="en-CA"/>
+              <a:t>A genre is defined by linguistic features that are conventionally used with it.</a:t>
+            </a:r>
+          </a:p>
+          <a:p>
+            <a:pPr lvl="0"/>
+            <a:endParaRPr lang="en-CA"/>
+          </a:p>
+          <a:p>
+            <a:pPr lvl="0"/>
+            <a:r>
+              <a:rPr lang="en-CA"/>
+              <a:t>Prose writing, poetry, fairy tales</a:t>
+            </a:r>
+          </a:p>
+          <a:p>
+            <a:pPr lvl="0"/>
+            <a:endParaRPr lang="en-CA"/>
+          </a:p>
+          <a:p>
+            <a:pPr lvl="0"/>
+            <a:r>
+              <a:rPr lang="en-CA"/>
+              <a:t>Note that genres are culturally specific (they usually have names)</a:t>
+            </a:r>
+          </a:p>
+          <a:p>
+            <a:pPr lvl="0"/>
+            <a:endParaRPr lang="en-CA"/>
+          </a:p>
+          <a:p>
+            <a:pPr lvl="0"/>
+            <a:r>
+              <a:rPr lang="en-CA" b="1"/>
+              <a:t>Genre marker: </a:t>
+            </a:r>
+            <a:r>
+              <a:rPr lang="en-CA"/>
+              <a:t> A specific property that marks off a genre </a:t>
+            </a:r>
+            <a:endParaRPr lang="es-BO"/>
+          </a:p>
+        </p:txBody>
+      </p:sp>
+    </p:spTree>
+  </p:cSld>
+  <p:clrMapOvr>
+    <a:masterClrMapping/>
+  </p:clrMapOvr>
+</p:sld>
+</file>
+
+<file path=ppt/slides/slide41.xml><?xml version="1.0" encoding="utf-8"?>
+<p:sld xmlns:a="http://schemas.openxmlformats.org/drawingml/2006/main" xmlns:r="http://schemas.openxmlformats.org/officeDocument/2006/relationships" xmlns:p="http://schemas.openxmlformats.org/presentationml/2006/main">
+  <p:cSld>
+    <p:spTree>
+      <p:nvGrpSpPr>
+        <p:cNvPr id="1" name=""/>
+        <p:cNvGrpSpPr/>
+        <p:nvPr/>
+      </p:nvGrpSpPr>
+      <p:grpSpPr>
+        <a:xfrm>
+          <a:off x="0" y="0"/>
+          <a:ext cx="0" cy="0"/>
+          <a:chOff x="0" y="0"/>
+          <a:chExt cx="0" cy="0"/>
+        </a:xfrm>
+      </p:grpSpPr>
+      <p:sp>
+        <p:nvSpPr>
+          <p:cNvPr id="2" name="Title 1">
+            <a:extLst>
+              <a:ext uri="{FF2B5EF4-FFF2-40B4-BE49-F238E27FC236}">
+                <a16:creationId xmlns:a16="http://schemas.microsoft.com/office/drawing/2014/main" id="{6C157C15-5FD5-9113-1D8E-13CC27494702}"/>
+              </a:ext>
+            </a:extLst>
+          </p:cNvPr>
+          <p:cNvSpPr txBox="1">
+            <a:spLocks noGrp="1"/>
+          </p:cNvSpPr>
+          <p:nvPr>
+            <p:ph type="title"/>
+          </p:nvPr>
+        </p:nvSpPr>
+        <p:spPr/>
+        <p:txBody>
+          <a:bodyPr/>
+          <a:lstStyle/>
+          <a:p>
+            <a:pPr lvl="0"/>
+            <a:r>
+              <a:rPr lang="en-CA"/>
+              <a:t>Genre</a:t>
+            </a:r>
+            <a:endParaRPr lang="es-BO"/>
+          </a:p>
+        </p:txBody>
+      </p:sp>
+      <p:sp>
+        <p:nvSpPr>
+          <p:cNvPr id="3" name="Content Placeholder 2">
+            <a:extLst>
+              <a:ext uri="{FF2B5EF4-FFF2-40B4-BE49-F238E27FC236}">
+                <a16:creationId xmlns:a16="http://schemas.microsoft.com/office/drawing/2014/main" id="{3193E58E-459F-A89D-3053-9C3984E91CD3}"/>
+              </a:ext>
+            </a:extLst>
+          </p:cNvPr>
+          <p:cNvSpPr txBox="1">
+            <a:spLocks noGrp="1"/>
+          </p:cNvSpPr>
+          <p:nvPr>
+            <p:ph idx="1"/>
+          </p:nvPr>
+        </p:nvSpPr>
+        <p:spPr>
+          <a:xfrm>
+            <a:off x="838203" y="1825627"/>
+            <a:ext cx="10515600" cy="2500719"/>
+          </a:xfrm>
+        </p:spPr>
+        <p:txBody>
+          <a:bodyPr/>
+          <a:lstStyle/>
+          <a:p>
+            <a:pPr lvl="0"/>
+            <a:r>
+              <a:rPr lang="en-CA"/>
+              <a:t>In Ch</a:t>
+            </a:r>
+            <a:r>
+              <a:rPr lang="es-ES"/>
+              <a:t>ácobo there is a specific </a:t>
+            </a:r>
+            <a:r>
+              <a:rPr lang="en-CA"/>
+              <a:t>‘male joking genre’ of speech, which is characterized heavily by the liberal use of adjectivalizers.</a:t>
+            </a:r>
+          </a:p>
+          <a:p>
+            <a:pPr lvl="0"/>
+            <a:r>
+              <a:rPr lang="en-CA"/>
+              <a:t>Typically between men drinking chicha</a:t>
+            </a:r>
+          </a:p>
+          <a:p>
+            <a:pPr lvl="0"/>
+            <a:r>
+              <a:rPr lang="es-BO"/>
+              <a:t>Some sentences which appear in this context are judged unacceptable or ungrammatical outside of it.</a:t>
+            </a:r>
+          </a:p>
+        </p:txBody>
+      </p:sp>
+      <p:sp>
+        <p:nvSpPr>
+          <p:cNvPr id="4" name="TextBox 3">
+            <a:extLst>
+              <a:ext uri="{FF2B5EF4-FFF2-40B4-BE49-F238E27FC236}">
+                <a16:creationId xmlns:a16="http://schemas.microsoft.com/office/drawing/2014/main" id="{56128097-62F4-ED86-23DD-8B48452E8AA5}"/>
+              </a:ext>
+            </a:extLst>
+          </p:cNvPr>
+          <p:cNvSpPr txBox="1"/>
+          <p:nvPr/>
+        </p:nvSpPr>
+        <p:spPr>
+          <a:xfrm>
+            <a:off x="1078169" y="5063316"/>
+            <a:ext cx="7287905" cy="1200332"/>
+          </a:xfrm>
+          <a:prstGeom prst="rect">
+            <a:avLst/>
+          </a:prstGeom>
+          <a:noFill/>
+          <a:ln cap="flat">
+            <a:noFill/>
+          </a:ln>
+        </p:spPr>
+        <p:txBody>
+          <a:bodyPr vert="horz" wrap="square" lIns="91440" tIns="45720" rIns="91440" bIns="45720" anchor="t" anchorCtr="0" compatLnSpc="1">
+            <a:spAutoFit/>
+          </a:bodyPr>
+          <a:lstStyle/>
+          <a:p>
+            <a:pPr marL="0" marR="0" lvl="0" indent="0" algn="l" defTabSz="914400" rtl="0" fontAlgn="auto" hangingPunct="1">
+              <a:lnSpc>
+                <a:spcPct val="100000"/>
+              </a:lnSpc>
+              <a:spcBef>
+                <a:spcPts val="0"/>
+              </a:spcBef>
+              <a:spcAft>
+                <a:spcPts val="0"/>
+              </a:spcAft>
+              <a:buNone/>
+              <a:tabLst/>
+              <a:defRPr sz="1800" b="0" i="0" u="none" strike="noStrike" kern="0" cap="none" spc="0" baseline="0">
+                <a:solidFill>
+                  <a:srgbClr val="000000"/>
+                </a:solidFill>
+                <a:uFillTx/>
+              </a:defRPr>
+            </a:pPr>
+            <a:r>
+              <a:rPr lang="en-CA" sz="2400" b="0" i="0" u="none" strike="noStrike" kern="1200" cap="none" spc="0" baseline="0">
+                <a:solidFill>
+                  <a:srgbClr val="000000"/>
+                </a:solidFill>
+                <a:uFillTx/>
+                <a:latin typeface="Calibri"/>
+              </a:rPr>
+              <a:t>j</a:t>
+            </a:r>
+            <a:r>
+              <a:rPr lang="smn-FI" sz="2400" b="0" i="0" u="none" strike="noStrike" kern="1200" cap="none" spc="0" baseline="0">
+                <a:solidFill>
+                  <a:srgbClr val="000000"/>
+                </a:solidFill>
+                <a:uFillTx/>
+                <a:latin typeface="Calibri"/>
+              </a:rPr>
+              <a:t>ënë </a:t>
+            </a:r>
+            <a:r>
+              <a:rPr lang="en-CA" sz="2400" b="0" i="0" u="none" strike="noStrike" kern="1200" cap="none" spc="0" baseline="0">
+                <a:solidFill>
+                  <a:srgbClr val="000000"/>
+                </a:solidFill>
+                <a:uFillTx/>
+                <a:latin typeface="Calibri"/>
+              </a:rPr>
+              <a:t>pohi=xëni mia</a:t>
+            </a:r>
+          </a:p>
+          <a:p>
+            <a:pPr marL="0" marR="0" lvl="0" indent="0" algn="l" defTabSz="914400" rtl="0" fontAlgn="auto" hangingPunct="1">
+              <a:lnSpc>
+                <a:spcPct val="100000"/>
+              </a:lnSpc>
+              <a:spcBef>
+                <a:spcPts val="0"/>
+              </a:spcBef>
+              <a:spcAft>
+                <a:spcPts val="0"/>
+              </a:spcAft>
+              <a:buNone/>
+              <a:tabLst/>
+              <a:defRPr sz="1800" b="0" i="0" u="none" strike="noStrike" kern="0" cap="none" spc="0" baseline="0">
+                <a:solidFill>
+                  <a:srgbClr val="000000"/>
+                </a:solidFill>
+                <a:uFillTx/>
+              </a:defRPr>
+            </a:pPr>
+            <a:r>
+              <a:rPr lang="en-CA" sz="2400" b="0" i="0" u="none" strike="noStrike" kern="1200" cap="none" spc="0" baseline="0">
+                <a:solidFill>
+                  <a:srgbClr val="000000"/>
+                </a:solidFill>
+                <a:uFillTx/>
+                <a:latin typeface="Calibri"/>
+              </a:rPr>
+              <a:t>chicha shit-ter you</a:t>
+            </a:r>
+          </a:p>
+          <a:p>
+            <a:pPr marL="0" marR="0" lvl="0" indent="0" algn="l" defTabSz="914400" rtl="0" fontAlgn="auto" hangingPunct="1">
+              <a:lnSpc>
+                <a:spcPct val="100000"/>
+              </a:lnSpc>
+              <a:spcBef>
+                <a:spcPts val="0"/>
+              </a:spcBef>
+              <a:spcAft>
+                <a:spcPts val="0"/>
+              </a:spcAft>
+              <a:buNone/>
+              <a:tabLst/>
+              <a:defRPr sz="1800" b="0" i="0" u="none" strike="noStrike" kern="0" cap="none" spc="0" baseline="0">
+                <a:solidFill>
+                  <a:srgbClr val="000000"/>
+                </a:solidFill>
+                <a:uFillTx/>
+              </a:defRPr>
+            </a:pPr>
+            <a:r>
+              <a:rPr lang="en-CA" sz="2400" b="0" i="0" u="none" strike="noStrike" kern="1200" cap="none" spc="0" baseline="0">
+                <a:solidFill>
+                  <a:srgbClr val="000000"/>
+                </a:solidFill>
+                <a:uFillTx/>
+                <a:latin typeface="Calibri"/>
+              </a:rPr>
+              <a:t>“You are a habitual chicha shitter.”</a:t>
+            </a:r>
+            <a:endParaRPr lang="es-BO" sz="2400" b="0" i="0" u="none" strike="noStrike" kern="1200" cap="none" spc="0" baseline="0">
+              <a:solidFill>
+                <a:srgbClr val="000000"/>
+              </a:solidFill>
+              <a:uFillTx/>
+              <a:latin typeface="Calibri"/>
+            </a:endParaRPr>
+          </a:p>
+        </p:txBody>
+      </p:sp>
+    </p:spTree>
+  </p:cSld>
+  <p:clrMapOvr>
+    <a:masterClrMapping/>
+  </p:clrMapOvr>
+</p:sld>
+</file>
+
+<file path=ppt/slides/slide42.xml><?xml version="1.0" encoding="utf-8"?>
+<p:sld xmlns:a="http://schemas.openxmlformats.org/drawingml/2006/main" xmlns:r="http://schemas.openxmlformats.org/officeDocument/2006/relationships" xmlns:p="http://schemas.openxmlformats.org/presentationml/2006/main">
+  <p:cSld>
+    <p:spTree>
+      <p:nvGrpSpPr>
+        <p:cNvPr id="1" name=""/>
+        <p:cNvGrpSpPr/>
+        <p:nvPr/>
+      </p:nvGrpSpPr>
+      <p:grpSpPr>
+        <a:xfrm>
+          <a:off x="0" y="0"/>
+          <a:ext cx="0" cy="0"/>
+          <a:chOff x="0" y="0"/>
+          <a:chExt cx="0" cy="0"/>
+        </a:xfrm>
+      </p:grpSpPr>
+      <p:sp>
+        <p:nvSpPr>
+          <p:cNvPr id="2" name="Title 1">
+            <a:extLst>
+              <a:ext uri="{FF2B5EF4-FFF2-40B4-BE49-F238E27FC236}">
+                <a16:creationId xmlns:a16="http://schemas.microsoft.com/office/drawing/2014/main" id="{63F778CC-0AEF-A21B-FD1A-70529ECFC84D}"/>
+              </a:ext>
+            </a:extLst>
+          </p:cNvPr>
+          <p:cNvSpPr txBox="1">
+            <a:spLocks noGrp="1"/>
+          </p:cNvSpPr>
+          <p:nvPr>
+            <p:ph type="title"/>
+          </p:nvPr>
+        </p:nvSpPr>
+        <p:spPr/>
+        <p:txBody>
+          <a:bodyPr/>
+          <a:lstStyle/>
+          <a:p>
+            <a:pPr lvl="0"/>
+            <a:r>
+              <a:rPr lang="en-CA"/>
+              <a:t>Style</a:t>
+            </a:r>
+            <a:endParaRPr lang="es-BO"/>
+          </a:p>
+        </p:txBody>
+      </p:sp>
+      <p:sp>
+        <p:nvSpPr>
+          <p:cNvPr id="3" name="Content Placeholder 2">
+            <a:extLst>
+              <a:ext uri="{FF2B5EF4-FFF2-40B4-BE49-F238E27FC236}">
+                <a16:creationId xmlns:a16="http://schemas.microsoft.com/office/drawing/2014/main" id="{65A3D6BE-F9C5-9E09-FB4F-BE2729A5BE02}"/>
+              </a:ext>
+            </a:extLst>
+          </p:cNvPr>
+          <p:cNvSpPr txBox="1">
+            <a:spLocks noGrp="1"/>
+          </p:cNvSpPr>
+          <p:nvPr>
+            <p:ph idx="1"/>
+          </p:nvPr>
+        </p:nvSpPr>
+        <p:spPr/>
+        <p:txBody>
+          <a:bodyPr/>
+          <a:lstStyle/>
+          <a:p>
+            <a:pPr lvl="0"/>
+            <a:r>
+              <a:rPr lang="en-CA"/>
+              <a:t>Like genre but about individuals:</a:t>
+            </a:r>
+          </a:p>
+          <a:p>
+            <a:pPr lvl="0"/>
+            <a:endParaRPr lang="en-CA"/>
+          </a:p>
+          <a:p>
+            <a:pPr lvl="0"/>
+            <a:r>
+              <a:rPr lang="en-CA"/>
+              <a:t>Some people just use certain constructions more than others</a:t>
+            </a:r>
+          </a:p>
+          <a:p>
+            <a:pPr lvl="0"/>
+            <a:endParaRPr lang="en-CA"/>
+          </a:p>
+          <a:p>
+            <a:pPr lvl="0"/>
+            <a:r>
+              <a:rPr lang="en-CA"/>
+              <a:t>These can be markers of social identity, but they can also be very specific.</a:t>
+            </a:r>
+            <a:endParaRPr lang="es-BO"/>
+          </a:p>
+        </p:txBody>
+      </p:sp>
+    </p:spTree>
+  </p:cSld>
+  <p:clrMapOvr>
+    <a:masterClrMapping/>
+  </p:clrMapOvr>
+</p:sld>
+</file>
+
+<file path=ppt/slides/slide43.xml><?xml version="1.0" encoding="utf-8"?>
+<p:sld xmlns:a="http://schemas.openxmlformats.org/drawingml/2006/main" xmlns:r="http://schemas.openxmlformats.org/officeDocument/2006/relationships" xmlns:p="http://schemas.openxmlformats.org/presentationml/2006/main">
+  <p:cSld>
+    <p:spTree>
+      <p:nvGrpSpPr>
+        <p:cNvPr id="1" name=""/>
+        <p:cNvGrpSpPr/>
+        <p:nvPr/>
+      </p:nvGrpSpPr>
+      <p:grpSpPr>
+        <a:xfrm>
+          <a:off x="0" y="0"/>
+          <a:ext cx="0" cy="0"/>
+          <a:chOff x="0" y="0"/>
+          <a:chExt cx="0" cy="0"/>
+        </a:xfrm>
+      </p:grpSpPr>
+      <p:sp>
+        <p:nvSpPr>
+          <p:cNvPr id="2" name="Title 1">
+            <a:extLst>
+              <a:ext uri="{FF2B5EF4-FFF2-40B4-BE49-F238E27FC236}">
+                <a16:creationId xmlns:a16="http://schemas.microsoft.com/office/drawing/2014/main" id="{A9A34687-DA29-E9A9-DC80-E1B4316A05B0}"/>
+              </a:ext>
+            </a:extLst>
+          </p:cNvPr>
+          <p:cNvSpPr txBox="1">
+            <a:spLocks noGrp="1"/>
+          </p:cNvSpPr>
+          <p:nvPr>
+            <p:ph type="title"/>
+          </p:nvPr>
+        </p:nvSpPr>
+        <p:spPr/>
+        <p:txBody>
+          <a:bodyPr/>
+          <a:lstStyle/>
+          <a:p>
+            <a:pPr lvl="0"/>
+            <a:r>
+              <a:rPr lang="en-CA"/>
+              <a:t>Linked data</a:t>
+            </a:r>
+            <a:endParaRPr lang="es-BO"/>
+          </a:p>
+        </p:txBody>
+      </p:sp>
+      <p:sp>
+        <p:nvSpPr>
+          <p:cNvPr id="3" name="Content Placeholder 2">
+            <a:extLst>
+              <a:ext uri="{FF2B5EF4-FFF2-40B4-BE49-F238E27FC236}">
+                <a16:creationId xmlns:a16="http://schemas.microsoft.com/office/drawing/2014/main" id="{5E880EDD-83C7-FE10-0C82-616079C71A5D}"/>
+              </a:ext>
+            </a:extLst>
+          </p:cNvPr>
+          <p:cNvSpPr txBox="1">
+            <a:spLocks noGrp="1"/>
+          </p:cNvSpPr>
+          <p:nvPr>
+            <p:ph idx="1"/>
+          </p:nvPr>
+        </p:nvSpPr>
+        <p:spPr/>
+        <p:txBody>
+          <a:bodyPr/>
+          <a:lstStyle/>
+          <a:p>
+            <a:pPr lvl="0"/>
+            <a:r>
+              <a:rPr lang="en-CA" dirty="0" err="1"/>
+              <a:t>Rawa</a:t>
+            </a:r>
+            <a:r>
+              <a:rPr lang="en-CA" dirty="0"/>
+              <a:t> vs. primary data</a:t>
+            </a:r>
+          </a:p>
+          <a:p>
+            <a:pPr lvl="0"/>
+            <a:endParaRPr lang="en-CA" dirty="0"/>
+          </a:p>
+          <a:p>
+            <a:pPr lvl="0"/>
+            <a:r>
+              <a:rPr lang="en-CA" dirty="0"/>
+              <a:t>Time alignment</a:t>
+            </a:r>
+          </a:p>
+          <a:p>
+            <a:pPr lvl="0"/>
+            <a:endParaRPr lang="en-CA" dirty="0"/>
+          </a:p>
+          <a:p>
+            <a:pPr lvl="0"/>
+            <a:r>
+              <a:rPr lang="en-CA" dirty="0"/>
+              <a:t>Metadata</a:t>
+            </a:r>
+          </a:p>
+          <a:p>
+            <a:pPr lvl="0"/>
+            <a:endParaRPr lang="en-CA" dirty="0"/>
+          </a:p>
+          <a:p>
+            <a:pPr lvl="0"/>
+            <a:endParaRPr lang="es-BO" dirty="0"/>
           </a:p>
         </p:txBody>
       </p:sp>

--- a/03_lectures/Corpus Linguistics_2023_11_10.pptx
+++ b/03_lectures/Corpus Linguistics_2023_11_10.pptx
@@ -40,14 +40,25 @@
     <p:sldId id="429" r:id="rId34"/>
     <p:sldId id="420" r:id="rId35"/>
     <p:sldId id="430" r:id="rId36"/>
-    <p:sldId id="421" r:id="rId37"/>
-    <p:sldId id="422" r:id="rId38"/>
-    <p:sldId id="423" r:id="rId39"/>
-    <p:sldId id="299" r:id="rId40"/>
-    <p:sldId id="300" r:id="rId41"/>
-    <p:sldId id="302" r:id="rId42"/>
-    <p:sldId id="303" r:id="rId43"/>
-    <p:sldId id="305" r:id="rId44"/>
+    <p:sldId id="431" r:id="rId37"/>
+    <p:sldId id="432" r:id="rId38"/>
+    <p:sldId id="433" r:id="rId39"/>
+    <p:sldId id="434" r:id="rId40"/>
+    <p:sldId id="435" r:id="rId41"/>
+    <p:sldId id="436" r:id="rId42"/>
+    <p:sldId id="437" r:id="rId43"/>
+    <p:sldId id="438" r:id="rId44"/>
+    <p:sldId id="421" r:id="rId45"/>
+    <p:sldId id="422" r:id="rId46"/>
+    <p:sldId id="439" r:id="rId47"/>
+    <p:sldId id="440" r:id="rId48"/>
+    <p:sldId id="423" r:id="rId49"/>
+    <p:sldId id="441" r:id="rId50"/>
+    <p:sldId id="299" r:id="rId51"/>
+    <p:sldId id="300" r:id="rId52"/>
+    <p:sldId id="302" r:id="rId53"/>
+    <p:sldId id="303" r:id="rId54"/>
+    <p:sldId id="305" r:id="rId55"/>
   </p:sldIdLst>
   <p:sldSz cx="12192000" cy="6858000"/>
   <p:notesSz cx="6858000" cy="9144000"/>
@@ -190,9 +201,20 @@
             <p14:sldId id="429"/>
             <p14:sldId id="420"/>
             <p14:sldId id="430"/>
+            <p14:sldId id="431"/>
+            <p14:sldId id="432"/>
+            <p14:sldId id="433"/>
+            <p14:sldId id="434"/>
+            <p14:sldId id="435"/>
+            <p14:sldId id="436"/>
+            <p14:sldId id="437"/>
+            <p14:sldId id="438"/>
             <p14:sldId id="421"/>
             <p14:sldId id="422"/>
+            <p14:sldId id="439"/>
+            <p14:sldId id="440"/>
             <p14:sldId id="423"/>
+            <p14:sldId id="441"/>
           </p14:sldIdLst>
         </p14:section>
         <p14:section name="Ch 2 pg 29-40" id="{9430499D-BF58-4959-A413-31A020C332A3}">
@@ -362,7 +384,7 @@
           <a:p>
             <a:fld id="{78B1A558-9E64-4A1A-89F2-B5C84C0F8BE0}" type="datetimeFigureOut">
               <a:rPr lang="es-BO" smtClean="0"/>
-              <a:t>9/11/2023</a:t>
+              <a:t>10/11/2023</a:t>
             </a:fld>
             <a:endParaRPr lang="es-BO"/>
           </a:p>
@@ -562,7 +584,7 @@
           <a:p>
             <a:fld id="{78B1A558-9E64-4A1A-89F2-B5C84C0F8BE0}" type="datetimeFigureOut">
               <a:rPr lang="es-BO" smtClean="0"/>
-              <a:t>9/11/2023</a:t>
+              <a:t>10/11/2023</a:t>
             </a:fld>
             <a:endParaRPr lang="es-BO"/>
           </a:p>
@@ -772,7 +794,7 @@
           <a:p>
             <a:fld id="{78B1A558-9E64-4A1A-89F2-B5C84C0F8BE0}" type="datetimeFigureOut">
               <a:rPr lang="es-BO" smtClean="0"/>
-              <a:t>9/11/2023</a:t>
+              <a:t>10/11/2023</a:t>
             </a:fld>
             <a:endParaRPr lang="es-BO"/>
           </a:p>
@@ -972,7 +994,7 @@
           <a:p>
             <a:fld id="{78B1A558-9E64-4A1A-89F2-B5C84C0F8BE0}" type="datetimeFigureOut">
               <a:rPr lang="es-BO" smtClean="0"/>
-              <a:t>9/11/2023</a:t>
+              <a:t>10/11/2023</a:t>
             </a:fld>
             <a:endParaRPr lang="es-BO"/>
           </a:p>
@@ -1248,7 +1270,7 @@
           <a:p>
             <a:fld id="{78B1A558-9E64-4A1A-89F2-B5C84C0F8BE0}" type="datetimeFigureOut">
               <a:rPr lang="es-BO" smtClean="0"/>
-              <a:t>9/11/2023</a:t>
+              <a:t>10/11/2023</a:t>
             </a:fld>
             <a:endParaRPr lang="es-BO"/>
           </a:p>
@@ -1516,7 +1538,7 @@
           <a:p>
             <a:fld id="{78B1A558-9E64-4A1A-89F2-B5C84C0F8BE0}" type="datetimeFigureOut">
               <a:rPr lang="es-BO" smtClean="0"/>
-              <a:t>9/11/2023</a:t>
+              <a:t>10/11/2023</a:t>
             </a:fld>
             <a:endParaRPr lang="es-BO"/>
           </a:p>
@@ -1931,7 +1953,7 @@
           <a:p>
             <a:fld id="{78B1A558-9E64-4A1A-89F2-B5C84C0F8BE0}" type="datetimeFigureOut">
               <a:rPr lang="es-BO" smtClean="0"/>
-              <a:t>9/11/2023</a:t>
+              <a:t>10/11/2023</a:t>
             </a:fld>
             <a:endParaRPr lang="es-BO"/>
           </a:p>
@@ -2073,7 +2095,7 @@
           <a:p>
             <a:fld id="{78B1A558-9E64-4A1A-89F2-B5C84C0F8BE0}" type="datetimeFigureOut">
               <a:rPr lang="es-BO" smtClean="0"/>
-              <a:t>9/11/2023</a:t>
+              <a:t>10/11/2023</a:t>
             </a:fld>
             <a:endParaRPr lang="es-BO"/>
           </a:p>
@@ -2186,7 +2208,7 @@
           <a:p>
             <a:fld id="{78B1A558-9E64-4A1A-89F2-B5C84C0F8BE0}" type="datetimeFigureOut">
               <a:rPr lang="es-BO" smtClean="0"/>
-              <a:t>9/11/2023</a:t>
+              <a:t>10/11/2023</a:t>
             </a:fld>
             <a:endParaRPr lang="es-BO"/>
           </a:p>
@@ -2499,7 +2521,7 @@
           <a:p>
             <a:fld id="{78B1A558-9E64-4A1A-89F2-B5C84C0F8BE0}" type="datetimeFigureOut">
               <a:rPr lang="es-BO" smtClean="0"/>
-              <a:t>9/11/2023</a:t>
+              <a:t>10/11/2023</a:t>
             </a:fld>
             <a:endParaRPr lang="es-BO"/>
           </a:p>
@@ -2788,7 +2810,7 @@
           <a:p>
             <a:fld id="{78B1A558-9E64-4A1A-89F2-B5C84C0F8BE0}" type="datetimeFigureOut">
               <a:rPr lang="es-BO" smtClean="0"/>
-              <a:t>9/11/2023</a:t>
+              <a:t>10/11/2023</a:t>
             </a:fld>
             <a:endParaRPr lang="es-BO"/>
           </a:p>
@@ -3031,7 +3053,7 @@
           <a:p>
             <a:fld id="{78B1A558-9E64-4A1A-89F2-B5C84C0F8BE0}" type="datetimeFigureOut">
               <a:rPr lang="es-BO" smtClean="0"/>
-              <a:t>9/11/2023</a:t>
+              <a:t>10/11/2023</a:t>
             </a:fld>
             <a:endParaRPr lang="es-BO"/>
           </a:p>
@@ -7666,7 +7688,7 @@
         </p:spPr>
         <p:txBody>
           <a:bodyPr>
-            <a:normAutofit lnSpcReduction="10000"/>
+            <a:normAutofit/>
           </a:bodyPr>
           <a:lstStyle/>
           <a:p>
@@ -7676,7 +7698,18 @@
             </a:r>
           </a:p>
           <a:p>
-            <a:endParaRPr lang="is-IS" dirty="0"/>
+            <a:r>
+              <a:rPr lang="is-IS" dirty="0"/>
+              <a:t>The framing gives different </a:t>
+            </a:r>
+            <a:r>
+              <a:rPr lang="is-IS" i="1" dirty="0"/>
+              <a:t>conceptualizations </a:t>
+            </a:r>
+            <a:r>
+              <a:rPr lang="is-IS" dirty="0"/>
+              <a:t>of a situation</a:t>
+            </a:r>
           </a:p>
           <a:p>
             <a:endParaRPr lang="is-IS" dirty="0"/>
@@ -7709,11 +7742,7 @@
             <a:pPr marL="0" indent="0">
               <a:buNone/>
             </a:pPr>
-            <a:r>
-              <a:rPr lang="is-IS" dirty="0"/>
-              <a:t>Why?</a:t>
-            </a:r>
-            <a:endParaRPr lang="es-BO" dirty="0"/>
+            <a:endParaRPr lang="is-IS" dirty="0"/>
           </a:p>
         </p:txBody>
       </p:sp>
@@ -7803,15 +7832,12 @@
             </a:r>
           </a:p>
           <a:p>
-            <a:endParaRPr lang="is-IS" dirty="0"/>
-          </a:p>
-          <a:p>
             <a:pPr marL="0" indent="0">
               <a:buNone/>
             </a:pPr>
             <a:r>
               <a:rPr lang="is-IS" dirty="0"/>
-              <a:t>		</a:t>
+              <a:t>	</a:t>
             </a:r>
           </a:p>
           <a:p>
@@ -7820,7 +7846,7 @@
             </a:pPr>
             <a:r>
               <a:rPr lang="is-IS" dirty="0"/>
-              <a:t>	</a:t>
+              <a:t>(1)	</a:t>
             </a:r>
             <a:r>
               <a:rPr lang="is-IS" i="1" dirty="0"/>
@@ -7852,7 +7878,7 @@
             </a:pPr>
             <a:r>
               <a:rPr lang="is-IS" i="1" dirty="0"/>
-              <a:t>	Josh have the children the toys</a:t>
+              <a:t>	Josh gave the children the toys</a:t>
             </a:r>
             <a:endParaRPr lang="is-IS" dirty="0"/>
           </a:p>
@@ -7869,6 +7895,338 @@
               <a:t>NP</a:t>
             </a:r>
             <a:endParaRPr lang="es-BO" dirty="0"/>
+          </a:p>
+        </p:txBody>
+      </p:sp>
+      <p:sp>
+        <p:nvSpPr>
+          <p:cNvPr id="5" name="TextBox 4">
+            <a:extLst>
+              <a:ext uri="{FF2B5EF4-FFF2-40B4-BE49-F238E27FC236}">
+                <a16:creationId xmlns:a16="http://schemas.microsoft.com/office/drawing/2014/main" id="{70235AA9-EECC-C4DC-9426-7CAFCE30A7BA}"/>
+              </a:ext>
+            </a:extLst>
+          </p:cNvPr>
+          <p:cNvSpPr txBox="1"/>
+          <p:nvPr/>
+        </p:nvSpPr>
+        <p:spPr>
+          <a:xfrm>
+            <a:off x="6185762" y="5280523"/>
+            <a:ext cx="6094708" cy="1477328"/>
+          </a:xfrm>
+          <a:prstGeom prst="rect">
+            <a:avLst/>
+          </a:prstGeom>
+          <a:noFill/>
+        </p:spPr>
+        <p:txBody>
+          <a:bodyPr wrap="square">
+            <a:spAutoFit/>
+          </a:bodyPr>
+          <a:lstStyle/>
+          <a:p>
+            <a:r>
+              <a:rPr lang="es-BO" dirty="0" err="1">
+                <a:solidFill>
+                  <a:srgbClr val="7030A0"/>
+                </a:solidFill>
+              </a:rPr>
+              <a:t>Bresnan</a:t>
+            </a:r>
+            <a:r>
+              <a:rPr lang="es-BO" dirty="0">
+                <a:solidFill>
+                  <a:srgbClr val="7030A0"/>
+                </a:solidFill>
+              </a:rPr>
+              <a:t>, Joan, Anna </a:t>
+            </a:r>
+            <a:r>
+              <a:rPr lang="es-BO" dirty="0" err="1">
+                <a:solidFill>
+                  <a:srgbClr val="7030A0"/>
+                </a:solidFill>
+              </a:rPr>
+              <a:t>Cueni</a:t>
+            </a:r>
+            <a:r>
+              <a:rPr lang="es-BO" dirty="0">
+                <a:solidFill>
+                  <a:srgbClr val="7030A0"/>
+                </a:solidFill>
+              </a:rPr>
+              <a:t>, Tatiana </a:t>
+            </a:r>
+            <a:r>
+              <a:rPr lang="es-BO" dirty="0" err="1">
+                <a:solidFill>
+                  <a:srgbClr val="7030A0"/>
+                </a:solidFill>
+              </a:rPr>
+              <a:t>Nikitina</a:t>
+            </a:r>
+            <a:r>
+              <a:rPr lang="es-BO" dirty="0">
+                <a:solidFill>
+                  <a:srgbClr val="7030A0"/>
+                </a:solidFill>
+              </a:rPr>
+              <a:t>, and Harald </a:t>
+            </a:r>
+            <a:r>
+              <a:rPr lang="es-BO" dirty="0" err="1">
+                <a:solidFill>
+                  <a:srgbClr val="7030A0"/>
+                </a:solidFill>
+              </a:rPr>
+              <a:t>Baayen</a:t>
+            </a:r>
+            <a:r>
+              <a:rPr lang="es-BO" dirty="0">
+                <a:solidFill>
+                  <a:srgbClr val="7030A0"/>
+                </a:solidFill>
+              </a:rPr>
+              <a:t>. 2007. </a:t>
+            </a:r>
+            <a:r>
+              <a:rPr lang="es-BO" dirty="0" err="1">
+                <a:solidFill>
+                  <a:srgbClr val="7030A0"/>
+                </a:solidFill>
+              </a:rPr>
+              <a:t>Predicting</a:t>
+            </a:r>
+            <a:r>
+              <a:rPr lang="es-BO" dirty="0">
+                <a:solidFill>
+                  <a:srgbClr val="7030A0"/>
+                </a:solidFill>
+              </a:rPr>
+              <a:t> </a:t>
+            </a:r>
+            <a:r>
+              <a:rPr lang="es-BO" dirty="0" err="1">
+                <a:solidFill>
+                  <a:srgbClr val="7030A0"/>
+                </a:solidFill>
+              </a:rPr>
+              <a:t>the</a:t>
+            </a:r>
+            <a:r>
+              <a:rPr lang="es-BO" dirty="0">
+                <a:solidFill>
+                  <a:srgbClr val="7030A0"/>
+                </a:solidFill>
+              </a:rPr>
+              <a:t> dative </a:t>
+            </a:r>
+            <a:r>
+              <a:rPr lang="es-BO" dirty="0" err="1">
+                <a:solidFill>
+                  <a:srgbClr val="7030A0"/>
+                </a:solidFill>
+              </a:rPr>
+              <a:t>alternation</a:t>
+            </a:r>
+            <a:r>
+              <a:rPr lang="es-BO" dirty="0">
+                <a:solidFill>
+                  <a:srgbClr val="7030A0"/>
+                </a:solidFill>
+              </a:rPr>
+              <a:t>. In G. </a:t>
+            </a:r>
+            <a:r>
+              <a:rPr lang="es-BO" dirty="0" err="1">
+                <a:solidFill>
+                  <a:srgbClr val="7030A0"/>
+                </a:solidFill>
+              </a:rPr>
+              <a:t>Boume</a:t>
+            </a:r>
+            <a:r>
+              <a:rPr lang="es-BO" dirty="0">
+                <a:solidFill>
+                  <a:srgbClr val="7030A0"/>
+                </a:solidFill>
+              </a:rPr>
+              <a:t>, I. </a:t>
+            </a:r>
+            <a:r>
+              <a:rPr lang="es-BO" dirty="0" err="1">
+                <a:solidFill>
+                  <a:srgbClr val="7030A0"/>
+                </a:solidFill>
+              </a:rPr>
+              <a:t>Kraemer</a:t>
+            </a:r>
+            <a:r>
+              <a:rPr lang="es-BO" dirty="0">
+                <a:solidFill>
+                  <a:srgbClr val="7030A0"/>
+                </a:solidFill>
+              </a:rPr>
+              <a:t>, and J. </a:t>
+            </a:r>
+            <a:r>
+              <a:rPr lang="es-BO" dirty="0" err="1">
+                <a:solidFill>
+                  <a:srgbClr val="7030A0"/>
+                </a:solidFill>
+              </a:rPr>
+              <a:t>Zwarts</a:t>
+            </a:r>
+            <a:r>
+              <a:rPr lang="es-BO" dirty="0">
+                <a:solidFill>
+                  <a:srgbClr val="7030A0"/>
+                </a:solidFill>
+              </a:rPr>
+              <a:t>, eds., Cognitive </a:t>
+            </a:r>
+            <a:r>
+              <a:rPr lang="es-BO" dirty="0" err="1">
+                <a:solidFill>
+                  <a:srgbClr val="7030A0"/>
+                </a:solidFill>
+              </a:rPr>
+              <a:t>Foundations</a:t>
+            </a:r>
+            <a:r>
+              <a:rPr lang="es-BO" dirty="0">
+                <a:solidFill>
+                  <a:srgbClr val="7030A0"/>
+                </a:solidFill>
+              </a:rPr>
+              <a:t> </a:t>
+            </a:r>
+            <a:r>
+              <a:rPr lang="es-BO" dirty="0" err="1">
+                <a:solidFill>
+                  <a:srgbClr val="7030A0"/>
+                </a:solidFill>
+              </a:rPr>
+              <a:t>of</a:t>
+            </a:r>
+            <a:r>
+              <a:rPr lang="es-BO" dirty="0">
+                <a:solidFill>
+                  <a:srgbClr val="7030A0"/>
+                </a:solidFill>
+              </a:rPr>
+              <a:t> </a:t>
+            </a:r>
+            <a:r>
+              <a:rPr lang="es-BO" dirty="0" err="1">
+                <a:solidFill>
+                  <a:srgbClr val="7030A0"/>
+                </a:solidFill>
+              </a:rPr>
+              <a:t>Interpretation</a:t>
+            </a:r>
+            <a:r>
+              <a:rPr lang="es-BO" dirty="0">
+                <a:solidFill>
+                  <a:srgbClr val="7030A0"/>
+                </a:solidFill>
+              </a:rPr>
+              <a:t>, </a:t>
+            </a:r>
+            <a:r>
+              <a:rPr lang="es-BO" dirty="0" err="1">
+                <a:solidFill>
+                  <a:srgbClr val="7030A0"/>
+                </a:solidFill>
+              </a:rPr>
+              <a:t>pages</a:t>
+            </a:r>
+            <a:r>
+              <a:rPr lang="es-BO" dirty="0">
+                <a:solidFill>
+                  <a:srgbClr val="7030A0"/>
+                </a:solidFill>
+              </a:rPr>
+              <a:t> 69–94. </a:t>
+            </a:r>
+            <a:r>
+              <a:rPr lang="es-BO" dirty="0" err="1">
+                <a:solidFill>
+                  <a:srgbClr val="7030A0"/>
+                </a:solidFill>
+              </a:rPr>
+              <a:t>Amsterdam</a:t>
+            </a:r>
+            <a:r>
+              <a:rPr lang="es-BO" dirty="0">
+                <a:solidFill>
+                  <a:srgbClr val="7030A0"/>
+                </a:solidFill>
+              </a:rPr>
+              <a:t>: Royal </a:t>
+            </a:r>
+            <a:r>
+              <a:rPr lang="es-BO" dirty="0" err="1">
+                <a:solidFill>
+                  <a:srgbClr val="7030A0"/>
+                </a:solidFill>
+              </a:rPr>
+              <a:t>Netherlands</a:t>
+            </a:r>
+            <a:r>
+              <a:rPr lang="es-BO" dirty="0">
+                <a:solidFill>
+                  <a:srgbClr val="7030A0"/>
+                </a:solidFill>
+              </a:rPr>
+              <a:t> </a:t>
+            </a:r>
+            <a:r>
+              <a:rPr lang="es-BO" dirty="0" err="1">
+                <a:solidFill>
+                  <a:srgbClr val="7030A0"/>
+                </a:solidFill>
+              </a:rPr>
+              <a:t>Academy</a:t>
+            </a:r>
+            <a:r>
+              <a:rPr lang="es-BO" dirty="0">
+                <a:solidFill>
+                  <a:srgbClr val="7030A0"/>
+                </a:solidFill>
+              </a:rPr>
+              <a:t> </a:t>
+            </a:r>
+            <a:r>
+              <a:rPr lang="es-BO" dirty="0" err="1">
+                <a:solidFill>
+                  <a:srgbClr val="7030A0"/>
+                </a:solidFill>
+              </a:rPr>
+              <a:t>of</a:t>
+            </a:r>
+            <a:r>
+              <a:rPr lang="es-BO" dirty="0">
+                <a:solidFill>
+                  <a:srgbClr val="7030A0"/>
+                </a:solidFill>
+              </a:rPr>
+              <a:t> </a:t>
+            </a:r>
+            <a:r>
+              <a:rPr lang="es-BO" dirty="0" err="1">
+                <a:solidFill>
+                  <a:srgbClr val="7030A0"/>
+                </a:solidFill>
+              </a:rPr>
+              <a:t>Science</a:t>
+            </a:r>
+            <a:endParaRPr lang="es-BO" dirty="0">
+              <a:solidFill>
+                <a:srgbClr val="7030A0"/>
+              </a:solidFill>
+            </a:endParaRPr>
           </a:p>
         </p:txBody>
       </p:sp>
@@ -7947,16 +8305,132 @@
             <p:ph idx="1"/>
           </p:nvPr>
         </p:nvSpPr>
-        <p:spPr/>
+        <p:spPr>
+          <a:xfrm>
+            <a:off x="838200" y="1825625"/>
+            <a:ext cx="10515600" cy="4544177"/>
+          </a:xfrm>
+        </p:spPr>
         <p:txBody>
           <a:bodyPr/>
           <a:lstStyle/>
           <a:p>
             <a:r>
               <a:rPr lang="is-IS" dirty="0"/>
-              <a:t>People had tried to </a:t>
-            </a:r>
-            <a:endParaRPr lang="es-BO" dirty="0"/>
+              <a:t>Traditional analysis:</a:t>
+            </a:r>
+          </a:p>
+          <a:p>
+            <a:pPr lvl="1"/>
+            <a:r>
+              <a:rPr lang="is-IS" dirty="0"/>
+              <a:t>There are two ways of conceptualizing a giving event.</a:t>
+            </a:r>
+          </a:p>
+          <a:p>
+            <a:pPr lvl="1"/>
+            <a:endParaRPr lang="is-IS" dirty="0"/>
+          </a:p>
+          <a:p>
+            <a:pPr lvl="1"/>
+            <a:endParaRPr lang="is-IS" dirty="0"/>
+          </a:p>
+          <a:p>
+            <a:pPr marL="457200" indent="-457200">
+              <a:buAutoNum type="arabicParenBoth" startAt="2"/>
+            </a:pPr>
+            <a:r>
+              <a:rPr lang="is-IS" sz="2400" dirty="0"/>
+              <a:t>Meaning-to-Structure Mapping Hypothesis</a:t>
+            </a:r>
+          </a:p>
+          <a:p>
+            <a:pPr marL="514350" indent="-514350">
+              <a:buAutoNum type="arabicParenBoth" startAt="2"/>
+            </a:pPr>
+            <a:endParaRPr lang="is-IS" sz="2400" b="1" dirty="0"/>
+          </a:p>
+          <a:p>
+            <a:pPr marL="0" indent="0">
+              <a:buNone/>
+            </a:pPr>
+            <a:r>
+              <a:rPr lang="is-IS" sz="2400" dirty="0"/>
+              <a:t>causing a change of state (possession) </a:t>
+            </a:r>
+            <a:r>
+              <a:rPr lang="is-IS" sz="2400" dirty="0">
+                <a:latin typeface="Times New Roman" panose="02020603050405020304" pitchFamily="18" charset="0"/>
+                <a:cs typeface="Times New Roman" panose="02020603050405020304" pitchFamily="18" charset="0"/>
+              </a:rPr>
+              <a:t>→ V NP NP</a:t>
+            </a:r>
+          </a:p>
+          <a:p>
+            <a:pPr marL="0" indent="0">
+              <a:buNone/>
+            </a:pPr>
+            <a:r>
+              <a:rPr lang="is-IS" sz="2400" dirty="0">
+                <a:latin typeface="Times New Roman" panose="02020603050405020304" pitchFamily="18" charset="0"/>
+                <a:cs typeface="Times New Roman" panose="02020603050405020304" pitchFamily="18" charset="0"/>
+              </a:rPr>
+              <a:t>	example: </a:t>
+            </a:r>
+            <a:r>
+              <a:rPr lang="is-IS" sz="2400" i="1" dirty="0">
+                <a:latin typeface="Times New Roman" panose="02020603050405020304" pitchFamily="18" charset="0"/>
+                <a:cs typeface="Times New Roman" panose="02020603050405020304" pitchFamily="18" charset="0"/>
+              </a:rPr>
+              <a:t>Susan gave the children toys</a:t>
+            </a:r>
+          </a:p>
+          <a:p>
+            <a:pPr marL="0" indent="0">
+              <a:buNone/>
+            </a:pPr>
+            <a:r>
+              <a:rPr lang="is-IS" sz="2400" dirty="0">
+                <a:latin typeface="Times New Roman" panose="02020603050405020304" pitchFamily="18" charset="0"/>
+                <a:cs typeface="Times New Roman" panose="02020603050405020304" pitchFamily="18" charset="0"/>
+              </a:rPr>
+              <a:t>causing a change of place (movement to goal)</a:t>
+            </a:r>
+          </a:p>
+          <a:p>
+            <a:pPr marL="0" indent="0">
+              <a:buNone/>
+            </a:pPr>
+            <a:r>
+              <a:rPr lang="is-IS" sz="2400" dirty="0">
+                <a:latin typeface="Times New Roman" panose="02020603050405020304" pitchFamily="18" charset="0"/>
+                <a:cs typeface="Times New Roman" panose="02020603050405020304" pitchFamily="18" charset="0"/>
+              </a:rPr>
+              <a:t>	example: </a:t>
+            </a:r>
+            <a:r>
+              <a:rPr lang="is-IS" sz="2400" i="1" dirty="0">
+                <a:latin typeface="Times New Roman" panose="02020603050405020304" pitchFamily="18" charset="0"/>
+                <a:cs typeface="Times New Roman" panose="02020603050405020304" pitchFamily="18" charset="0"/>
+              </a:rPr>
+              <a:t>Susan gave toys to the children </a:t>
+            </a:r>
+            <a:r>
+              <a:rPr lang="is-IS" sz="2400" dirty="0">
+                <a:latin typeface="Times New Roman" panose="02020603050405020304" pitchFamily="18" charset="0"/>
+                <a:cs typeface="Times New Roman" panose="02020603050405020304" pitchFamily="18" charset="0"/>
+              </a:rPr>
+              <a:t>→ V NP [to NP]</a:t>
+            </a:r>
+          </a:p>
+          <a:p>
+            <a:pPr marL="0" indent="0">
+              <a:buNone/>
+            </a:pPr>
+            <a:endParaRPr lang="is-IS" sz="2400" dirty="0">
+              <a:latin typeface="Times New Roman" panose="02020603050405020304" pitchFamily="18" charset="0"/>
+              <a:cs typeface="Times New Roman" panose="02020603050405020304" pitchFamily="18" charset="0"/>
+            </a:endParaRPr>
           </a:p>
         </p:txBody>
       </p:sp>
@@ -7995,7 +8469,7 @@
           <p:cNvPr id="2" name="Title 1">
             <a:extLst>
               <a:ext uri="{FF2B5EF4-FFF2-40B4-BE49-F238E27FC236}">
-                <a16:creationId xmlns:a16="http://schemas.microsoft.com/office/drawing/2014/main" id="{A60776BA-5679-22A6-6738-E19ECB6677B7}"/>
+                <a16:creationId xmlns:a16="http://schemas.microsoft.com/office/drawing/2014/main" id="{E0C4822D-7CA2-7CD5-ED14-4BE3077E215C}"/>
               </a:ext>
             </a:extLst>
           </p:cNvPr>
@@ -8012,8 +8486,8 @@
           <a:lstStyle/>
           <a:p>
             <a:r>
-              <a:rPr lang="is-IS" dirty="0"/>
-              <a:t>Discourse</a:t>
+              <a:rPr lang="en-CA" dirty="0"/>
+              <a:t>Bresnan et al.</a:t>
             </a:r>
             <a:endParaRPr lang="es-BO" dirty="0"/>
           </a:p>
@@ -8024,7 +8498,7 @@
           <p:cNvPr id="3" name="Content Placeholder 2">
             <a:extLst>
               <a:ext uri="{FF2B5EF4-FFF2-40B4-BE49-F238E27FC236}">
-                <a16:creationId xmlns:a16="http://schemas.microsoft.com/office/drawing/2014/main" id="{0BC5C1BF-5FB7-FCA0-4AB0-4C3688622298}"/>
+                <a16:creationId xmlns:a16="http://schemas.microsoft.com/office/drawing/2014/main" id="{46065235-C8BA-D040-1283-CC29E2391EF0}"/>
               </a:ext>
             </a:extLst>
           </p:cNvPr>
@@ -8041,29 +8515,78 @@
           <a:lstStyle/>
           <a:p>
             <a:r>
-              <a:rPr lang="is-IS" dirty="0"/>
-              <a:t>Turn-taking</a:t>
-            </a:r>
-          </a:p>
-          <a:p>
-            <a:r>
-              <a:rPr lang="is-IS" dirty="0"/>
-              <a:t>Conversational analysis</a:t>
-            </a:r>
-          </a:p>
-          <a:p>
-            <a:r>
-              <a:rPr lang="is-IS" dirty="0"/>
-              <a:t>Critical discourse analysis</a:t>
-            </a:r>
-            <a:endParaRPr lang="es-BO" dirty="0"/>
+              <a:rPr lang="en-CA" dirty="0"/>
+              <a:t>There are two types of evidence for this:</a:t>
+            </a:r>
+          </a:p>
+          <a:p>
+            <a:endParaRPr lang="en-CA" dirty="0"/>
+          </a:p>
+          <a:p>
+            <a:r>
+              <a:rPr lang="en-CA" dirty="0"/>
+              <a:t>Idioms that can’t involve movement to a goal</a:t>
+            </a:r>
+          </a:p>
+          <a:p>
+            <a:endParaRPr lang="en-CA" dirty="0"/>
+          </a:p>
+          <a:p>
+            <a:r>
+              <a:rPr lang="es-BO" dirty="0" err="1"/>
+              <a:t>Constructions</a:t>
+            </a:r>
+            <a:r>
+              <a:rPr lang="es-BO" dirty="0"/>
+              <a:t> </a:t>
+            </a:r>
+            <a:r>
+              <a:rPr lang="es-BO" dirty="0" err="1"/>
+              <a:t>where</a:t>
+            </a:r>
+            <a:r>
+              <a:rPr lang="es-BO" dirty="0"/>
+              <a:t> a </a:t>
+            </a:r>
+            <a:r>
+              <a:rPr lang="es-BO" dirty="0" err="1"/>
+              <a:t>movement</a:t>
+            </a:r>
+            <a:r>
+              <a:rPr lang="es-BO" dirty="0"/>
+              <a:t> </a:t>
+            </a:r>
+            <a:r>
+              <a:rPr lang="es-BO" dirty="0" err="1"/>
+              <a:t>interpretation</a:t>
+            </a:r>
+            <a:r>
+              <a:rPr lang="es-BO" dirty="0"/>
+              <a:t> </a:t>
+            </a:r>
+            <a:r>
+              <a:rPr lang="es-BO" dirty="0" err="1"/>
+              <a:t>must</a:t>
+            </a:r>
+            <a:r>
+              <a:rPr lang="es-BO" dirty="0"/>
+              <a:t> be </a:t>
+            </a:r>
+            <a:r>
+              <a:rPr lang="es-BO" dirty="0" err="1"/>
+              <a:t>there</a:t>
+            </a:r>
+            <a:r>
+              <a:rPr lang="es-BO" dirty="0"/>
+              <a:t>.</a:t>
+            </a:r>
           </a:p>
         </p:txBody>
       </p:sp>
     </p:spTree>
     <p:extLst>
       <p:ext uri="{BB962C8B-B14F-4D97-AF65-F5344CB8AC3E}">
-        <p14:creationId xmlns:p14="http://schemas.microsoft.com/office/powerpoint/2010/main" val="1561820550"/>
+        <p14:creationId xmlns:p14="http://schemas.microsoft.com/office/powerpoint/2010/main" val="2492229888"/>
       </p:ext>
     </p:extLst>
   </p:cSld>
@@ -8095,7 +8618,7 @@
           <p:cNvPr id="2" name="Title 1">
             <a:extLst>
               <a:ext uri="{FF2B5EF4-FFF2-40B4-BE49-F238E27FC236}">
-                <a16:creationId xmlns:a16="http://schemas.microsoft.com/office/drawing/2014/main" id="{D2D5E9AC-B6E1-CDF0-D279-1528BBADD5D1}"/>
+                <a16:creationId xmlns:a16="http://schemas.microsoft.com/office/drawing/2014/main" id="{C36EB093-B71B-D3F8-98F2-7921AC9B0BC4}"/>
               </a:ext>
             </a:extLst>
           </p:cNvPr>
@@ -8112,8 +8635,8 @@
           <a:lstStyle/>
           <a:p>
             <a:r>
-              <a:rPr lang="is-IS" dirty="0"/>
-              <a:t>Turn-taking</a:t>
+              <a:rPr lang="en-CA" dirty="0"/>
+              <a:t>Bresnan et al.</a:t>
             </a:r>
             <a:endParaRPr lang="es-BO" dirty="0"/>
           </a:p>
@@ -8124,7 +8647,7 @@
           <p:cNvPr id="3" name="Content Placeholder 2">
             <a:extLst>
               <a:ext uri="{FF2B5EF4-FFF2-40B4-BE49-F238E27FC236}">
-                <a16:creationId xmlns:a16="http://schemas.microsoft.com/office/drawing/2014/main" id="{FA50E48F-5114-FB71-BF95-41941B7FFD8C}"/>
+                <a16:creationId xmlns:a16="http://schemas.microsoft.com/office/drawing/2014/main" id="{F6726A8D-3606-A537-BBF5-60873821F094}"/>
               </a:ext>
             </a:extLst>
           </p:cNvPr>
@@ -8140,18 +8663,87 @@
           <a:bodyPr/>
           <a:lstStyle/>
           <a:p>
-            <a:r>
-              <a:rPr lang="is-IS" dirty="0"/>
-              <a:t>Turk-taking</a:t>
-            </a:r>
-            <a:endParaRPr lang="es-BO" dirty="0"/>
+            <a:pPr marL="514350" indent="-514350">
+              <a:buAutoNum type="arabicParenBoth" startAt="3"/>
+            </a:pPr>
+            <a:endParaRPr lang="en-CA" dirty="0"/>
+          </a:p>
+          <a:p>
+            <a:pPr marL="514350" indent="-514350">
+              <a:buAutoNum type="arabicParenBoth" startAt="3"/>
+            </a:pPr>
+            <a:r>
+              <a:rPr lang="en-CA" dirty="0"/>
+              <a:t>a.	</a:t>
+            </a:r>
+            <a:r>
+              <a:rPr lang="en-CA" i="1" dirty="0"/>
+              <a:t>That movie gave me the creeps</a:t>
+            </a:r>
+            <a:endParaRPr lang="en-CA" dirty="0"/>
+          </a:p>
+          <a:p>
+            <a:pPr marL="0" indent="0">
+              <a:buNone/>
+            </a:pPr>
+            <a:r>
+              <a:rPr lang="en-CA" dirty="0"/>
+              <a:t>       b.	</a:t>
+            </a:r>
+            <a:r>
+              <a:rPr lang="en-CA" i="1" dirty="0"/>
+              <a:t>*That movie gave the creeps to me.</a:t>
+            </a:r>
+          </a:p>
+          <a:p>
+            <a:pPr marL="0" indent="0">
+              <a:buNone/>
+            </a:pPr>
+            <a:endParaRPr lang="en-CA" i="1" dirty="0"/>
+          </a:p>
+          <a:p>
+            <a:pPr marL="0" indent="0">
+              <a:buNone/>
+            </a:pPr>
+            <a:endParaRPr lang="en-CA" i="1" dirty="0"/>
+          </a:p>
+          <a:p>
+            <a:pPr marL="514350" indent="-514350">
+              <a:buAutoNum type="arabicParenBoth" startAt="4"/>
+            </a:pPr>
+            <a:r>
+              <a:rPr lang="en-CA" dirty="0"/>
+              <a:t> a. </a:t>
+            </a:r>
+            <a:r>
+              <a:rPr lang="en-CA" i="1" dirty="0"/>
+              <a:t>The lighting here gives me a headache.</a:t>
+            </a:r>
+          </a:p>
+          <a:p>
+            <a:pPr marL="0" indent="0">
+              <a:buNone/>
+            </a:pPr>
+            <a:r>
+              <a:rPr lang="en-CA" i="1" dirty="0"/>
+              <a:t>       </a:t>
+            </a:r>
+            <a:r>
+              <a:rPr lang="en-CA" dirty="0"/>
+              <a:t>b. *</a:t>
+            </a:r>
+            <a:r>
+              <a:rPr lang="en-CA" i="1" dirty="0"/>
+              <a:t>The lighting here gives a headache to me</a:t>
+            </a:r>
+            <a:endParaRPr lang="es-BO" i="1" dirty="0"/>
           </a:p>
         </p:txBody>
       </p:sp>
     </p:spTree>
     <p:extLst>
       <p:ext uri="{BB962C8B-B14F-4D97-AF65-F5344CB8AC3E}">
-        <p14:creationId xmlns:p14="http://schemas.microsoft.com/office/powerpoint/2010/main" val="2305733926"/>
+        <p14:creationId xmlns:p14="http://schemas.microsoft.com/office/powerpoint/2010/main" val="3883892971"/>
       </p:ext>
     </p:extLst>
   </p:cSld>
@@ -8183,7 +8775,7 @@
           <p:cNvPr id="2" name="Title 1">
             <a:extLst>
               <a:ext uri="{FF2B5EF4-FFF2-40B4-BE49-F238E27FC236}">
-                <a16:creationId xmlns:a16="http://schemas.microsoft.com/office/drawing/2014/main" id="{EF6B0D80-AE4A-B332-907E-C32DE74E0E09}"/>
+                <a16:creationId xmlns:a16="http://schemas.microsoft.com/office/drawing/2014/main" id="{26774748-7B42-2278-1A8D-FC895B6344FE}"/>
               </a:ext>
             </a:extLst>
           </p:cNvPr>
@@ -8200,8 +8792,8 @@
           <a:lstStyle/>
           <a:p>
             <a:r>
-              <a:rPr lang="is-IS" dirty="0"/>
-              <a:t>Critical discourse analysis</a:t>
+              <a:rPr lang="en-CA" dirty="0"/>
+              <a:t>Bresnan et al.</a:t>
             </a:r>
             <a:endParaRPr lang="es-BO" dirty="0"/>
           </a:p>
@@ -8212,7 +8804,7 @@
           <p:cNvPr id="3" name="Content Placeholder 2">
             <a:extLst>
               <a:ext uri="{FF2B5EF4-FFF2-40B4-BE49-F238E27FC236}">
-                <a16:creationId xmlns:a16="http://schemas.microsoft.com/office/drawing/2014/main" id="{437B09F9-F1A5-1A69-EC83-9B7F54EB8633}"/>
+                <a16:creationId xmlns:a16="http://schemas.microsoft.com/office/drawing/2014/main" id="{FB7521A2-A93C-18B5-F6B1-57857A54C51F}"/>
               </a:ext>
             </a:extLst>
           </p:cNvPr>
@@ -8228,14 +8820,58 @@
           <a:bodyPr/>
           <a:lstStyle/>
           <a:p>
-            <a:endParaRPr lang="es-BO" dirty="0"/>
+            <a:r>
+              <a:rPr lang="en-CA" dirty="0"/>
+              <a:t>Verbs of force:</a:t>
+            </a:r>
+          </a:p>
+          <a:p>
+            <a:endParaRPr lang="en-CA" dirty="0"/>
+          </a:p>
+          <a:p>
+            <a:pPr marL="514350" indent="-514350">
+              <a:buAutoNum type="arabicParenBoth" startAt="5"/>
+            </a:pPr>
+            <a:r>
+              <a:rPr lang="en-CA" sz="2400" dirty="0"/>
+              <a:t>a.	</a:t>
+            </a:r>
+            <a:r>
+              <a:rPr lang="en-CA" sz="2400" i="1" dirty="0"/>
+              <a:t>I carried/pulled/schlepped/lifted/lowered/hauled the box to John</a:t>
+            </a:r>
+          </a:p>
+          <a:p>
+            <a:pPr marL="0" indent="0">
+              <a:buNone/>
+            </a:pPr>
+            <a:endParaRPr lang="en-CA" sz="2400" i="1" dirty="0"/>
+          </a:p>
+          <a:p>
+            <a:pPr marL="0" indent="0">
+              <a:buNone/>
+            </a:pPr>
+            <a:r>
+              <a:rPr lang="en-CA" sz="2400" dirty="0"/>
+              <a:t>      b.</a:t>
+            </a:r>
+            <a:r>
+              <a:rPr lang="en-CA" sz="2400" i="1" dirty="0"/>
+              <a:t>	*I carried/pulled/pushed/schlepped/lifted/lowered/hauled John the box</a:t>
+            </a:r>
+          </a:p>
+          <a:p>
+            <a:pPr marL="0" indent="0">
+              <a:buNone/>
+            </a:pPr>
+            <a:endParaRPr lang="es-BO" i="1" dirty="0"/>
           </a:p>
         </p:txBody>
       </p:sp>
     </p:spTree>
     <p:extLst>
       <p:ext uri="{BB962C8B-B14F-4D97-AF65-F5344CB8AC3E}">
-        <p14:creationId xmlns:p14="http://schemas.microsoft.com/office/powerpoint/2010/main" val="2849394850"/>
+        <p14:creationId xmlns:p14="http://schemas.microsoft.com/office/powerpoint/2010/main" val="727731393"/>
       </p:ext>
     </p:extLst>
   </p:cSld>
@@ -8267,11 +8903,11 @@
           <p:cNvPr id="2" name="Title 1">
             <a:extLst>
               <a:ext uri="{FF2B5EF4-FFF2-40B4-BE49-F238E27FC236}">
-                <a16:creationId xmlns:a16="http://schemas.microsoft.com/office/drawing/2014/main" id="{ACD03474-3511-20E3-BF18-80D5644E77B8}"/>
-              </a:ext>
-            </a:extLst>
-          </p:cNvPr>
-          <p:cNvSpPr txBox="1">
+                <a16:creationId xmlns:a16="http://schemas.microsoft.com/office/drawing/2014/main" id="{4728A646-4A76-D285-0FF3-7700646F4CD4}"/>
+              </a:ext>
+            </a:extLst>
+          </p:cNvPr>
+          <p:cNvSpPr>
             <a:spLocks noGrp="1"/>
           </p:cNvSpPr>
           <p:nvPr>
@@ -8283,12 +8919,11 @@
           <a:bodyPr/>
           <a:lstStyle/>
           <a:p>
-            <a:pPr lvl="0"/>
-            <a:r>
-              <a:rPr lang="en-CA"/>
-              <a:t>Register</a:t>
-            </a:r>
-            <a:endParaRPr lang="es-BO"/>
+            <a:r>
+              <a:rPr lang="en-CA" dirty="0"/>
+              <a:t>Bresnan et al.</a:t>
+            </a:r>
+            <a:endParaRPr lang="es-BO" dirty="0"/>
           </a:p>
         </p:txBody>
       </p:sp>
@@ -8297,11 +8932,11 @@
           <p:cNvPr id="3" name="Content Placeholder 2">
             <a:extLst>
               <a:ext uri="{FF2B5EF4-FFF2-40B4-BE49-F238E27FC236}">
-                <a16:creationId xmlns:a16="http://schemas.microsoft.com/office/drawing/2014/main" id="{38D51695-2CF7-8C38-2EC1-959B40409101}"/>
-              </a:ext>
-            </a:extLst>
-          </p:cNvPr>
-          <p:cNvSpPr txBox="1">
+                <a16:creationId xmlns:a16="http://schemas.microsoft.com/office/drawing/2014/main" id="{71767BE6-1FD5-9590-8DAA-7E639B8E4B7C}"/>
+              </a:ext>
+            </a:extLst>
+          </p:cNvPr>
+          <p:cNvSpPr>
             <a:spLocks noGrp="1"/>
           </p:cNvSpPr>
           <p:nvPr>
@@ -8310,97 +8945,105 @@
         </p:nvSpPr>
         <p:spPr>
           <a:xfrm>
-            <a:off x="838203" y="1825627"/>
-            <a:ext cx="5644490" cy="4351336"/>
+            <a:off x="838200" y="1825625"/>
+            <a:ext cx="10515600" cy="603539"/>
           </a:xfrm>
         </p:spPr>
         <p:txBody>
           <a:bodyPr/>
           <a:lstStyle/>
           <a:p>
-            <a:pPr lvl="0"/>
-            <a:r>
-              <a:rPr lang="en-CA" b="1"/>
-              <a:t>mode: </a:t>
-            </a:r>
-            <a:r>
-              <a:rPr lang="en-CA"/>
-              <a:t>spoken versus signed</a:t>
-            </a:r>
-          </a:p>
-          <a:p>
-            <a:pPr lvl="0"/>
-            <a:endParaRPr lang="en-CA" b="1"/>
-          </a:p>
-          <a:p>
-            <a:pPr lvl="0"/>
-            <a:r>
-              <a:rPr lang="en-CA" b="1"/>
-              <a:t>participants: </a:t>
-            </a:r>
-            <a:r>
-              <a:rPr lang="en-CA"/>
-              <a:t>who are the people involved and what relationships do they have to one another</a:t>
-            </a:r>
-          </a:p>
-          <a:p>
-            <a:pPr lvl="0"/>
-            <a:endParaRPr lang="en-CA" b="1"/>
-          </a:p>
-          <a:p>
-            <a:pPr lvl="0"/>
-            <a:r>
-              <a:rPr lang="en-CA" b="1"/>
-              <a:t>communicative purpose: </a:t>
-            </a:r>
-            <a:r>
-              <a:rPr lang="en-CA"/>
-              <a:t>why are you talking to one another</a:t>
-            </a:r>
-            <a:endParaRPr lang="es-BO" b="1"/>
-          </a:p>
-        </p:txBody>
-      </p:sp>
-      <p:pic>
-        <p:nvPicPr>
-          <p:cNvPr id="4" name="Picture 4">
-            <a:extLst>
-              <a:ext uri="{FF2B5EF4-FFF2-40B4-BE49-F238E27FC236}">
-                <a16:creationId xmlns:a16="http://schemas.microsoft.com/office/drawing/2014/main" id="{90E9FE68-9A4B-60AC-0712-D85D293D3330}"/>
-              </a:ext>
-            </a:extLst>
-          </p:cNvPr>
-          <p:cNvPicPr>
-            <a:picLocks noChangeAspect="1"/>
-          </p:cNvPicPr>
+            <a:r>
+              <a:rPr lang="en-CA" dirty="0"/>
+              <a:t>But if we search corpora we find counterexamples</a:t>
+            </a:r>
+            <a:endParaRPr lang="es-BO" dirty="0"/>
+          </a:p>
+          <a:p>
+            <a:pPr marL="0" indent="0">
+              <a:buNone/>
+            </a:pPr>
+            <a:endParaRPr lang="es-BO" dirty="0"/>
+          </a:p>
+          <a:p>
+            <a:pPr marL="0" indent="0">
+              <a:buNone/>
+            </a:pPr>
+            <a:endParaRPr lang="es-BO" dirty="0"/>
+          </a:p>
+          <a:p>
+            <a:pPr marL="0" indent="0">
+              <a:buNone/>
+            </a:pPr>
+            <a:endParaRPr lang="es-BO" dirty="0"/>
+          </a:p>
+        </p:txBody>
+      </p:sp>
+      <p:sp>
+        <p:nvSpPr>
+          <p:cNvPr id="7" name="TextBox 6">
+            <a:extLst>
+              <a:ext uri="{FF2B5EF4-FFF2-40B4-BE49-F238E27FC236}">
+                <a16:creationId xmlns:a16="http://schemas.microsoft.com/office/drawing/2014/main" id="{A067BCD2-C0EF-15BD-84B3-AA359C93A847}"/>
+              </a:ext>
+            </a:extLst>
+          </p:cNvPr>
+          <p:cNvSpPr txBox="1"/>
           <p:nvPr/>
-        </p:nvPicPr>
-        <p:blipFill>
-          <a:blip r:embed="rId2"/>
-          <a:stretch>
-            <a:fillRect/>
-          </a:stretch>
-        </p:blipFill>
+        </p:nvSpPr>
         <p:spPr>
           <a:xfrm>
-            <a:off x="6832021" y="871633"/>
-            <a:ext cx="4813483" cy="3245105"/>
+            <a:off x="559230" y="2539985"/>
+            <a:ext cx="4981414" cy="2585323"/>
           </a:xfrm>
           <a:prstGeom prst="rect">
             <a:avLst/>
           </a:prstGeom>
           <a:noFill/>
-          <a:ln cap="flat">
-            <a:noFill/>
-          </a:ln>
         </p:spPr>
-      </p:pic>
-      <p:sp>
-        <p:nvSpPr>
-          <p:cNvPr id="5" name="TextBox 6">
-            <a:extLst>
-              <a:ext uri="{FF2B5EF4-FFF2-40B4-BE49-F238E27FC236}">
-                <a16:creationId xmlns:a16="http://schemas.microsoft.com/office/drawing/2014/main" id="{CAD1ABC2-8217-7088-A494-C50AF8CC9E97}"/>
+        <p:txBody>
+          <a:bodyPr wrap="square">
+            <a:spAutoFit/>
+          </a:bodyPr>
+          <a:lstStyle/>
+          <a:p>
+            <a:r>
+              <a:rPr lang="en-US" dirty="0"/>
+              <a:t>The broadcast, which disrupted households, interrupted religious services, created traffic jams and clogged communications systems, was made by Orson Welles, who as the radio character, "The Shadow," used </a:t>
+            </a:r>
+            <a:r>
+              <a:rPr lang="en-US" b="1" dirty="0"/>
+              <a:t>to give "the creeps" to countless child listeners</a:t>
+            </a:r>
+            <a:r>
+              <a:rPr lang="en-US" dirty="0"/>
+              <a:t>. This time at least a score of adults required medical treatment for shock and hysteria. </a:t>
+            </a:r>
+          </a:p>
+          <a:p>
+            <a:r>
+              <a:rPr lang="es-BO" dirty="0">
+                <a:hlinkClick r:id="rId2"/>
+              </a:rPr>
+              <a:t>https://sunshine10700.livejournal.com/2917.html</a:t>
+            </a:r>
+            <a:r>
+              <a:rPr lang="es-BO" dirty="0"/>
+              <a:t>?</a:t>
+            </a:r>
+            <a:endParaRPr lang="en-US" dirty="0"/>
+          </a:p>
+          <a:p>
+            <a:endParaRPr lang="es-BO" dirty="0"/>
+          </a:p>
+        </p:txBody>
+      </p:sp>
+      <p:sp>
+        <p:nvSpPr>
+          <p:cNvPr id="9" name="TextBox 8">
+            <a:extLst>
+              <a:ext uri="{FF2B5EF4-FFF2-40B4-BE49-F238E27FC236}">
+                <a16:creationId xmlns:a16="http://schemas.microsoft.com/office/drawing/2014/main" id="{CA92AF1A-D264-F5CC-0BE6-A1B212922D53}"/>
               </a:ext>
             </a:extLst>
           </p:cNvPr>
@@ -8409,56 +9052,116 @@
         </p:nvSpPr>
         <p:spPr>
           <a:xfrm>
-            <a:off x="6482684" y="4251676"/>
-            <a:ext cx="6093726" cy="369335"/>
+            <a:off x="5968784" y="3136175"/>
+            <a:ext cx="6094708" cy="2585323"/>
           </a:xfrm>
           <a:prstGeom prst="rect">
             <a:avLst/>
           </a:prstGeom>
           <a:noFill/>
-          <a:ln cap="flat">
-            <a:noFill/>
-          </a:ln>
         </p:spPr>
         <p:txBody>
-          <a:bodyPr vert="horz" wrap="square" lIns="91440" tIns="45720" rIns="91440" bIns="45720" anchor="t" anchorCtr="0" compatLnSpc="1">
+          <a:bodyPr wrap="square">
             <a:spAutoFit/>
           </a:bodyPr>
           <a:lstStyle/>
           <a:p>
-            <a:pPr marL="0" marR="0" lvl="0" indent="0" algn="l" defTabSz="914400" rtl="0" fontAlgn="auto" hangingPunct="1">
-              <a:lnSpc>
-                <a:spcPct val="100000"/>
-              </a:lnSpc>
-              <a:spcBef>
-                <a:spcPts val="0"/>
-              </a:spcBef>
-              <a:spcAft>
-                <a:spcPts val="0"/>
-              </a:spcAft>
-              <a:buNone/>
-              <a:tabLst/>
-              <a:defRPr sz="1800" b="0" i="0" u="none" strike="noStrike" kern="0" cap="none" spc="0" baseline="0">
-                <a:solidFill>
-                  <a:srgbClr val="000000"/>
-                </a:solidFill>
-                <a:uFillTx/>
-              </a:defRPr>
-            </a:pPr>
-            <a:r>
-              <a:rPr lang="es-BO" sz="1800" b="0" i="0" u="none" strike="noStrike" kern="1200" cap="none" spc="0" baseline="0">
-                <a:solidFill>
-                  <a:srgbClr val="000000"/>
-                </a:solidFill>
-                <a:uFillTx/>
-                <a:latin typeface="Calibri"/>
+            <a:r>
+              <a:rPr lang="en-US" dirty="0"/>
+              <a:t>This story is designed to </a:t>
+            </a:r>
+            <a:r>
+              <a:rPr lang="en-US" b="1" dirty="0"/>
+              <a:t>give the creeps to people who hate spiders</a:t>
+            </a:r>
+            <a:r>
+              <a:rPr lang="en-US" dirty="0"/>
+              <a:t>, but is not true.  It is a long-standing urban legend.  There is no documented case of this having happened and according to insect and cactus experts, including David </a:t>
+            </a:r>
+            <a:r>
+              <a:rPr lang="en-US" dirty="0" err="1"/>
+              <a:t>Eppele</a:t>
+            </a:r>
+            <a:r>
+              <a:rPr lang="en-US" dirty="0"/>
+              <a:t> of Arizona Cactus &amp; Succulent Research, tarantulas breed in the ground, not in plants or trees.</a:t>
+            </a:r>
+          </a:p>
+          <a:p>
+            <a:r>
+              <a:rPr lang="es-BO" dirty="0">
+                <a:hlinkClick r:id="rId3"/>
               </a:rPr>
-              <a:t>https://en.wikipedia.org/wiki/American_Sign_Language</a:t>
-            </a:r>
+              <a:t>https://www.truthorfiction.com/cactus/?utm_content=cmp-true</a:t>
+            </a:r>
+            <a:endParaRPr lang="en-US" dirty="0"/>
+          </a:p>
+          <a:p>
+            <a:endParaRPr lang="es-BO" dirty="0"/>
+          </a:p>
+        </p:txBody>
+      </p:sp>
+      <p:sp>
+        <p:nvSpPr>
+          <p:cNvPr id="10" name="TextBox 9">
+            <a:extLst>
+              <a:ext uri="{FF2B5EF4-FFF2-40B4-BE49-F238E27FC236}">
+                <a16:creationId xmlns:a16="http://schemas.microsoft.com/office/drawing/2014/main" id="{F58C84E7-0087-E075-181C-2E390F088393}"/>
+              </a:ext>
+            </a:extLst>
+          </p:cNvPr>
+          <p:cNvSpPr txBox="1"/>
+          <p:nvPr/>
+        </p:nvSpPr>
+        <p:spPr>
+          <a:xfrm>
+            <a:off x="360982" y="4982834"/>
+            <a:ext cx="5272652" cy="1477328"/>
+          </a:xfrm>
+          <a:prstGeom prst="rect">
+            <a:avLst/>
+          </a:prstGeom>
+          <a:noFill/>
+        </p:spPr>
+        <p:txBody>
+          <a:bodyPr wrap="square">
+            <a:spAutoFit/>
+          </a:bodyPr>
+          <a:lstStyle/>
+          <a:p>
+            <a:r>
+              <a:rPr lang="en-US" dirty="0"/>
+              <a:t>The out-of-towner had been giving Malka a hard time. He won a big pot and when Malka </a:t>
+            </a:r>
+            <a:r>
+              <a:rPr lang="en-US" b="1" dirty="0"/>
+              <a:t>pushed him the chips</a:t>
+            </a:r>
+            <a:r>
+              <a:rPr lang="en-US" dirty="0"/>
+              <a:t>, he didn't tip the dealer. Moss didn't like that.</a:t>
+            </a:r>
+          </a:p>
+          <a:p>
+            <a:r>
+              <a:rPr lang="es-BO" dirty="0">
+                <a:hlinkClick r:id="rId4"/>
+              </a:rPr>
+              <a:t>https://lcb.org/news/editorials/the-last-interview</a:t>
+            </a:r>
+            <a:endParaRPr lang="en-US" dirty="0"/>
+          </a:p>
+          <a:p>
+            <a:endParaRPr lang="es-BO" dirty="0"/>
           </a:p>
         </p:txBody>
       </p:sp>
     </p:spTree>
+    <p:extLst>
+      <p:ext uri="{BB962C8B-B14F-4D97-AF65-F5344CB8AC3E}">
+        <p14:creationId xmlns:p14="http://schemas.microsoft.com/office/powerpoint/2010/main" val="1363520712"/>
+      </p:ext>
+    </p:extLst>
   </p:cSld>
   <p:clrMapOvr>
     <a:masterClrMapping/>
@@ -8595,11 +9298,11 @@
           <p:cNvPr id="2" name="Title 1">
             <a:extLst>
               <a:ext uri="{FF2B5EF4-FFF2-40B4-BE49-F238E27FC236}">
-                <a16:creationId xmlns:a16="http://schemas.microsoft.com/office/drawing/2014/main" id="{0B78CBEC-9911-582E-374A-29F2E5BF719C}"/>
-              </a:ext>
-            </a:extLst>
-          </p:cNvPr>
-          <p:cNvSpPr txBox="1">
+                <a16:creationId xmlns:a16="http://schemas.microsoft.com/office/drawing/2014/main" id="{F02E4950-07E6-57F2-9235-7A72445B88B7}"/>
+              </a:ext>
+            </a:extLst>
+          </p:cNvPr>
+          <p:cNvSpPr>
             <a:spLocks noGrp="1"/>
           </p:cNvSpPr>
           <p:nvPr>
@@ -8611,12 +9314,11 @@
           <a:bodyPr/>
           <a:lstStyle/>
           <a:p>
-            <a:pPr lvl="0"/>
-            <a:r>
-              <a:rPr lang="en-CA"/>
-              <a:t>Genre</a:t>
-            </a:r>
-            <a:endParaRPr lang="es-BO"/>
+            <a:r>
+              <a:rPr lang="en-CA" dirty="0"/>
+              <a:t>Bresnan et al. </a:t>
+            </a:r>
+            <a:endParaRPr lang="es-BO" dirty="0"/>
           </a:p>
         </p:txBody>
       </p:sp>
@@ -8625,11 +9327,11 @@
           <p:cNvPr id="3" name="Content Placeholder 2">
             <a:extLst>
               <a:ext uri="{FF2B5EF4-FFF2-40B4-BE49-F238E27FC236}">
-                <a16:creationId xmlns:a16="http://schemas.microsoft.com/office/drawing/2014/main" id="{3311B832-5BF0-DB49-4EB2-C1C10C5F7C61}"/>
-              </a:ext>
-            </a:extLst>
-          </p:cNvPr>
-          <p:cNvSpPr txBox="1">
+                <a16:creationId xmlns:a16="http://schemas.microsoft.com/office/drawing/2014/main" id="{9E380DE2-C162-642A-7FE1-685EB3B0EC63}"/>
+              </a:ext>
+            </a:extLst>
+          </p:cNvPr>
+          <p:cNvSpPr>
             <a:spLocks noGrp="1"/>
           </p:cNvSpPr>
           <p:nvPr>
@@ -8641,53 +9343,62 @@
           <a:bodyPr/>
           <a:lstStyle/>
           <a:p>
-            <a:pPr lvl="0"/>
-            <a:r>
-              <a:rPr lang="en-CA"/>
-              <a:t>A genre is defined by linguistic features that are conventionally used with it.</a:t>
-            </a:r>
-          </a:p>
-          <a:p>
-            <a:pPr lvl="0"/>
-            <a:endParaRPr lang="en-CA"/>
-          </a:p>
-          <a:p>
-            <a:pPr lvl="0"/>
-            <a:r>
-              <a:rPr lang="en-CA"/>
-              <a:t>Prose writing, poetry, fairy tales</a:t>
-            </a:r>
-          </a:p>
-          <a:p>
-            <a:pPr lvl="0"/>
-            <a:endParaRPr lang="en-CA"/>
-          </a:p>
-          <a:p>
-            <a:pPr lvl="0"/>
-            <a:r>
-              <a:rPr lang="en-CA"/>
-              <a:t>Note that genres are culturally specific (they usually have names)</a:t>
-            </a:r>
-          </a:p>
-          <a:p>
-            <a:pPr lvl="0"/>
-            <a:endParaRPr lang="en-CA"/>
-          </a:p>
-          <a:p>
-            <a:pPr lvl="0"/>
-            <a:r>
-              <a:rPr lang="en-CA" b="1"/>
-              <a:t>Genre marker: </a:t>
-            </a:r>
-            <a:r>
-              <a:rPr lang="en-CA"/>
-              <a:t> A specific property that marks off a genre </a:t>
-            </a:r>
-            <a:endParaRPr lang="es-BO"/>
+            <a:r>
+              <a:rPr lang="en-CA" dirty="0"/>
+              <a:t>Are these sporadic errors?</a:t>
+            </a:r>
+          </a:p>
+          <a:p>
+            <a:endParaRPr lang="en-CA" dirty="0"/>
+          </a:p>
+          <a:p>
+            <a:r>
+              <a:rPr lang="en-CA" dirty="0"/>
+              <a:t>It turns out grammaticality judgements are more complex and can be overridden by various factors.</a:t>
+            </a:r>
+          </a:p>
+          <a:p>
+            <a:endParaRPr lang="en-CA" dirty="0"/>
+          </a:p>
+          <a:p>
+            <a:r>
+              <a:rPr lang="en-CA" dirty="0"/>
+              <a:t>e.g. </a:t>
+            </a:r>
+            <a:r>
+              <a:rPr lang="en-CA" i="1" dirty="0"/>
+              <a:t>the principle of end weight</a:t>
+            </a:r>
+            <a:r>
+              <a:rPr lang="en-CA" dirty="0"/>
+              <a:t> (</a:t>
+            </a:r>
+            <a:r>
+              <a:rPr lang="en-CA" dirty="0" err="1"/>
+              <a:t>Behaghel</a:t>
+            </a:r>
+            <a:r>
+              <a:rPr lang="en-CA" dirty="0"/>
+              <a:t> 1909; </a:t>
+            </a:r>
+            <a:r>
+              <a:rPr lang="en-CA" dirty="0" err="1"/>
+              <a:t>Wasow</a:t>
+            </a:r>
+            <a:r>
+              <a:rPr lang="en-CA" dirty="0"/>
+              <a:t> 2002) can override semantic considerations (heavier NPs occur at the end)</a:t>
+            </a:r>
+            <a:endParaRPr lang="es-BO" dirty="0"/>
           </a:p>
         </p:txBody>
       </p:sp>
     </p:spTree>
+    <p:extLst>
+      <p:ext uri="{BB962C8B-B14F-4D97-AF65-F5344CB8AC3E}">
+        <p14:creationId xmlns:p14="http://schemas.microsoft.com/office/powerpoint/2010/main" val="1296208120"/>
+      </p:ext>
+    </p:extLst>
   </p:cSld>
   <p:clrMapOvr>
     <a:masterClrMapping/>
@@ -8717,11 +9428,11 @@
           <p:cNvPr id="2" name="Title 1">
             <a:extLst>
               <a:ext uri="{FF2B5EF4-FFF2-40B4-BE49-F238E27FC236}">
-                <a16:creationId xmlns:a16="http://schemas.microsoft.com/office/drawing/2014/main" id="{6C157C15-5FD5-9113-1D8E-13CC27494702}"/>
-              </a:ext>
-            </a:extLst>
-          </p:cNvPr>
-          <p:cNvSpPr txBox="1">
+                <a16:creationId xmlns:a16="http://schemas.microsoft.com/office/drawing/2014/main" id="{735FE697-771C-64A6-E7F9-7739392CF556}"/>
+              </a:ext>
+            </a:extLst>
+          </p:cNvPr>
+          <p:cNvSpPr>
             <a:spLocks noGrp="1"/>
           </p:cNvSpPr>
           <p:nvPr>
@@ -8733,12 +9444,11 @@
           <a:bodyPr/>
           <a:lstStyle/>
           <a:p>
-            <a:pPr lvl="0"/>
-            <a:r>
-              <a:rPr lang="en-CA"/>
-              <a:t>Genre</a:t>
-            </a:r>
-            <a:endParaRPr lang="es-BO"/>
+            <a:r>
+              <a:rPr lang="en-CA" dirty="0"/>
+              <a:t>Bresnan et al. </a:t>
+            </a:r>
+            <a:endParaRPr lang="es-BO" dirty="0"/>
           </a:p>
         </p:txBody>
       </p:sp>
@@ -8747,210 +9457,47 @@
           <p:cNvPr id="3" name="Content Placeholder 2">
             <a:extLst>
               <a:ext uri="{FF2B5EF4-FFF2-40B4-BE49-F238E27FC236}">
-                <a16:creationId xmlns:a16="http://schemas.microsoft.com/office/drawing/2014/main" id="{3193E58E-459F-A89D-3053-9C3984E91CD3}"/>
-              </a:ext>
-            </a:extLst>
-          </p:cNvPr>
-          <p:cNvSpPr txBox="1">
+                <a16:creationId xmlns:a16="http://schemas.microsoft.com/office/drawing/2014/main" id="{39F82665-5781-93DA-67FB-2FCD468B10C5}"/>
+              </a:ext>
+            </a:extLst>
+          </p:cNvPr>
+          <p:cNvSpPr>
             <a:spLocks noGrp="1"/>
           </p:cNvSpPr>
           <p:nvPr>
             <p:ph idx="1"/>
           </p:nvPr>
         </p:nvSpPr>
-        <p:spPr>
-          <a:xfrm>
-            <a:off x="838203" y="1825627"/>
-            <a:ext cx="10515600" cy="2500719"/>
-          </a:xfrm>
-        </p:spPr>
-        <p:txBody>
-          <a:bodyPr/>
-          <a:lstStyle/>
-          <a:p>
-            <a:pPr lvl="0"/>
-            <a:r>
-              <a:rPr lang="en-CA"/>
-              <a:t>In Ch</a:t>
-            </a:r>
-            <a:r>
-              <a:rPr lang="es-ES"/>
-              <a:t>ácobo there is a specific </a:t>
-            </a:r>
-            <a:r>
-              <a:rPr lang="en-CA"/>
-              <a:t>‘male joking genre’ of speech, which is characterized heavily by the liberal use of adjectivalizers.</a:t>
-            </a:r>
-          </a:p>
-          <a:p>
-            <a:pPr lvl="0"/>
-            <a:r>
-              <a:rPr lang="en-CA"/>
-              <a:t>Typically between men drinking chicha</a:t>
-            </a:r>
-          </a:p>
-          <a:p>
-            <a:pPr lvl="0"/>
-            <a:r>
-              <a:rPr lang="es-BO"/>
-              <a:t>Some sentences which appear in this context are judged unacceptable or ungrammatical outside of it.</a:t>
-            </a:r>
-          </a:p>
-        </p:txBody>
-      </p:sp>
-      <p:sp>
-        <p:nvSpPr>
-          <p:cNvPr id="4" name="TextBox 3">
-            <a:extLst>
-              <a:ext uri="{FF2B5EF4-FFF2-40B4-BE49-F238E27FC236}">
-                <a16:creationId xmlns:a16="http://schemas.microsoft.com/office/drawing/2014/main" id="{56128097-62F4-ED86-23DD-8B48452E8AA5}"/>
-              </a:ext>
-            </a:extLst>
-          </p:cNvPr>
-          <p:cNvSpPr txBox="1"/>
-          <p:nvPr/>
-        </p:nvSpPr>
-        <p:spPr>
-          <a:xfrm>
-            <a:off x="1078169" y="5063316"/>
-            <a:ext cx="7287905" cy="1200332"/>
-          </a:xfrm>
-          <a:prstGeom prst="rect">
-            <a:avLst/>
-          </a:prstGeom>
-          <a:noFill/>
-          <a:ln cap="flat">
-            <a:noFill/>
-          </a:ln>
-        </p:spPr>
-        <p:txBody>
-          <a:bodyPr vert="horz" wrap="square" lIns="91440" tIns="45720" rIns="91440" bIns="45720" anchor="t" anchorCtr="0" compatLnSpc="1">
-            <a:spAutoFit/>
-          </a:bodyPr>
-          <a:lstStyle/>
-          <a:p>
-            <a:pPr marL="0" marR="0" lvl="0" indent="0" algn="l" defTabSz="914400" rtl="0" fontAlgn="auto" hangingPunct="1">
-              <a:lnSpc>
-                <a:spcPct val="100000"/>
-              </a:lnSpc>
-              <a:spcBef>
-                <a:spcPts val="0"/>
-              </a:spcBef>
-              <a:spcAft>
-                <a:spcPts val="0"/>
-              </a:spcAft>
+        <p:spPr/>
+        <p:txBody>
+          <a:bodyPr/>
+          <a:lstStyle/>
+          <a:p>
+            <a:r>
+              <a:rPr lang="en-CA" dirty="0"/>
+              <a:t>Important point:</a:t>
+            </a:r>
+          </a:p>
+          <a:p>
+            <a:endParaRPr lang="en-CA" dirty="0"/>
+          </a:p>
+          <a:p>
+            <a:pPr marL="0" indent="0">
               <a:buNone/>
-              <a:tabLst/>
-              <a:defRPr sz="1800" b="0" i="0" u="none" strike="noStrike" kern="0" cap="none" spc="0" baseline="0">
-                <a:solidFill>
-                  <a:srgbClr val="000000"/>
-                </a:solidFill>
-                <a:uFillTx/>
-              </a:defRPr>
             </a:pPr>
             <a:r>
-              <a:rPr lang="en-CA" sz="2400" b="0" i="0" u="none" strike="noStrike" kern="1200" cap="none" spc="0" baseline="0">
-                <a:solidFill>
-                  <a:srgbClr val="000000"/>
-                </a:solidFill>
-                <a:uFillTx/>
-                <a:latin typeface="Calibri"/>
-              </a:rPr>
-              <a:t>j</a:t>
-            </a:r>
-            <a:r>
-              <a:rPr lang="smn-FI" sz="2400" b="0" i="0" u="none" strike="noStrike" kern="1200" cap="none" spc="0" baseline="0">
-                <a:solidFill>
-                  <a:srgbClr val="000000"/>
-                </a:solidFill>
-                <a:uFillTx/>
-                <a:latin typeface="Calibri"/>
-              </a:rPr>
-              <a:t>ënë </a:t>
-            </a:r>
-            <a:r>
-              <a:rPr lang="en-CA" sz="2400" b="0" i="0" u="none" strike="noStrike" kern="1200" cap="none" spc="0" baseline="0">
-                <a:solidFill>
-                  <a:srgbClr val="000000"/>
-                </a:solidFill>
-                <a:uFillTx/>
-                <a:latin typeface="Calibri"/>
-              </a:rPr>
-              <a:t>pohi=xëni mia</a:t>
-            </a:r>
-          </a:p>
-          <a:p>
-            <a:pPr marL="0" marR="0" lvl="0" indent="0" algn="l" defTabSz="914400" rtl="0" fontAlgn="auto" hangingPunct="1">
-              <a:lnSpc>
-                <a:spcPct val="100000"/>
-              </a:lnSpc>
-              <a:spcBef>
-                <a:spcPts val="0"/>
-              </a:spcBef>
-              <a:spcAft>
-                <a:spcPts val="0"/>
-              </a:spcAft>
-              <a:buNone/>
-              <a:tabLst/>
-              <a:defRPr sz="1800" b="0" i="0" u="none" strike="noStrike" kern="0" cap="none" spc="0" baseline="0">
-                <a:solidFill>
-                  <a:srgbClr val="000000"/>
-                </a:solidFill>
-                <a:uFillTx/>
-              </a:defRPr>
-            </a:pPr>
-            <a:r>
-              <a:rPr lang="en-CA" sz="2400" b="0" i="0" u="none" strike="noStrike" kern="1200" cap="none" spc="0" baseline="0">
-                <a:solidFill>
-                  <a:srgbClr val="000000"/>
-                </a:solidFill>
-                <a:uFillTx/>
-                <a:latin typeface="Calibri"/>
-              </a:rPr>
-              <a:t>chicha shit-ter you</a:t>
-            </a:r>
-          </a:p>
-          <a:p>
-            <a:pPr marL="0" marR="0" lvl="0" indent="0" algn="l" defTabSz="914400" rtl="0" fontAlgn="auto" hangingPunct="1">
-              <a:lnSpc>
-                <a:spcPct val="100000"/>
-              </a:lnSpc>
-              <a:spcBef>
-                <a:spcPts val="0"/>
-              </a:spcBef>
-              <a:spcAft>
-                <a:spcPts val="0"/>
-              </a:spcAft>
-              <a:buNone/>
-              <a:tabLst/>
-              <a:defRPr sz="1800" b="0" i="0" u="none" strike="noStrike" kern="0" cap="none" spc="0" baseline="0">
-                <a:solidFill>
-                  <a:srgbClr val="000000"/>
-                </a:solidFill>
-                <a:uFillTx/>
-              </a:defRPr>
-            </a:pPr>
-            <a:r>
-              <a:rPr lang="en-CA" sz="2400" b="0" i="0" u="none" strike="noStrike" kern="1200" cap="none" spc="0" baseline="0">
-                <a:solidFill>
-                  <a:srgbClr val="000000"/>
-                </a:solidFill>
-                <a:uFillTx/>
-                <a:latin typeface="Calibri"/>
-              </a:rPr>
-              <a:t>“You are a habitual chicha shitter.”</a:t>
-            </a:r>
-            <a:endParaRPr lang="es-BO" sz="2400" b="0" i="0" u="none" strike="noStrike" kern="1200" cap="none" spc="0" baseline="0">
-              <a:solidFill>
-                <a:srgbClr val="000000"/>
-              </a:solidFill>
-              <a:uFillTx/>
-              <a:latin typeface="Calibri"/>
-            </a:endParaRPr>
+              <a:rPr lang="en-CA" dirty="0"/>
+              <a:t>“Linguistic intuitions of ungrammaticality are a poor guide to the space of grammatical possibility” (p. 8)</a:t>
+            </a:r>
           </a:p>
         </p:txBody>
       </p:sp>
     </p:spTree>
+    <p:extLst>
+      <p:ext uri="{BB962C8B-B14F-4D97-AF65-F5344CB8AC3E}">
+        <p14:creationId xmlns:p14="http://schemas.microsoft.com/office/powerpoint/2010/main" val="263285610"/>
+      </p:ext>
+    </p:extLst>
   </p:cSld>
   <p:clrMapOvr>
     <a:masterClrMapping/>
@@ -8980,11 +9527,11 @@
           <p:cNvPr id="2" name="Title 1">
             <a:extLst>
               <a:ext uri="{FF2B5EF4-FFF2-40B4-BE49-F238E27FC236}">
-                <a16:creationId xmlns:a16="http://schemas.microsoft.com/office/drawing/2014/main" id="{63F778CC-0AEF-A21B-FD1A-70529ECFC84D}"/>
-              </a:ext>
-            </a:extLst>
-          </p:cNvPr>
-          <p:cNvSpPr txBox="1">
+                <a16:creationId xmlns:a16="http://schemas.microsoft.com/office/drawing/2014/main" id="{6D4323AC-36EC-4403-8C29-75B6E1B119BE}"/>
+              </a:ext>
+            </a:extLst>
+          </p:cNvPr>
+          <p:cNvSpPr>
             <a:spLocks noGrp="1"/>
           </p:cNvSpPr>
           <p:nvPr>
@@ -8996,12 +9543,11 @@
           <a:bodyPr/>
           <a:lstStyle/>
           <a:p>
-            <a:pPr lvl="0"/>
-            <a:r>
-              <a:rPr lang="en-CA"/>
-              <a:t>Style</a:t>
-            </a:r>
-            <a:endParaRPr lang="es-BO"/>
+            <a:r>
+              <a:rPr lang="en-CA" dirty="0"/>
+              <a:t>Bresnan et al. </a:t>
+            </a:r>
+            <a:endParaRPr lang="es-BO" dirty="0"/>
           </a:p>
         </p:txBody>
       </p:sp>
@@ -9010,11 +9556,11 @@
           <p:cNvPr id="3" name="Content Placeholder 2">
             <a:extLst>
               <a:ext uri="{FF2B5EF4-FFF2-40B4-BE49-F238E27FC236}">
-                <a16:creationId xmlns:a16="http://schemas.microsoft.com/office/drawing/2014/main" id="{65A3D6BE-F9C5-9E09-FB4F-BE2729A5BE02}"/>
-              </a:ext>
-            </a:extLst>
-          </p:cNvPr>
-          <p:cNvSpPr txBox="1">
+                <a16:creationId xmlns:a16="http://schemas.microsoft.com/office/drawing/2014/main" id="{0871B916-E2C2-2423-1E75-F5543125FD55}"/>
+              </a:ext>
+            </a:extLst>
+          </p:cNvPr>
+          <p:cNvSpPr>
             <a:spLocks noGrp="1"/>
           </p:cNvSpPr>
           <p:nvPr>
@@ -9023,41 +9569,61 @@
         </p:nvSpPr>
         <p:spPr/>
         <p:txBody>
-          <a:bodyPr/>
-          <a:lstStyle/>
-          <a:p>
-            <a:pPr lvl="0"/>
-            <a:r>
-              <a:rPr lang="en-CA"/>
-              <a:t>Like genre but about individuals:</a:t>
-            </a:r>
-          </a:p>
-          <a:p>
-            <a:pPr lvl="0"/>
-            <a:endParaRPr lang="en-CA"/>
-          </a:p>
-          <a:p>
-            <a:pPr lvl="0"/>
-            <a:r>
-              <a:rPr lang="en-CA"/>
-              <a:t>Some people just use certain constructions more than others</a:t>
-            </a:r>
-          </a:p>
-          <a:p>
-            <a:pPr lvl="0"/>
-            <a:endParaRPr lang="en-CA"/>
-          </a:p>
-          <a:p>
-            <a:pPr lvl="0"/>
-            <a:r>
-              <a:rPr lang="en-CA"/>
-              <a:t>These can be markers of social identity, but they can also be very specific.</a:t>
-            </a:r>
-            <a:endParaRPr lang="es-BO"/>
+          <a:bodyPr>
+            <a:normAutofit/>
+          </a:bodyPr>
+          <a:lstStyle/>
+          <a:p>
+            <a:r>
+              <a:rPr lang="en-CA" dirty="0"/>
+              <a:t>But using corpus data are complicated:</a:t>
+            </a:r>
+          </a:p>
+          <a:p>
+            <a:endParaRPr lang="en-CA" dirty="0"/>
+          </a:p>
+          <a:p>
+            <a:pPr marL="0" indent="0">
+              <a:buNone/>
+            </a:pPr>
+            <a:r>
+              <a:rPr lang="en-CA" sz="2400" dirty="0"/>
+              <a:t>“Yet what really dries the English dative alternation remains unclear because of four problems inherent to the use of corpus data. First, pervasive correlations in the data seem to support reductive theories which </a:t>
+            </a:r>
+            <a:r>
+              <a:rPr lang="en-CA" sz="2400" dirty="0" err="1"/>
+              <a:t>explan</a:t>
+            </a:r>
+            <a:r>
+              <a:rPr lang="en-CA" sz="2400" dirty="0"/>
+              <a:t> the phenomena in terms of a single variable. Second, pooled data from multiple speakers may </a:t>
+            </a:r>
+            <a:r>
+              <a:rPr lang="en-CA" sz="2400" dirty="0" err="1"/>
+              <a:t>invalidategrammatical</a:t>
+            </a:r>
+            <a:r>
+              <a:rPr lang="en-CA" sz="2400" dirty="0"/>
+              <a:t> inference if our subject matter is the internalized grammar of the individual. Third, properties such as animacy and discourse accessibility, which characterize the referents of noun phrases might derive from verb </a:t>
+            </a:r>
+            <a:r>
+              <a:rPr lang="en-CA" sz="2400" dirty="0" err="1"/>
+              <a:t>sen</a:t>
+            </a:r>
+            <a:r>
+              <a:rPr lang="en-CA" sz="2400" dirty="0"/>
+              <a:t> semantics. And fourth, cross-corpus differences appear to undermine the relevant of corpus studies to grammatical theory...” (Bresnan et al. 11)</a:t>
+            </a:r>
+            <a:endParaRPr lang="es-BO" sz="2400" dirty="0"/>
           </a:p>
         </p:txBody>
       </p:sp>
     </p:spTree>
+    <p:extLst>
+      <p:ext uri="{BB962C8B-B14F-4D97-AF65-F5344CB8AC3E}">
+        <p14:creationId xmlns:p14="http://schemas.microsoft.com/office/powerpoint/2010/main" val="2481815566"/>
+      </p:ext>
+    </p:extLst>
   </p:cSld>
   <p:clrMapOvr>
     <a:masterClrMapping/>
@@ -9087,11 +9653,11 @@
           <p:cNvPr id="2" name="Title 1">
             <a:extLst>
               <a:ext uri="{FF2B5EF4-FFF2-40B4-BE49-F238E27FC236}">
-                <a16:creationId xmlns:a16="http://schemas.microsoft.com/office/drawing/2014/main" id="{A9A34687-DA29-E9A9-DC80-E1B4316A05B0}"/>
-              </a:ext>
-            </a:extLst>
-          </p:cNvPr>
-          <p:cNvSpPr txBox="1">
+                <a16:creationId xmlns:a16="http://schemas.microsoft.com/office/drawing/2014/main" id="{E47916A3-3AD2-5975-ED39-A9ACF3E5332B}"/>
+              </a:ext>
+            </a:extLst>
+          </p:cNvPr>
+          <p:cNvSpPr>
             <a:spLocks noGrp="1"/>
           </p:cNvSpPr>
           <p:nvPr>
@@ -9103,12 +9669,11 @@
           <a:bodyPr/>
           <a:lstStyle/>
           <a:p>
-            <a:pPr lvl="0"/>
-            <a:r>
-              <a:rPr lang="en-CA"/>
-              <a:t>Linked data</a:t>
-            </a:r>
-            <a:endParaRPr lang="es-BO"/>
+            <a:r>
+              <a:rPr lang="en-CA" dirty="0"/>
+              <a:t>Bresnan et al.</a:t>
+            </a:r>
+            <a:endParaRPr lang="es-BO" dirty="0"/>
           </a:p>
         </p:txBody>
       </p:sp>
@@ -9117,11 +9682,11 @@
           <p:cNvPr id="3" name="Content Placeholder 2">
             <a:extLst>
               <a:ext uri="{FF2B5EF4-FFF2-40B4-BE49-F238E27FC236}">
-                <a16:creationId xmlns:a16="http://schemas.microsoft.com/office/drawing/2014/main" id="{5E880EDD-83C7-FE10-0C82-616079C71A5D}"/>
-              </a:ext>
-            </a:extLst>
-          </p:cNvPr>
-          <p:cNvSpPr txBox="1">
+                <a16:creationId xmlns:a16="http://schemas.microsoft.com/office/drawing/2014/main" id="{686CCDE8-E2A5-1D19-CA5E-4A7F13E99888}"/>
+              </a:ext>
+            </a:extLst>
+          </p:cNvPr>
+          <p:cNvSpPr>
             <a:spLocks noGrp="1"/>
           </p:cNvSpPr>
           <p:nvPr>
@@ -9133,49 +9698,1210 @@
           <a:bodyPr/>
           <a:lstStyle/>
           <a:p>
-            <a:pPr lvl="0"/>
+            <a:r>
+              <a:rPr lang="en-CA" dirty="0"/>
+              <a:t>We’ll discuss these </a:t>
+            </a:r>
             <a:r>
               <a:rPr lang="en-CA" dirty="0" err="1"/>
-              <a:t>Rawa</a:t>
+              <a:t>issures</a:t>
             </a:r>
             <a:r>
               <a:rPr lang="en-CA" dirty="0"/>
-              <a:t> vs. primary data</a:t>
-            </a:r>
-          </a:p>
-          <a:p>
-            <a:pPr lvl="0"/>
+              <a:t> when we discuss statistical analysis</a:t>
+            </a:r>
+            <a:endParaRPr lang="es-BO" dirty="0"/>
+          </a:p>
+        </p:txBody>
+      </p:sp>
+    </p:spTree>
+    <p:extLst>
+      <p:ext uri="{BB962C8B-B14F-4D97-AF65-F5344CB8AC3E}">
+        <p14:creationId xmlns:p14="http://schemas.microsoft.com/office/powerpoint/2010/main" val="1181761646"/>
+      </p:ext>
+    </p:extLst>
+  </p:cSld>
+  <p:clrMapOvr>
+    <a:masterClrMapping/>
+  </p:clrMapOvr>
+</p:sld>
+</file>
+
+<file path=ppt/slides/slide44.xml><?xml version="1.0" encoding="utf-8"?>
+<p:sld xmlns:a="http://schemas.openxmlformats.org/drawingml/2006/main" xmlns:r="http://schemas.openxmlformats.org/officeDocument/2006/relationships" xmlns:p="http://schemas.openxmlformats.org/presentationml/2006/main">
+  <p:cSld>
+    <p:spTree>
+      <p:nvGrpSpPr>
+        <p:cNvPr id="1" name=""/>
+        <p:cNvGrpSpPr/>
+        <p:nvPr/>
+      </p:nvGrpSpPr>
+      <p:grpSpPr>
+        <a:xfrm>
+          <a:off x="0" y="0"/>
+          <a:ext cx="0" cy="0"/>
+          <a:chOff x="0" y="0"/>
+          <a:chExt cx="0" cy="0"/>
+        </a:xfrm>
+      </p:grpSpPr>
+      <p:sp>
+        <p:nvSpPr>
+          <p:cNvPr id="2" name="Title 1">
+            <a:extLst>
+              <a:ext uri="{FF2B5EF4-FFF2-40B4-BE49-F238E27FC236}">
+                <a16:creationId xmlns:a16="http://schemas.microsoft.com/office/drawing/2014/main" id="{A60776BA-5679-22A6-6738-E19ECB6677B7}"/>
+              </a:ext>
+            </a:extLst>
+          </p:cNvPr>
+          <p:cNvSpPr>
+            <a:spLocks noGrp="1"/>
+          </p:cNvSpPr>
+          <p:nvPr>
+            <p:ph type="title"/>
+          </p:nvPr>
+        </p:nvSpPr>
+        <p:spPr/>
+        <p:txBody>
+          <a:bodyPr/>
+          <a:lstStyle/>
+          <a:p>
+            <a:r>
+              <a:rPr lang="is-IS" dirty="0"/>
+              <a:t>Discourse</a:t>
+            </a:r>
+            <a:endParaRPr lang="es-BO" dirty="0"/>
+          </a:p>
+        </p:txBody>
+      </p:sp>
+      <p:sp>
+        <p:nvSpPr>
+          <p:cNvPr id="3" name="Content Placeholder 2">
+            <a:extLst>
+              <a:ext uri="{FF2B5EF4-FFF2-40B4-BE49-F238E27FC236}">
+                <a16:creationId xmlns:a16="http://schemas.microsoft.com/office/drawing/2014/main" id="{0BC5C1BF-5FB7-FCA0-4AB0-4C3688622298}"/>
+              </a:ext>
+            </a:extLst>
+          </p:cNvPr>
+          <p:cNvSpPr>
+            <a:spLocks noGrp="1"/>
+          </p:cNvSpPr>
+          <p:nvPr>
+            <p:ph idx="1"/>
+          </p:nvPr>
+        </p:nvSpPr>
+        <p:spPr/>
+        <p:txBody>
+          <a:bodyPr/>
+          <a:lstStyle/>
+          <a:p>
+            <a:r>
+              <a:rPr lang="is-IS" dirty="0"/>
+              <a:t>Turn-taking</a:t>
+            </a:r>
+          </a:p>
+          <a:p>
+            <a:r>
+              <a:rPr lang="is-IS" dirty="0"/>
+              <a:t>Conversational analysis</a:t>
+            </a:r>
+          </a:p>
+          <a:p>
+            <a:r>
+              <a:rPr lang="is-IS" dirty="0"/>
+              <a:t>Critical discourse analysis</a:t>
+            </a:r>
+            <a:endParaRPr lang="es-BO" dirty="0"/>
+          </a:p>
+        </p:txBody>
+      </p:sp>
+    </p:spTree>
+    <p:extLst>
+      <p:ext uri="{BB962C8B-B14F-4D97-AF65-F5344CB8AC3E}">
+        <p14:creationId xmlns:p14="http://schemas.microsoft.com/office/powerpoint/2010/main" val="1561820550"/>
+      </p:ext>
+    </p:extLst>
+  </p:cSld>
+  <p:clrMapOvr>
+    <a:masterClrMapping/>
+  </p:clrMapOvr>
+</p:sld>
+</file>
+
+<file path=ppt/slides/slide45.xml><?xml version="1.0" encoding="utf-8"?>
+<p:sld xmlns:a="http://schemas.openxmlformats.org/drawingml/2006/main" xmlns:r="http://schemas.openxmlformats.org/officeDocument/2006/relationships" xmlns:p="http://schemas.openxmlformats.org/presentationml/2006/main">
+  <p:cSld>
+    <p:spTree>
+      <p:nvGrpSpPr>
+        <p:cNvPr id="1" name=""/>
+        <p:cNvGrpSpPr/>
+        <p:nvPr/>
+      </p:nvGrpSpPr>
+      <p:grpSpPr>
+        <a:xfrm>
+          <a:off x="0" y="0"/>
+          <a:ext cx="0" cy="0"/>
+          <a:chOff x="0" y="0"/>
+          <a:chExt cx="0" cy="0"/>
+        </a:xfrm>
+      </p:grpSpPr>
+      <p:sp>
+        <p:nvSpPr>
+          <p:cNvPr id="2" name="Title 1">
+            <a:extLst>
+              <a:ext uri="{FF2B5EF4-FFF2-40B4-BE49-F238E27FC236}">
+                <a16:creationId xmlns:a16="http://schemas.microsoft.com/office/drawing/2014/main" id="{D2D5E9AC-B6E1-CDF0-D279-1528BBADD5D1}"/>
+              </a:ext>
+            </a:extLst>
+          </p:cNvPr>
+          <p:cNvSpPr>
+            <a:spLocks noGrp="1"/>
+          </p:cNvSpPr>
+          <p:nvPr>
+            <p:ph type="title"/>
+          </p:nvPr>
+        </p:nvSpPr>
+        <p:spPr/>
+        <p:txBody>
+          <a:bodyPr/>
+          <a:lstStyle/>
+          <a:p>
+            <a:r>
+              <a:rPr lang="is-IS" dirty="0"/>
+              <a:t>Turn-taking</a:t>
+            </a:r>
+            <a:endParaRPr lang="es-BO" dirty="0"/>
+          </a:p>
+        </p:txBody>
+      </p:sp>
+      <p:sp>
+        <p:nvSpPr>
+          <p:cNvPr id="3" name="Content Placeholder 2">
+            <a:extLst>
+              <a:ext uri="{FF2B5EF4-FFF2-40B4-BE49-F238E27FC236}">
+                <a16:creationId xmlns:a16="http://schemas.microsoft.com/office/drawing/2014/main" id="{FA50E48F-5114-FB71-BF95-41941B7FFD8C}"/>
+              </a:ext>
+            </a:extLst>
+          </p:cNvPr>
+          <p:cNvSpPr>
+            <a:spLocks noGrp="1"/>
+          </p:cNvSpPr>
+          <p:nvPr>
+            <p:ph idx="1"/>
+          </p:nvPr>
+        </p:nvSpPr>
+        <p:spPr>
+          <a:xfrm>
+            <a:off x="838200" y="1825624"/>
+            <a:ext cx="10515600" cy="4737907"/>
+          </a:xfrm>
+        </p:spPr>
+        <p:txBody>
+          <a:bodyPr>
+            <a:normAutofit/>
+          </a:bodyPr>
+          <a:lstStyle/>
+          <a:p>
+            <a:r>
+              <a:rPr lang="is-IS" dirty="0"/>
+              <a:t>Conversation analysis is concerned with patterns that can be observed in sequences of interactions between speakers/listeners.</a:t>
+            </a:r>
+          </a:p>
+          <a:p>
+            <a:endParaRPr lang="is-IS" dirty="0"/>
+          </a:p>
+          <a:p>
+            <a:r>
+              <a:rPr lang="is-IS" dirty="0"/>
+              <a:t>Pausing and adding fillers like </a:t>
+            </a:r>
+            <a:r>
+              <a:rPr lang="is-IS" i="1" dirty="0"/>
+              <a:t>umm</a:t>
+            </a:r>
+            <a:r>
+              <a:rPr lang="is-IS" dirty="0"/>
+              <a:t>, agreeing or disagreeing actually follow patterns that help speakers/hearers process speech in conversation</a:t>
+            </a:r>
+          </a:p>
+          <a:p>
+            <a:endParaRPr lang="is-IS" dirty="0"/>
+          </a:p>
+          <a:p>
+            <a:r>
+              <a:rPr lang="is-IS" dirty="0"/>
+              <a:t>An important issue in conversation analysis is </a:t>
+            </a:r>
+            <a:r>
+              <a:rPr lang="is-IS" b="1" dirty="0"/>
+              <a:t>turn-taking</a:t>
+            </a:r>
+          </a:p>
+          <a:p>
+            <a:endParaRPr lang="is-IS" b="1" dirty="0"/>
+          </a:p>
+        </p:txBody>
+      </p:sp>
+    </p:spTree>
+    <p:extLst>
+      <p:ext uri="{BB962C8B-B14F-4D97-AF65-F5344CB8AC3E}">
+        <p14:creationId xmlns:p14="http://schemas.microsoft.com/office/powerpoint/2010/main" val="2305733926"/>
+      </p:ext>
+    </p:extLst>
+  </p:cSld>
+  <p:clrMapOvr>
+    <a:masterClrMapping/>
+  </p:clrMapOvr>
+</p:sld>
+</file>
+
+<file path=ppt/slides/slide46.xml><?xml version="1.0" encoding="utf-8"?>
+<p:sld xmlns:a="http://schemas.openxmlformats.org/drawingml/2006/main" xmlns:r="http://schemas.openxmlformats.org/officeDocument/2006/relationships" xmlns:p="http://schemas.openxmlformats.org/presentationml/2006/main">
+  <p:cSld>
+    <p:spTree>
+      <p:nvGrpSpPr>
+        <p:cNvPr id="1" name=""/>
+        <p:cNvGrpSpPr/>
+        <p:nvPr/>
+      </p:nvGrpSpPr>
+      <p:grpSpPr>
+        <a:xfrm>
+          <a:off x="0" y="0"/>
+          <a:ext cx="0" cy="0"/>
+          <a:chOff x="0" y="0"/>
+          <a:chExt cx="0" cy="0"/>
+        </a:xfrm>
+      </p:grpSpPr>
+      <p:sp>
+        <p:nvSpPr>
+          <p:cNvPr id="2" name="Title 1">
+            <a:extLst>
+              <a:ext uri="{FF2B5EF4-FFF2-40B4-BE49-F238E27FC236}">
+                <a16:creationId xmlns:a16="http://schemas.microsoft.com/office/drawing/2014/main" id="{50E1078A-B20C-69FF-8201-2AEF8069C28F}"/>
+              </a:ext>
+            </a:extLst>
+          </p:cNvPr>
+          <p:cNvSpPr>
+            <a:spLocks noGrp="1"/>
+          </p:cNvSpPr>
+          <p:nvPr>
+            <p:ph type="title"/>
+          </p:nvPr>
+        </p:nvSpPr>
+        <p:spPr/>
+        <p:txBody>
+          <a:bodyPr/>
+          <a:lstStyle/>
+          <a:p>
+            <a:r>
+              <a:rPr lang="en-CA" dirty="0"/>
+              <a:t>Turn-taking</a:t>
+            </a:r>
+            <a:endParaRPr lang="es-BO" dirty="0"/>
+          </a:p>
+        </p:txBody>
+      </p:sp>
+      <p:sp>
+        <p:nvSpPr>
+          <p:cNvPr id="3" name="Content Placeholder 2">
+            <a:extLst>
+              <a:ext uri="{FF2B5EF4-FFF2-40B4-BE49-F238E27FC236}">
+                <a16:creationId xmlns:a16="http://schemas.microsoft.com/office/drawing/2014/main" id="{368413B1-BC46-5BB6-B6A2-028C71276C6B}"/>
+              </a:ext>
+            </a:extLst>
+          </p:cNvPr>
+          <p:cNvSpPr>
+            <a:spLocks noGrp="1"/>
+          </p:cNvSpPr>
+          <p:nvPr>
+            <p:ph idx="1"/>
+          </p:nvPr>
+        </p:nvSpPr>
+        <p:spPr/>
+        <p:txBody>
+          <a:bodyPr/>
+          <a:lstStyle/>
+          <a:p>
+            <a:r>
+              <a:rPr lang="en-CA" dirty="0"/>
+              <a:t>Turn-taking in conversation is striking for two reasons</a:t>
+            </a:r>
+          </a:p>
+          <a:p>
             <a:endParaRPr lang="en-CA" dirty="0"/>
           </a:p>
           <a:p>
-            <a:pPr lvl="0"/>
+            <a:r>
+              <a:rPr lang="en-CA" b="1" dirty="0"/>
+              <a:t>Floor transfers: </a:t>
+            </a:r>
             <a:r>
               <a:rPr lang="en-CA" dirty="0"/>
-              <a:t>Time alignment</a:t>
-            </a:r>
-          </a:p>
-          <a:p>
-            <a:pPr lvl="0"/>
+              <a:t>How do you know when the other person is done talking?</a:t>
+            </a:r>
+          </a:p>
+          <a:p>
+            <a:pPr lvl="1"/>
+            <a:r>
+              <a:rPr lang="en-CA" dirty="0"/>
+              <a:t>There are very few overlaps and very few gaps:</a:t>
+            </a:r>
+          </a:p>
+          <a:p>
+            <a:pPr lvl="1"/>
+            <a:r>
+              <a:rPr lang="en-CA" dirty="0"/>
+              <a:t>Speakers don’t interrupt each other (very much)</a:t>
+            </a:r>
+          </a:p>
+          <a:p>
+            <a:pPr lvl="1"/>
+            <a:r>
+              <a:rPr lang="en-CA" dirty="0"/>
+              <a:t> The pause between turns is very short, processing and planning for next turn has to occur before the speaker is done</a:t>
+            </a:r>
+          </a:p>
+          <a:p>
+            <a:pPr lvl="1"/>
+            <a:r>
+              <a:rPr lang="en-CA" dirty="0"/>
+              <a:t>The transition is so fast that speakers use words like </a:t>
+            </a:r>
+            <a:r>
+              <a:rPr lang="en-CA" i="1" dirty="0"/>
+              <a:t>um </a:t>
+            </a:r>
+            <a:r>
+              <a:rPr lang="en-CA" dirty="0"/>
+              <a:t>to avoid being interrupted while they are planning the next speech act</a:t>
+            </a:r>
+          </a:p>
+          <a:p>
+            <a:endParaRPr lang="es-BO" dirty="0"/>
+          </a:p>
+        </p:txBody>
+      </p:sp>
+    </p:spTree>
+    <p:extLst>
+      <p:ext uri="{BB962C8B-B14F-4D97-AF65-F5344CB8AC3E}">
+        <p14:creationId xmlns:p14="http://schemas.microsoft.com/office/powerpoint/2010/main" val="3722529405"/>
+      </p:ext>
+    </p:extLst>
+  </p:cSld>
+  <p:clrMapOvr>
+    <a:masterClrMapping/>
+  </p:clrMapOvr>
+</p:sld>
+</file>
+
+<file path=ppt/slides/slide47.xml><?xml version="1.0" encoding="utf-8"?>
+<p:sld xmlns:a="http://schemas.openxmlformats.org/drawingml/2006/main" xmlns:r="http://schemas.openxmlformats.org/officeDocument/2006/relationships" xmlns:p="http://schemas.openxmlformats.org/presentationml/2006/main">
+  <p:cSld>
+    <p:spTree>
+      <p:nvGrpSpPr>
+        <p:cNvPr id="1" name=""/>
+        <p:cNvGrpSpPr/>
+        <p:nvPr/>
+      </p:nvGrpSpPr>
+      <p:grpSpPr>
+        <a:xfrm>
+          <a:off x="0" y="0"/>
+          <a:ext cx="0" cy="0"/>
+          <a:chOff x="0" y="0"/>
+          <a:chExt cx="0" cy="0"/>
+        </a:xfrm>
+      </p:grpSpPr>
+      <p:sp>
+        <p:nvSpPr>
+          <p:cNvPr id="2" name="Title 1">
+            <a:extLst>
+              <a:ext uri="{FF2B5EF4-FFF2-40B4-BE49-F238E27FC236}">
+                <a16:creationId xmlns:a16="http://schemas.microsoft.com/office/drawing/2014/main" id="{E7AD2E1E-1FA2-0271-BC72-3111C81389A7}"/>
+              </a:ext>
+            </a:extLst>
+          </p:cNvPr>
+          <p:cNvSpPr>
+            <a:spLocks noGrp="1"/>
+          </p:cNvSpPr>
+          <p:nvPr>
+            <p:ph type="title"/>
+          </p:nvPr>
+        </p:nvSpPr>
+        <p:spPr/>
+        <p:txBody>
+          <a:bodyPr/>
+          <a:lstStyle/>
+          <a:p>
+            <a:r>
+              <a:rPr lang="en-CA" dirty="0"/>
+              <a:t>Turn-taking</a:t>
+            </a:r>
+            <a:endParaRPr lang="es-BO" dirty="0"/>
+          </a:p>
+        </p:txBody>
+      </p:sp>
+      <p:sp>
+        <p:nvSpPr>
+          <p:cNvPr id="3" name="Content Placeholder 2">
+            <a:extLst>
+              <a:ext uri="{FF2B5EF4-FFF2-40B4-BE49-F238E27FC236}">
+                <a16:creationId xmlns:a16="http://schemas.microsoft.com/office/drawing/2014/main" id="{0094A8E7-5969-22E9-A456-9869A6B8FBBC}"/>
+              </a:ext>
+            </a:extLst>
+          </p:cNvPr>
+          <p:cNvSpPr>
+            <a:spLocks noGrp="1"/>
+          </p:cNvSpPr>
+          <p:nvPr>
+            <p:ph idx="1"/>
+          </p:nvPr>
+        </p:nvSpPr>
+        <p:spPr>
+          <a:xfrm>
+            <a:off x="838200" y="1825625"/>
+            <a:ext cx="10515600" cy="3916497"/>
+          </a:xfrm>
+        </p:spPr>
+        <p:txBody>
+          <a:bodyPr>
+            <a:normAutofit/>
+          </a:bodyPr>
+          <a:lstStyle/>
+          <a:p>
+            <a:r>
+              <a:rPr lang="en-CA" dirty="0"/>
+              <a:t>How do you predict floor transfers from </a:t>
+            </a:r>
+            <a:r>
+              <a:rPr lang="en-CA" dirty="0" err="1"/>
+              <a:t>onne</a:t>
+            </a:r>
+            <a:r>
+              <a:rPr lang="en-CA" dirty="0"/>
+              <a:t> speaker to another?</a:t>
+            </a:r>
+          </a:p>
+          <a:p>
+            <a:r>
+              <a:rPr lang="es-BO" dirty="0"/>
+              <a:t>A </a:t>
+            </a:r>
+            <a:r>
+              <a:rPr lang="es-BO" dirty="0" err="1"/>
+              <a:t>number</a:t>
+            </a:r>
+            <a:r>
+              <a:rPr lang="es-BO" dirty="0"/>
+              <a:t> </a:t>
+            </a:r>
+            <a:r>
+              <a:rPr lang="es-BO" dirty="0" err="1"/>
+              <a:t>of</a:t>
+            </a:r>
+            <a:r>
+              <a:rPr lang="es-BO" dirty="0"/>
+              <a:t> </a:t>
+            </a:r>
+            <a:r>
+              <a:rPr lang="es-BO" dirty="0" err="1"/>
+              <a:t>factors</a:t>
+            </a:r>
+            <a:r>
+              <a:rPr lang="es-BO" dirty="0"/>
+              <a:t>:</a:t>
+            </a:r>
+          </a:p>
+          <a:p>
+            <a:endParaRPr lang="es-BO" dirty="0"/>
+          </a:p>
+          <a:p>
+            <a:r>
+              <a:rPr lang="es-BO" dirty="0" err="1"/>
+              <a:t>Turn-taking</a:t>
+            </a:r>
+            <a:r>
+              <a:rPr lang="es-BO" dirty="0"/>
+              <a:t>, </a:t>
+            </a:r>
+            <a:r>
+              <a:rPr lang="es-BO" dirty="0" err="1"/>
+              <a:t>Frequency</a:t>
+            </a:r>
+            <a:r>
+              <a:rPr lang="es-BO" dirty="0"/>
+              <a:t>, </a:t>
+            </a:r>
+            <a:r>
+              <a:rPr lang="es-BO" dirty="0" err="1"/>
+              <a:t>Concreteness</a:t>
+            </a:r>
+            <a:r>
+              <a:rPr lang="es-BO" dirty="0"/>
+              <a:t>, </a:t>
+            </a:r>
+            <a:r>
+              <a:rPr lang="es-BO" dirty="0" err="1"/>
+              <a:t>Surprisal</a:t>
+            </a:r>
+            <a:r>
+              <a:rPr lang="es-BO" dirty="0"/>
+              <a:t>, </a:t>
+            </a:r>
+            <a:r>
+              <a:rPr lang="es-BO" dirty="0" err="1"/>
+              <a:t>Syntactic</a:t>
+            </a:r>
+            <a:r>
+              <a:rPr lang="es-BO" dirty="0"/>
+              <a:t> </a:t>
+            </a:r>
+            <a:r>
+              <a:rPr lang="es-BO" dirty="0" err="1"/>
+              <a:t>Complexity</a:t>
+            </a:r>
+            <a:r>
+              <a:rPr lang="es-BO" dirty="0"/>
+              <a:t>, </a:t>
+            </a:r>
+            <a:r>
+              <a:rPr lang="es-BO" dirty="0" err="1"/>
+              <a:t>Sequence</a:t>
+            </a:r>
+            <a:r>
+              <a:rPr lang="es-BO" dirty="0"/>
+              <a:t> </a:t>
+            </a:r>
+            <a:r>
+              <a:rPr lang="es-BO" dirty="0" err="1"/>
+              <a:t>Organization</a:t>
+            </a:r>
+            <a:endParaRPr lang="es-BO" dirty="0"/>
+          </a:p>
+          <a:p>
+            <a:endParaRPr lang="es-BO" dirty="0"/>
+          </a:p>
+          <a:p>
+            <a:r>
+              <a:rPr lang="es-BO" dirty="0" err="1"/>
+              <a:t>Sequence</a:t>
+            </a:r>
+            <a:r>
+              <a:rPr lang="es-BO" dirty="0"/>
+              <a:t> </a:t>
+            </a:r>
+            <a:r>
+              <a:rPr lang="es-BO" dirty="0" err="1"/>
+              <a:t>Organization</a:t>
+            </a:r>
+            <a:r>
+              <a:rPr lang="es-BO" dirty="0"/>
+              <a:t>: </a:t>
+            </a:r>
+            <a:r>
+              <a:rPr lang="es-BO" dirty="0" err="1"/>
+              <a:t>Adjacency</a:t>
+            </a:r>
+            <a:r>
+              <a:rPr lang="es-BO" dirty="0"/>
+              <a:t> </a:t>
+            </a:r>
+            <a:r>
+              <a:rPr lang="es-BO" dirty="0" err="1"/>
+              <a:t>pairs</a:t>
+            </a:r>
+            <a:r>
+              <a:rPr lang="es-BO" dirty="0"/>
+              <a:t> (“</a:t>
+            </a:r>
+            <a:r>
+              <a:rPr lang="es-BO" dirty="0" err="1"/>
+              <a:t>what</a:t>
+            </a:r>
+            <a:r>
+              <a:rPr lang="es-BO" dirty="0"/>
+              <a:t> do </a:t>
+            </a:r>
+            <a:r>
+              <a:rPr lang="es-BO" dirty="0" err="1"/>
+              <a:t>you</a:t>
+            </a:r>
+            <a:r>
+              <a:rPr lang="es-BO" dirty="0"/>
+              <a:t> </a:t>
+            </a:r>
+            <a:r>
+              <a:rPr lang="es-BO" dirty="0" err="1"/>
+              <a:t>think</a:t>
+            </a:r>
+            <a:r>
+              <a:rPr lang="es-BO" dirty="0"/>
+              <a:t>?”), Response tokens (“</a:t>
+            </a:r>
+            <a:r>
+              <a:rPr lang="es-BO" dirty="0" err="1"/>
+              <a:t>yeah</a:t>
+            </a:r>
+            <a:r>
+              <a:rPr lang="es-BO" dirty="0"/>
+              <a:t>” “mm”), </a:t>
+            </a:r>
+            <a:r>
+              <a:rPr lang="es-BO" dirty="0" err="1"/>
+              <a:t>Laughter</a:t>
+            </a:r>
+            <a:r>
+              <a:rPr lang="es-BO" dirty="0"/>
+              <a:t> </a:t>
+            </a:r>
+          </a:p>
+        </p:txBody>
+      </p:sp>
+      <p:sp>
+        <p:nvSpPr>
+          <p:cNvPr id="5" name="TextBox 4">
+            <a:extLst>
+              <a:ext uri="{FF2B5EF4-FFF2-40B4-BE49-F238E27FC236}">
+                <a16:creationId xmlns:a16="http://schemas.microsoft.com/office/drawing/2014/main" id="{7095C3C5-4729-DBEE-40FB-316F46842676}"/>
+              </a:ext>
+            </a:extLst>
+          </p:cNvPr>
+          <p:cNvSpPr txBox="1"/>
+          <p:nvPr/>
+        </p:nvSpPr>
+        <p:spPr>
+          <a:xfrm>
+            <a:off x="986080" y="5884808"/>
+            <a:ext cx="9630260" cy="646331"/>
+          </a:xfrm>
+          <a:prstGeom prst="rect">
+            <a:avLst/>
+          </a:prstGeom>
+          <a:noFill/>
+        </p:spPr>
+        <p:txBody>
+          <a:bodyPr wrap="square">
+            <a:spAutoFit/>
+          </a:bodyPr>
+          <a:lstStyle/>
+          <a:p>
+            <a:pPr marL="0" indent="0">
+              <a:buNone/>
+            </a:pPr>
+            <a:r>
+              <a:rPr lang="es-BO" dirty="0">
+                <a:solidFill>
+                  <a:srgbClr val="7030A0"/>
+                </a:solidFill>
+              </a:rPr>
+              <a:t>Roberts et al. 2015 ‘</a:t>
+            </a:r>
+            <a:r>
+              <a:rPr lang="es-BO" dirty="0" err="1">
+                <a:solidFill>
+                  <a:srgbClr val="7030A0"/>
+                </a:solidFill>
+              </a:rPr>
+              <a:t>The</a:t>
+            </a:r>
+            <a:r>
+              <a:rPr lang="es-BO" dirty="0">
+                <a:solidFill>
+                  <a:srgbClr val="7030A0"/>
+                </a:solidFill>
+              </a:rPr>
+              <a:t> </a:t>
+            </a:r>
+            <a:r>
+              <a:rPr lang="es-BO" dirty="0" err="1">
+                <a:solidFill>
+                  <a:srgbClr val="7030A0"/>
+                </a:solidFill>
+              </a:rPr>
+              <a:t>effects</a:t>
+            </a:r>
+            <a:r>
+              <a:rPr lang="es-BO" dirty="0">
+                <a:solidFill>
+                  <a:srgbClr val="7030A0"/>
+                </a:solidFill>
+              </a:rPr>
+              <a:t> </a:t>
+            </a:r>
+            <a:r>
+              <a:rPr lang="es-BO" dirty="0" err="1">
+                <a:solidFill>
+                  <a:srgbClr val="7030A0"/>
+                </a:solidFill>
+              </a:rPr>
+              <a:t>of</a:t>
+            </a:r>
+            <a:r>
+              <a:rPr lang="es-BO" dirty="0">
+                <a:solidFill>
+                  <a:srgbClr val="7030A0"/>
+                </a:solidFill>
+              </a:rPr>
+              <a:t> </a:t>
+            </a:r>
+            <a:r>
+              <a:rPr lang="es-BO" dirty="0" err="1">
+                <a:solidFill>
+                  <a:srgbClr val="7030A0"/>
+                </a:solidFill>
+              </a:rPr>
+              <a:t>processing</a:t>
+            </a:r>
+            <a:r>
+              <a:rPr lang="es-BO" dirty="0">
+                <a:solidFill>
+                  <a:srgbClr val="7030A0"/>
+                </a:solidFill>
+              </a:rPr>
+              <a:t> and </a:t>
+            </a:r>
+            <a:r>
+              <a:rPr lang="es-BO" dirty="0" err="1">
+                <a:solidFill>
+                  <a:srgbClr val="7030A0"/>
+                </a:solidFill>
+              </a:rPr>
+              <a:t>sequence</a:t>
+            </a:r>
+            <a:r>
+              <a:rPr lang="es-BO" dirty="0">
+                <a:solidFill>
+                  <a:srgbClr val="7030A0"/>
+                </a:solidFill>
+              </a:rPr>
+              <a:t> </a:t>
+            </a:r>
+            <a:r>
+              <a:rPr lang="es-BO" dirty="0" err="1">
+                <a:solidFill>
+                  <a:srgbClr val="7030A0"/>
+                </a:solidFill>
+              </a:rPr>
+              <a:t>organization</a:t>
+            </a:r>
+            <a:r>
+              <a:rPr lang="es-BO" dirty="0">
+                <a:solidFill>
+                  <a:srgbClr val="7030A0"/>
+                </a:solidFill>
+              </a:rPr>
+              <a:t> </a:t>
+            </a:r>
+            <a:r>
+              <a:rPr lang="es-BO" dirty="0" err="1">
+                <a:solidFill>
+                  <a:srgbClr val="7030A0"/>
+                </a:solidFill>
+              </a:rPr>
+              <a:t>on</a:t>
+            </a:r>
+            <a:r>
+              <a:rPr lang="es-BO" dirty="0">
+                <a:solidFill>
+                  <a:srgbClr val="7030A0"/>
+                </a:solidFill>
+              </a:rPr>
+              <a:t> </a:t>
+            </a:r>
+            <a:r>
+              <a:rPr lang="es-BO" dirty="0" err="1">
+                <a:solidFill>
+                  <a:srgbClr val="7030A0"/>
+                </a:solidFill>
+              </a:rPr>
+              <a:t>the</a:t>
+            </a:r>
+            <a:r>
+              <a:rPr lang="es-BO" dirty="0">
+                <a:solidFill>
+                  <a:srgbClr val="7030A0"/>
+                </a:solidFill>
+              </a:rPr>
+              <a:t> timing </a:t>
+            </a:r>
+            <a:r>
+              <a:rPr lang="es-BO" dirty="0" err="1">
+                <a:solidFill>
+                  <a:srgbClr val="7030A0"/>
+                </a:solidFill>
+              </a:rPr>
+              <a:t>of</a:t>
+            </a:r>
+            <a:r>
+              <a:rPr lang="es-BO" dirty="0">
+                <a:solidFill>
+                  <a:srgbClr val="7030A0"/>
+                </a:solidFill>
+              </a:rPr>
+              <a:t> </a:t>
+            </a:r>
+            <a:r>
+              <a:rPr lang="es-BO" dirty="0" err="1">
+                <a:solidFill>
+                  <a:srgbClr val="7030A0"/>
+                </a:solidFill>
+              </a:rPr>
+              <a:t>turn</a:t>
+            </a:r>
+            <a:r>
+              <a:rPr lang="es-BO" dirty="0">
+                <a:solidFill>
+                  <a:srgbClr val="7030A0"/>
+                </a:solidFill>
+              </a:rPr>
+              <a:t> </a:t>
+            </a:r>
+            <a:r>
+              <a:rPr lang="es-BO" dirty="0" err="1">
+                <a:solidFill>
+                  <a:srgbClr val="7030A0"/>
+                </a:solidFill>
+              </a:rPr>
+              <a:t>taking</a:t>
+            </a:r>
+            <a:r>
+              <a:rPr lang="es-BO" dirty="0">
+                <a:solidFill>
+                  <a:srgbClr val="7030A0"/>
+                </a:solidFill>
+              </a:rPr>
+              <a:t>: a corpus </a:t>
+            </a:r>
+            <a:r>
+              <a:rPr lang="es-BO" dirty="0" err="1">
+                <a:solidFill>
+                  <a:srgbClr val="7030A0"/>
+                </a:solidFill>
+              </a:rPr>
+              <a:t>study</a:t>
+            </a:r>
+            <a:r>
+              <a:rPr lang="es-BO" dirty="0">
+                <a:solidFill>
+                  <a:srgbClr val="7030A0"/>
+                </a:solidFill>
+              </a:rPr>
+              <a:t>’ </a:t>
+            </a:r>
+            <a:r>
+              <a:rPr lang="es-BO" i="1" dirty="0" err="1">
+                <a:solidFill>
+                  <a:srgbClr val="7030A0"/>
+                </a:solidFill>
+              </a:rPr>
+              <a:t>Frontiers</a:t>
+            </a:r>
+            <a:r>
+              <a:rPr lang="es-BO" i="1" dirty="0">
+                <a:solidFill>
+                  <a:srgbClr val="7030A0"/>
+                </a:solidFill>
+              </a:rPr>
+              <a:t> in </a:t>
+            </a:r>
+            <a:r>
+              <a:rPr lang="es-BO" i="1" dirty="0" err="1">
+                <a:solidFill>
+                  <a:srgbClr val="7030A0"/>
+                </a:solidFill>
+              </a:rPr>
+              <a:t>Psychology</a:t>
+            </a:r>
+            <a:r>
+              <a:rPr lang="es-BO" i="1" dirty="0">
+                <a:solidFill>
+                  <a:srgbClr val="7030A0"/>
+                </a:solidFill>
+              </a:rPr>
+              <a:t> </a:t>
+            </a:r>
+            <a:r>
+              <a:rPr lang="es-BO" dirty="0">
+                <a:solidFill>
+                  <a:srgbClr val="7030A0"/>
+                </a:solidFill>
+              </a:rPr>
+              <a:t>6</a:t>
+            </a:r>
+            <a:endParaRPr lang="en-CA" dirty="0">
+              <a:solidFill>
+                <a:srgbClr val="7030A0"/>
+              </a:solidFill>
+            </a:endParaRPr>
+          </a:p>
+        </p:txBody>
+      </p:sp>
+    </p:spTree>
+    <p:extLst>
+      <p:ext uri="{BB962C8B-B14F-4D97-AF65-F5344CB8AC3E}">
+        <p14:creationId xmlns:p14="http://schemas.microsoft.com/office/powerpoint/2010/main" val="1753357529"/>
+      </p:ext>
+    </p:extLst>
+  </p:cSld>
+  <p:clrMapOvr>
+    <a:masterClrMapping/>
+  </p:clrMapOvr>
+</p:sld>
+</file>
+
+<file path=ppt/slides/slide48.xml><?xml version="1.0" encoding="utf-8"?>
+<p:sld xmlns:a="http://schemas.openxmlformats.org/drawingml/2006/main" xmlns:r="http://schemas.openxmlformats.org/officeDocument/2006/relationships" xmlns:p="http://schemas.openxmlformats.org/presentationml/2006/main">
+  <p:cSld>
+    <p:spTree>
+      <p:nvGrpSpPr>
+        <p:cNvPr id="1" name=""/>
+        <p:cNvGrpSpPr/>
+        <p:nvPr/>
+      </p:nvGrpSpPr>
+      <p:grpSpPr>
+        <a:xfrm>
+          <a:off x="0" y="0"/>
+          <a:ext cx="0" cy="0"/>
+          <a:chOff x="0" y="0"/>
+          <a:chExt cx="0" cy="0"/>
+        </a:xfrm>
+      </p:grpSpPr>
+      <p:sp>
+        <p:nvSpPr>
+          <p:cNvPr id="2" name="Title 1">
+            <a:extLst>
+              <a:ext uri="{FF2B5EF4-FFF2-40B4-BE49-F238E27FC236}">
+                <a16:creationId xmlns:a16="http://schemas.microsoft.com/office/drawing/2014/main" id="{EF6B0D80-AE4A-B332-907E-C32DE74E0E09}"/>
+              </a:ext>
+            </a:extLst>
+          </p:cNvPr>
+          <p:cNvSpPr>
+            <a:spLocks noGrp="1"/>
+          </p:cNvSpPr>
+          <p:nvPr>
+            <p:ph type="title"/>
+          </p:nvPr>
+        </p:nvSpPr>
+        <p:spPr/>
+        <p:txBody>
+          <a:bodyPr/>
+          <a:lstStyle/>
+          <a:p>
+            <a:r>
+              <a:rPr lang="is-IS" dirty="0"/>
+              <a:t>Critical discourse analysis</a:t>
+            </a:r>
+            <a:endParaRPr lang="es-BO" dirty="0"/>
+          </a:p>
+        </p:txBody>
+      </p:sp>
+      <p:sp>
+        <p:nvSpPr>
+          <p:cNvPr id="3" name="Content Placeholder 2">
+            <a:extLst>
+              <a:ext uri="{FF2B5EF4-FFF2-40B4-BE49-F238E27FC236}">
+                <a16:creationId xmlns:a16="http://schemas.microsoft.com/office/drawing/2014/main" id="{437B09F9-F1A5-1A69-EC83-9B7F54EB8633}"/>
+              </a:ext>
+            </a:extLst>
+          </p:cNvPr>
+          <p:cNvSpPr>
+            <a:spLocks noGrp="1"/>
+          </p:cNvSpPr>
+          <p:nvPr>
+            <p:ph idx="1"/>
+          </p:nvPr>
+        </p:nvSpPr>
+        <p:spPr/>
+        <p:txBody>
+          <a:bodyPr/>
+          <a:lstStyle/>
+          <a:p>
+            <a:r>
+              <a:rPr lang="en-CA" dirty="0"/>
+              <a:t>Critical discourse analysis is another field that relies crucially on corpora</a:t>
+            </a:r>
+          </a:p>
+          <a:p>
             <a:endParaRPr lang="en-CA" dirty="0"/>
           </a:p>
           <a:p>
-            <a:pPr lvl="0"/>
             <a:r>
               <a:rPr lang="en-CA" dirty="0"/>
-              <a:t>Metadata</a:t>
-            </a:r>
-          </a:p>
-          <a:p>
-            <a:pPr lvl="0"/>
+              <a:t>Critical discourse analysis is about how language maintains, constructs and disseminates “discourses”</a:t>
+            </a:r>
+          </a:p>
+          <a:p>
             <a:endParaRPr lang="en-CA" dirty="0"/>
           </a:p>
           <a:p>
-            <a:pPr lvl="0"/>
+            <a:r>
+              <a:rPr lang="en-CA" b="1" dirty="0"/>
+              <a:t>Discourse</a:t>
+            </a:r>
+            <a:r>
+              <a:rPr lang="en-CA" dirty="0"/>
+              <a:t> – ideologically specific way of viewing the world</a:t>
+            </a:r>
+          </a:p>
+          <a:p>
+            <a:endParaRPr lang="en-CA" dirty="0"/>
+          </a:p>
+          <a:p>
+            <a:r>
+              <a:rPr lang="en-CA" dirty="0"/>
+              <a:t>Ideologies are world views that that constitute social cognition</a:t>
+            </a:r>
             <a:endParaRPr lang="es-BO" dirty="0"/>
           </a:p>
         </p:txBody>
       </p:sp>
     </p:spTree>
+    <p:extLst>
+      <p:ext uri="{BB962C8B-B14F-4D97-AF65-F5344CB8AC3E}">
+        <p14:creationId xmlns:p14="http://schemas.microsoft.com/office/powerpoint/2010/main" val="2849394850"/>
+      </p:ext>
+    </p:extLst>
+  </p:cSld>
+  <p:clrMapOvr>
+    <a:masterClrMapping/>
+  </p:clrMapOvr>
+</p:sld>
+</file>
+
+<file path=ppt/slides/slide49.xml><?xml version="1.0" encoding="utf-8"?>
+<p:sld xmlns:a="http://schemas.openxmlformats.org/drawingml/2006/main" xmlns:r="http://schemas.openxmlformats.org/officeDocument/2006/relationships" xmlns:p="http://schemas.openxmlformats.org/presentationml/2006/main">
+  <p:cSld>
+    <p:spTree>
+      <p:nvGrpSpPr>
+        <p:cNvPr id="1" name=""/>
+        <p:cNvGrpSpPr/>
+        <p:nvPr/>
+      </p:nvGrpSpPr>
+      <p:grpSpPr>
+        <a:xfrm>
+          <a:off x="0" y="0"/>
+          <a:ext cx="0" cy="0"/>
+          <a:chOff x="0" y="0"/>
+          <a:chExt cx="0" cy="0"/>
+        </a:xfrm>
+      </p:grpSpPr>
+      <p:sp>
+        <p:nvSpPr>
+          <p:cNvPr id="2" name="Title 1">
+            <a:extLst>
+              <a:ext uri="{FF2B5EF4-FFF2-40B4-BE49-F238E27FC236}">
+                <a16:creationId xmlns:a16="http://schemas.microsoft.com/office/drawing/2014/main" id="{5BE0042D-9639-0566-7940-EF84BBB0E094}"/>
+              </a:ext>
+            </a:extLst>
+          </p:cNvPr>
+          <p:cNvSpPr>
+            <a:spLocks noGrp="1"/>
+          </p:cNvSpPr>
+          <p:nvPr>
+            <p:ph type="title"/>
+          </p:nvPr>
+        </p:nvSpPr>
+        <p:spPr/>
+        <p:txBody>
+          <a:bodyPr/>
+          <a:lstStyle/>
+          <a:p>
+            <a:r>
+              <a:rPr lang="is-IS" dirty="0"/>
+              <a:t>Critical discourse analysis</a:t>
+            </a:r>
+            <a:endParaRPr lang="es-BO" dirty="0"/>
+          </a:p>
+        </p:txBody>
+      </p:sp>
+      <p:sp>
+        <p:nvSpPr>
+          <p:cNvPr id="3" name="Content Placeholder 2">
+            <a:extLst>
+              <a:ext uri="{FF2B5EF4-FFF2-40B4-BE49-F238E27FC236}">
+                <a16:creationId xmlns:a16="http://schemas.microsoft.com/office/drawing/2014/main" id="{0A3C722D-7B43-60CB-7240-9D68B465DD47}"/>
+              </a:ext>
+            </a:extLst>
+          </p:cNvPr>
+          <p:cNvSpPr>
+            <a:spLocks noGrp="1"/>
+          </p:cNvSpPr>
+          <p:nvPr>
+            <p:ph idx="1"/>
+          </p:nvPr>
+        </p:nvSpPr>
+        <p:spPr/>
+        <p:txBody>
+          <a:bodyPr/>
+          <a:lstStyle/>
+          <a:p>
+            <a:r>
+              <a:rPr lang="en-CA" dirty="0"/>
+              <a:t>Types of discourses:</a:t>
+            </a:r>
+          </a:p>
+          <a:p>
+            <a:pPr lvl="1"/>
+            <a:r>
+              <a:rPr lang="en-CA" dirty="0"/>
+              <a:t>racist</a:t>
+            </a:r>
+          </a:p>
+          <a:p>
+            <a:pPr lvl="1"/>
+            <a:r>
+              <a:rPr lang="en-CA" dirty="0" err="1"/>
+              <a:t>anti-semitic</a:t>
+            </a:r>
+            <a:endParaRPr lang="en-CA" dirty="0"/>
+          </a:p>
+          <a:p>
+            <a:pPr lvl="1"/>
+            <a:r>
+              <a:rPr lang="en-CA" dirty="0"/>
+              <a:t>immigration</a:t>
+            </a:r>
+          </a:p>
+          <a:p>
+            <a:pPr lvl="1"/>
+            <a:r>
+              <a:rPr lang="en-CA" dirty="0"/>
+              <a:t>asylum</a:t>
+            </a:r>
+          </a:p>
+          <a:p>
+            <a:pPr lvl="1"/>
+            <a:r>
+              <a:rPr lang="en-CA" dirty="0"/>
+              <a:t>neoliberal</a:t>
+            </a:r>
+          </a:p>
+          <a:p>
+            <a:pPr lvl="1"/>
+            <a:endParaRPr lang="en-CA" dirty="0"/>
+          </a:p>
+          <a:p>
+            <a:r>
+              <a:rPr lang="en-CA" dirty="0"/>
+              <a:t>What types of words, expressions and turns of phrases evoke or support ideologies </a:t>
+            </a:r>
+          </a:p>
+          <a:p>
+            <a:pPr lvl="1"/>
+            <a:endParaRPr lang="en-CA" dirty="0"/>
+          </a:p>
+          <a:p>
+            <a:endParaRPr lang="en-CA" dirty="0"/>
+          </a:p>
+          <a:p>
+            <a:endParaRPr lang="es-BO" dirty="0"/>
+          </a:p>
+        </p:txBody>
+      </p:sp>
+    </p:spTree>
+    <p:extLst>
+      <p:ext uri="{BB962C8B-B14F-4D97-AF65-F5344CB8AC3E}">
+        <p14:creationId xmlns:p14="http://schemas.microsoft.com/office/powerpoint/2010/main" val="1548824829"/>
+      </p:ext>
+    </p:extLst>
   </p:cSld>
   <p:clrMapOvr>
     <a:masterClrMapping/>
@@ -9311,6 +11037,837 @@
               <a:uFillTx/>
               <a:latin typeface="Calibri"/>
             </a:endParaRPr>
+          </a:p>
+        </p:txBody>
+      </p:sp>
+    </p:spTree>
+  </p:cSld>
+  <p:clrMapOvr>
+    <a:masterClrMapping/>
+  </p:clrMapOvr>
+</p:sld>
+</file>
+
+<file path=ppt/slides/slide50.xml><?xml version="1.0" encoding="utf-8"?>
+<p:sld xmlns:a="http://schemas.openxmlformats.org/drawingml/2006/main" xmlns:r="http://schemas.openxmlformats.org/officeDocument/2006/relationships" xmlns:p="http://schemas.openxmlformats.org/presentationml/2006/main">
+  <p:cSld>
+    <p:spTree>
+      <p:nvGrpSpPr>
+        <p:cNvPr id="1" name=""/>
+        <p:cNvGrpSpPr/>
+        <p:nvPr/>
+      </p:nvGrpSpPr>
+      <p:grpSpPr>
+        <a:xfrm>
+          <a:off x="0" y="0"/>
+          <a:ext cx="0" cy="0"/>
+          <a:chOff x="0" y="0"/>
+          <a:chExt cx="0" cy="0"/>
+        </a:xfrm>
+      </p:grpSpPr>
+      <p:sp>
+        <p:nvSpPr>
+          <p:cNvPr id="2" name="Title 1">
+            <a:extLst>
+              <a:ext uri="{FF2B5EF4-FFF2-40B4-BE49-F238E27FC236}">
+                <a16:creationId xmlns:a16="http://schemas.microsoft.com/office/drawing/2014/main" id="{ACD03474-3511-20E3-BF18-80D5644E77B8}"/>
+              </a:ext>
+            </a:extLst>
+          </p:cNvPr>
+          <p:cNvSpPr txBox="1">
+            <a:spLocks noGrp="1"/>
+          </p:cNvSpPr>
+          <p:nvPr>
+            <p:ph type="title"/>
+          </p:nvPr>
+        </p:nvSpPr>
+        <p:spPr/>
+        <p:txBody>
+          <a:bodyPr/>
+          <a:lstStyle/>
+          <a:p>
+            <a:pPr lvl="0"/>
+            <a:r>
+              <a:rPr lang="en-CA"/>
+              <a:t>Register</a:t>
+            </a:r>
+            <a:endParaRPr lang="es-BO"/>
+          </a:p>
+        </p:txBody>
+      </p:sp>
+      <p:sp>
+        <p:nvSpPr>
+          <p:cNvPr id="3" name="Content Placeholder 2">
+            <a:extLst>
+              <a:ext uri="{FF2B5EF4-FFF2-40B4-BE49-F238E27FC236}">
+                <a16:creationId xmlns:a16="http://schemas.microsoft.com/office/drawing/2014/main" id="{38D51695-2CF7-8C38-2EC1-959B40409101}"/>
+              </a:ext>
+            </a:extLst>
+          </p:cNvPr>
+          <p:cNvSpPr txBox="1">
+            <a:spLocks noGrp="1"/>
+          </p:cNvSpPr>
+          <p:nvPr>
+            <p:ph idx="1"/>
+          </p:nvPr>
+        </p:nvSpPr>
+        <p:spPr>
+          <a:xfrm>
+            <a:off x="838203" y="1825627"/>
+            <a:ext cx="5644490" cy="4351336"/>
+          </a:xfrm>
+        </p:spPr>
+        <p:txBody>
+          <a:bodyPr/>
+          <a:lstStyle/>
+          <a:p>
+            <a:pPr lvl="0"/>
+            <a:r>
+              <a:rPr lang="en-CA" b="1"/>
+              <a:t>mode: </a:t>
+            </a:r>
+            <a:r>
+              <a:rPr lang="en-CA"/>
+              <a:t>spoken versus signed</a:t>
+            </a:r>
+          </a:p>
+          <a:p>
+            <a:pPr lvl="0"/>
+            <a:endParaRPr lang="en-CA" b="1"/>
+          </a:p>
+          <a:p>
+            <a:pPr lvl="0"/>
+            <a:r>
+              <a:rPr lang="en-CA" b="1"/>
+              <a:t>participants: </a:t>
+            </a:r>
+            <a:r>
+              <a:rPr lang="en-CA"/>
+              <a:t>who are the people involved and what relationships do they have to one another</a:t>
+            </a:r>
+          </a:p>
+          <a:p>
+            <a:pPr lvl="0"/>
+            <a:endParaRPr lang="en-CA" b="1"/>
+          </a:p>
+          <a:p>
+            <a:pPr lvl="0"/>
+            <a:r>
+              <a:rPr lang="en-CA" b="1"/>
+              <a:t>communicative purpose: </a:t>
+            </a:r>
+            <a:r>
+              <a:rPr lang="en-CA"/>
+              <a:t>why are you talking to one another</a:t>
+            </a:r>
+            <a:endParaRPr lang="es-BO" b="1"/>
+          </a:p>
+        </p:txBody>
+      </p:sp>
+      <p:pic>
+        <p:nvPicPr>
+          <p:cNvPr id="4" name="Picture 4">
+            <a:extLst>
+              <a:ext uri="{FF2B5EF4-FFF2-40B4-BE49-F238E27FC236}">
+                <a16:creationId xmlns:a16="http://schemas.microsoft.com/office/drawing/2014/main" id="{90E9FE68-9A4B-60AC-0712-D85D293D3330}"/>
+              </a:ext>
+            </a:extLst>
+          </p:cNvPr>
+          <p:cNvPicPr>
+            <a:picLocks noChangeAspect="1"/>
+          </p:cNvPicPr>
+          <p:nvPr/>
+        </p:nvPicPr>
+        <p:blipFill>
+          <a:blip r:embed="rId2"/>
+          <a:stretch>
+            <a:fillRect/>
+          </a:stretch>
+        </p:blipFill>
+        <p:spPr>
+          <a:xfrm>
+            <a:off x="6832021" y="871633"/>
+            <a:ext cx="4813483" cy="3245105"/>
+          </a:xfrm>
+          <a:prstGeom prst="rect">
+            <a:avLst/>
+          </a:prstGeom>
+          <a:noFill/>
+          <a:ln cap="flat">
+            <a:noFill/>
+          </a:ln>
+        </p:spPr>
+      </p:pic>
+      <p:sp>
+        <p:nvSpPr>
+          <p:cNvPr id="5" name="TextBox 6">
+            <a:extLst>
+              <a:ext uri="{FF2B5EF4-FFF2-40B4-BE49-F238E27FC236}">
+                <a16:creationId xmlns:a16="http://schemas.microsoft.com/office/drawing/2014/main" id="{CAD1ABC2-8217-7088-A494-C50AF8CC9E97}"/>
+              </a:ext>
+            </a:extLst>
+          </p:cNvPr>
+          <p:cNvSpPr txBox="1"/>
+          <p:nvPr/>
+        </p:nvSpPr>
+        <p:spPr>
+          <a:xfrm>
+            <a:off x="6482684" y="4251676"/>
+            <a:ext cx="6093726" cy="369335"/>
+          </a:xfrm>
+          <a:prstGeom prst="rect">
+            <a:avLst/>
+          </a:prstGeom>
+          <a:noFill/>
+          <a:ln cap="flat">
+            <a:noFill/>
+          </a:ln>
+        </p:spPr>
+        <p:txBody>
+          <a:bodyPr vert="horz" wrap="square" lIns="91440" tIns="45720" rIns="91440" bIns="45720" anchor="t" anchorCtr="0" compatLnSpc="1">
+            <a:spAutoFit/>
+          </a:bodyPr>
+          <a:lstStyle/>
+          <a:p>
+            <a:pPr marL="0" marR="0" lvl="0" indent="0" algn="l" defTabSz="914400" rtl="0" fontAlgn="auto" hangingPunct="1">
+              <a:lnSpc>
+                <a:spcPct val="100000"/>
+              </a:lnSpc>
+              <a:spcBef>
+                <a:spcPts val="0"/>
+              </a:spcBef>
+              <a:spcAft>
+                <a:spcPts val="0"/>
+              </a:spcAft>
+              <a:buNone/>
+              <a:tabLst/>
+              <a:defRPr sz="1800" b="0" i="0" u="none" strike="noStrike" kern="0" cap="none" spc="0" baseline="0">
+                <a:solidFill>
+                  <a:srgbClr val="000000"/>
+                </a:solidFill>
+                <a:uFillTx/>
+              </a:defRPr>
+            </a:pPr>
+            <a:r>
+              <a:rPr lang="es-BO" sz="1800" b="0" i="0" u="none" strike="noStrike" kern="1200" cap="none" spc="0" baseline="0">
+                <a:solidFill>
+                  <a:srgbClr val="000000"/>
+                </a:solidFill>
+                <a:uFillTx/>
+                <a:latin typeface="Calibri"/>
+              </a:rPr>
+              <a:t>https://en.wikipedia.org/wiki/American_Sign_Language</a:t>
+            </a:r>
+          </a:p>
+        </p:txBody>
+      </p:sp>
+    </p:spTree>
+  </p:cSld>
+  <p:clrMapOvr>
+    <a:masterClrMapping/>
+  </p:clrMapOvr>
+</p:sld>
+</file>
+
+<file path=ppt/slides/slide51.xml><?xml version="1.0" encoding="utf-8"?>
+<p:sld xmlns:a="http://schemas.openxmlformats.org/drawingml/2006/main" xmlns:r="http://schemas.openxmlformats.org/officeDocument/2006/relationships" xmlns:p="http://schemas.openxmlformats.org/presentationml/2006/main">
+  <p:cSld>
+    <p:spTree>
+      <p:nvGrpSpPr>
+        <p:cNvPr id="1" name=""/>
+        <p:cNvGrpSpPr/>
+        <p:nvPr/>
+      </p:nvGrpSpPr>
+      <p:grpSpPr>
+        <a:xfrm>
+          <a:off x="0" y="0"/>
+          <a:ext cx="0" cy="0"/>
+          <a:chOff x="0" y="0"/>
+          <a:chExt cx="0" cy="0"/>
+        </a:xfrm>
+      </p:grpSpPr>
+      <p:sp>
+        <p:nvSpPr>
+          <p:cNvPr id="2" name="Title 1">
+            <a:extLst>
+              <a:ext uri="{FF2B5EF4-FFF2-40B4-BE49-F238E27FC236}">
+                <a16:creationId xmlns:a16="http://schemas.microsoft.com/office/drawing/2014/main" id="{0B78CBEC-9911-582E-374A-29F2E5BF719C}"/>
+              </a:ext>
+            </a:extLst>
+          </p:cNvPr>
+          <p:cNvSpPr txBox="1">
+            <a:spLocks noGrp="1"/>
+          </p:cNvSpPr>
+          <p:nvPr>
+            <p:ph type="title"/>
+          </p:nvPr>
+        </p:nvSpPr>
+        <p:spPr/>
+        <p:txBody>
+          <a:bodyPr/>
+          <a:lstStyle/>
+          <a:p>
+            <a:pPr lvl="0"/>
+            <a:r>
+              <a:rPr lang="en-CA"/>
+              <a:t>Genre</a:t>
+            </a:r>
+            <a:endParaRPr lang="es-BO"/>
+          </a:p>
+        </p:txBody>
+      </p:sp>
+      <p:sp>
+        <p:nvSpPr>
+          <p:cNvPr id="3" name="Content Placeholder 2">
+            <a:extLst>
+              <a:ext uri="{FF2B5EF4-FFF2-40B4-BE49-F238E27FC236}">
+                <a16:creationId xmlns:a16="http://schemas.microsoft.com/office/drawing/2014/main" id="{3311B832-5BF0-DB49-4EB2-C1C10C5F7C61}"/>
+              </a:ext>
+            </a:extLst>
+          </p:cNvPr>
+          <p:cNvSpPr txBox="1">
+            <a:spLocks noGrp="1"/>
+          </p:cNvSpPr>
+          <p:nvPr>
+            <p:ph idx="1"/>
+          </p:nvPr>
+        </p:nvSpPr>
+        <p:spPr/>
+        <p:txBody>
+          <a:bodyPr/>
+          <a:lstStyle/>
+          <a:p>
+            <a:pPr lvl="0"/>
+            <a:r>
+              <a:rPr lang="en-CA"/>
+              <a:t>A genre is defined by linguistic features that are conventionally used with it.</a:t>
+            </a:r>
+          </a:p>
+          <a:p>
+            <a:pPr lvl="0"/>
+            <a:endParaRPr lang="en-CA"/>
+          </a:p>
+          <a:p>
+            <a:pPr lvl="0"/>
+            <a:r>
+              <a:rPr lang="en-CA"/>
+              <a:t>Prose writing, poetry, fairy tales</a:t>
+            </a:r>
+          </a:p>
+          <a:p>
+            <a:pPr lvl="0"/>
+            <a:endParaRPr lang="en-CA"/>
+          </a:p>
+          <a:p>
+            <a:pPr lvl="0"/>
+            <a:r>
+              <a:rPr lang="en-CA"/>
+              <a:t>Note that genres are culturally specific (they usually have names)</a:t>
+            </a:r>
+          </a:p>
+          <a:p>
+            <a:pPr lvl="0"/>
+            <a:endParaRPr lang="en-CA"/>
+          </a:p>
+          <a:p>
+            <a:pPr lvl="0"/>
+            <a:r>
+              <a:rPr lang="en-CA" b="1"/>
+              <a:t>Genre marker: </a:t>
+            </a:r>
+            <a:r>
+              <a:rPr lang="en-CA"/>
+              <a:t> A specific property that marks off a genre </a:t>
+            </a:r>
+            <a:endParaRPr lang="es-BO"/>
+          </a:p>
+        </p:txBody>
+      </p:sp>
+    </p:spTree>
+  </p:cSld>
+  <p:clrMapOvr>
+    <a:masterClrMapping/>
+  </p:clrMapOvr>
+</p:sld>
+</file>
+
+<file path=ppt/slides/slide52.xml><?xml version="1.0" encoding="utf-8"?>
+<p:sld xmlns:a="http://schemas.openxmlformats.org/drawingml/2006/main" xmlns:r="http://schemas.openxmlformats.org/officeDocument/2006/relationships" xmlns:p="http://schemas.openxmlformats.org/presentationml/2006/main">
+  <p:cSld>
+    <p:spTree>
+      <p:nvGrpSpPr>
+        <p:cNvPr id="1" name=""/>
+        <p:cNvGrpSpPr/>
+        <p:nvPr/>
+      </p:nvGrpSpPr>
+      <p:grpSpPr>
+        <a:xfrm>
+          <a:off x="0" y="0"/>
+          <a:ext cx="0" cy="0"/>
+          <a:chOff x="0" y="0"/>
+          <a:chExt cx="0" cy="0"/>
+        </a:xfrm>
+      </p:grpSpPr>
+      <p:sp>
+        <p:nvSpPr>
+          <p:cNvPr id="2" name="Title 1">
+            <a:extLst>
+              <a:ext uri="{FF2B5EF4-FFF2-40B4-BE49-F238E27FC236}">
+                <a16:creationId xmlns:a16="http://schemas.microsoft.com/office/drawing/2014/main" id="{6C157C15-5FD5-9113-1D8E-13CC27494702}"/>
+              </a:ext>
+            </a:extLst>
+          </p:cNvPr>
+          <p:cNvSpPr txBox="1">
+            <a:spLocks noGrp="1"/>
+          </p:cNvSpPr>
+          <p:nvPr>
+            <p:ph type="title"/>
+          </p:nvPr>
+        </p:nvSpPr>
+        <p:spPr/>
+        <p:txBody>
+          <a:bodyPr/>
+          <a:lstStyle/>
+          <a:p>
+            <a:pPr lvl="0"/>
+            <a:r>
+              <a:rPr lang="en-CA"/>
+              <a:t>Genre</a:t>
+            </a:r>
+            <a:endParaRPr lang="es-BO"/>
+          </a:p>
+        </p:txBody>
+      </p:sp>
+      <p:sp>
+        <p:nvSpPr>
+          <p:cNvPr id="3" name="Content Placeholder 2">
+            <a:extLst>
+              <a:ext uri="{FF2B5EF4-FFF2-40B4-BE49-F238E27FC236}">
+                <a16:creationId xmlns:a16="http://schemas.microsoft.com/office/drawing/2014/main" id="{3193E58E-459F-A89D-3053-9C3984E91CD3}"/>
+              </a:ext>
+            </a:extLst>
+          </p:cNvPr>
+          <p:cNvSpPr txBox="1">
+            <a:spLocks noGrp="1"/>
+          </p:cNvSpPr>
+          <p:nvPr>
+            <p:ph idx="1"/>
+          </p:nvPr>
+        </p:nvSpPr>
+        <p:spPr>
+          <a:xfrm>
+            <a:off x="838203" y="1825627"/>
+            <a:ext cx="10515600" cy="2500719"/>
+          </a:xfrm>
+        </p:spPr>
+        <p:txBody>
+          <a:bodyPr/>
+          <a:lstStyle/>
+          <a:p>
+            <a:pPr lvl="0"/>
+            <a:r>
+              <a:rPr lang="en-CA"/>
+              <a:t>In Ch</a:t>
+            </a:r>
+            <a:r>
+              <a:rPr lang="es-ES"/>
+              <a:t>ácobo there is a specific </a:t>
+            </a:r>
+            <a:r>
+              <a:rPr lang="en-CA"/>
+              <a:t>‘male joking genre’ of speech, which is characterized heavily by the liberal use of adjectivalizers.</a:t>
+            </a:r>
+          </a:p>
+          <a:p>
+            <a:pPr lvl="0"/>
+            <a:r>
+              <a:rPr lang="en-CA"/>
+              <a:t>Typically between men drinking chicha</a:t>
+            </a:r>
+          </a:p>
+          <a:p>
+            <a:pPr lvl="0"/>
+            <a:r>
+              <a:rPr lang="es-BO"/>
+              <a:t>Some sentences which appear in this context are judged unacceptable or ungrammatical outside of it.</a:t>
+            </a:r>
+          </a:p>
+        </p:txBody>
+      </p:sp>
+      <p:sp>
+        <p:nvSpPr>
+          <p:cNvPr id="4" name="TextBox 3">
+            <a:extLst>
+              <a:ext uri="{FF2B5EF4-FFF2-40B4-BE49-F238E27FC236}">
+                <a16:creationId xmlns:a16="http://schemas.microsoft.com/office/drawing/2014/main" id="{56128097-62F4-ED86-23DD-8B48452E8AA5}"/>
+              </a:ext>
+            </a:extLst>
+          </p:cNvPr>
+          <p:cNvSpPr txBox="1"/>
+          <p:nvPr/>
+        </p:nvSpPr>
+        <p:spPr>
+          <a:xfrm>
+            <a:off x="1078169" y="5063316"/>
+            <a:ext cx="7287905" cy="1200332"/>
+          </a:xfrm>
+          <a:prstGeom prst="rect">
+            <a:avLst/>
+          </a:prstGeom>
+          <a:noFill/>
+          <a:ln cap="flat">
+            <a:noFill/>
+          </a:ln>
+        </p:spPr>
+        <p:txBody>
+          <a:bodyPr vert="horz" wrap="square" lIns="91440" tIns="45720" rIns="91440" bIns="45720" anchor="t" anchorCtr="0" compatLnSpc="1">
+            <a:spAutoFit/>
+          </a:bodyPr>
+          <a:lstStyle/>
+          <a:p>
+            <a:pPr marL="0" marR="0" lvl="0" indent="0" algn="l" defTabSz="914400" rtl="0" fontAlgn="auto" hangingPunct="1">
+              <a:lnSpc>
+                <a:spcPct val="100000"/>
+              </a:lnSpc>
+              <a:spcBef>
+                <a:spcPts val="0"/>
+              </a:spcBef>
+              <a:spcAft>
+                <a:spcPts val="0"/>
+              </a:spcAft>
+              <a:buNone/>
+              <a:tabLst/>
+              <a:defRPr sz="1800" b="0" i="0" u="none" strike="noStrike" kern="0" cap="none" spc="0" baseline="0">
+                <a:solidFill>
+                  <a:srgbClr val="000000"/>
+                </a:solidFill>
+                <a:uFillTx/>
+              </a:defRPr>
+            </a:pPr>
+            <a:r>
+              <a:rPr lang="en-CA" sz="2400" b="0" i="0" u="none" strike="noStrike" kern="1200" cap="none" spc="0" baseline="0">
+                <a:solidFill>
+                  <a:srgbClr val="000000"/>
+                </a:solidFill>
+                <a:uFillTx/>
+                <a:latin typeface="Calibri"/>
+              </a:rPr>
+              <a:t>j</a:t>
+            </a:r>
+            <a:r>
+              <a:rPr lang="smn-FI" sz="2400" b="0" i="0" u="none" strike="noStrike" kern="1200" cap="none" spc="0" baseline="0">
+                <a:solidFill>
+                  <a:srgbClr val="000000"/>
+                </a:solidFill>
+                <a:uFillTx/>
+                <a:latin typeface="Calibri"/>
+              </a:rPr>
+              <a:t>ënë </a:t>
+            </a:r>
+            <a:r>
+              <a:rPr lang="en-CA" sz="2400" b="0" i="0" u="none" strike="noStrike" kern="1200" cap="none" spc="0" baseline="0">
+                <a:solidFill>
+                  <a:srgbClr val="000000"/>
+                </a:solidFill>
+                <a:uFillTx/>
+                <a:latin typeface="Calibri"/>
+              </a:rPr>
+              <a:t>pohi=xëni mia</a:t>
+            </a:r>
+          </a:p>
+          <a:p>
+            <a:pPr marL="0" marR="0" lvl="0" indent="0" algn="l" defTabSz="914400" rtl="0" fontAlgn="auto" hangingPunct="1">
+              <a:lnSpc>
+                <a:spcPct val="100000"/>
+              </a:lnSpc>
+              <a:spcBef>
+                <a:spcPts val="0"/>
+              </a:spcBef>
+              <a:spcAft>
+                <a:spcPts val="0"/>
+              </a:spcAft>
+              <a:buNone/>
+              <a:tabLst/>
+              <a:defRPr sz="1800" b="0" i="0" u="none" strike="noStrike" kern="0" cap="none" spc="0" baseline="0">
+                <a:solidFill>
+                  <a:srgbClr val="000000"/>
+                </a:solidFill>
+                <a:uFillTx/>
+              </a:defRPr>
+            </a:pPr>
+            <a:r>
+              <a:rPr lang="en-CA" sz="2400" b="0" i="0" u="none" strike="noStrike" kern="1200" cap="none" spc="0" baseline="0">
+                <a:solidFill>
+                  <a:srgbClr val="000000"/>
+                </a:solidFill>
+                <a:uFillTx/>
+                <a:latin typeface="Calibri"/>
+              </a:rPr>
+              <a:t>chicha shit-ter you</a:t>
+            </a:r>
+          </a:p>
+          <a:p>
+            <a:pPr marL="0" marR="0" lvl="0" indent="0" algn="l" defTabSz="914400" rtl="0" fontAlgn="auto" hangingPunct="1">
+              <a:lnSpc>
+                <a:spcPct val="100000"/>
+              </a:lnSpc>
+              <a:spcBef>
+                <a:spcPts val="0"/>
+              </a:spcBef>
+              <a:spcAft>
+                <a:spcPts val="0"/>
+              </a:spcAft>
+              <a:buNone/>
+              <a:tabLst/>
+              <a:defRPr sz="1800" b="0" i="0" u="none" strike="noStrike" kern="0" cap="none" spc="0" baseline="0">
+                <a:solidFill>
+                  <a:srgbClr val="000000"/>
+                </a:solidFill>
+                <a:uFillTx/>
+              </a:defRPr>
+            </a:pPr>
+            <a:r>
+              <a:rPr lang="en-CA" sz="2400" b="0" i="0" u="none" strike="noStrike" kern="1200" cap="none" spc="0" baseline="0">
+                <a:solidFill>
+                  <a:srgbClr val="000000"/>
+                </a:solidFill>
+                <a:uFillTx/>
+                <a:latin typeface="Calibri"/>
+              </a:rPr>
+              <a:t>“You are a habitual chicha shitter.”</a:t>
+            </a:r>
+            <a:endParaRPr lang="es-BO" sz="2400" b="0" i="0" u="none" strike="noStrike" kern="1200" cap="none" spc="0" baseline="0">
+              <a:solidFill>
+                <a:srgbClr val="000000"/>
+              </a:solidFill>
+              <a:uFillTx/>
+              <a:latin typeface="Calibri"/>
+            </a:endParaRPr>
+          </a:p>
+        </p:txBody>
+      </p:sp>
+    </p:spTree>
+  </p:cSld>
+  <p:clrMapOvr>
+    <a:masterClrMapping/>
+  </p:clrMapOvr>
+</p:sld>
+</file>
+
+<file path=ppt/slides/slide53.xml><?xml version="1.0" encoding="utf-8"?>
+<p:sld xmlns:a="http://schemas.openxmlformats.org/drawingml/2006/main" xmlns:r="http://schemas.openxmlformats.org/officeDocument/2006/relationships" xmlns:p="http://schemas.openxmlformats.org/presentationml/2006/main">
+  <p:cSld>
+    <p:spTree>
+      <p:nvGrpSpPr>
+        <p:cNvPr id="1" name=""/>
+        <p:cNvGrpSpPr/>
+        <p:nvPr/>
+      </p:nvGrpSpPr>
+      <p:grpSpPr>
+        <a:xfrm>
+          <a:off x="0" y="0"/>
+          <a:ext cx="0" cy="0"/>
+          <a:chOff x="0" y="0"/>
+          <a:chExt cx="0" cy="0"/>
+        </a:xfrm>
+      </p:grpSpPr>
+      <p:sp>
+        <p:nvSpPr>
+          <p:cNvPr id="2" name="Title 1">
+            <a:extLst>
+              <a:ext uri="{FF2B5EF4-FFF2-40B4-BE49-F238E27FC236}">
+                <a16:creationId xmlns:a16="http://schemas.microsoft.com/office/drawing/2014/main" id="{63F778CC-0AEF-A21B-FD1A-70529ECFC84D}"/>
+              </a:ext>
+            </a:extLst>
+          </p:cNvPr>
+          <p:cNvSpPr txBox="1">
+            <a:spLocks noGrp="1"/>
+          </p:cNvSpPr>
+          <p:nvPr>
+            <p:ph type="title"/>
+          </p:nvPr>
+        </p:nvSpPr>
+        <p:spPr/>
+        <p:txBody>
+          <a:bodyPr/>
+          <a:lstStyle/>
+          <a:p>
+            <a:pPr lvl="0"/>
+            <a:r>
+              <a:rPr lang="en-CA"/>
+              <a:t>Style</a:t>
+            </a:r>
+            <a:endParaRPr lang="es-BO"/>
+          </a:p>
+        </p:txBody>
+      </p:sp>
+      <p:sp>
+        <p:nvSpPr>
+          <p:cNvPr id="3" name="Content Placeholder 2">
+            <a:extLst>
+              <a:ext uri="{FF2B5EF4-FFF2-40B4-BE49-F238E27FC236}">
+                <a16:creationId xmlns:a16="http://schemas.microsoft.com/office/drawing/2014/main" id="{65A3D6BE-F9C5-9E09-FB4F-BE2729A5BE02}"/>
+              </a:ext>
+            </a:extLst>
+          </p:cNvPr>
+          <p:cNvSpPr txBox="1">
+            <a:spLocks noGrp="1"/>
+          </p:cNvSpPr>
+          <p:nvPr>
+            <p:ph idx="1"/>
+          </p:nvPr>
+        </p:nvSpPr>
+        <p:spPr/>
+        <p:txBody>
+          <a:bodyPr/>
+          <a:lstStyle/>
+          <a:p>
+            <a:pPr lvl="0"/>
+            <a:r>
+              <a:rPr lang="en-CA"/>
+              <a:t>Like genre but about individuals:</a:t>
+            </a:r>
+          </a:p>
+          <a:p>
+            <a:pPr lvl="0"/>
+            <a:endParaRPr lang="en-CA"/>
+          </a:p>
+          <a:p>
+            <a:pPr lvl="0"/>
+            <a:r>
+              <a:rPr lang="en-CA"/>
+              <a:t>Some people just use certain constructions more than others</a:t>
+            </a:r>
+          </a:p>
+          <a:p>
+            <a:pPr lvl="0"/>
+            <a:endParaRPr lang="en-CA"/>
+          </a:p>
+          <a:p>
+            <a:pPr lvl="0"/>
+            <a:r>
+              <a:rPr lang="en-CA"/>
+              <a:t>These can be markers of social identity, but they can also be very specific.</a:t>
+            </a:r>
+            <a:endParaRPr lang="es-BO"/>
+          </a:p>
+        </p:txBody>
+      </p:sp>
+    </p:spTree>
+  </p:cSld>
+  <p:clrMapOvr>
+    <a:masterClrMapping/>
+  </p:clrMapOvr>
+</p:sld>
+</file>
+
+<file path=ppt/slides/slide54.xml><?xml version="1.0" encoding="utf-8"?>
+<p:sld xmlns:a="http://schemas.openxmlformats.org/drawingml/2006/main" xmlns:r="http://schemas.openxmlformats.org/officeDocument/2006/relationships" xmlns:p="http://schemas.openxmlformats.org/presentationml/2006/main">
+  <p:cSld>
+    <p:spTree>
+      <p:nvGrpSpPr>
+        <p:cNvPr id="1" name=""/>
+        <p:cNvGrpSpPr/>
+        <p:nvPr/>
+      </p:nvGrpSpPr>
+      <p:grpSpPr>
+        <a:xfrm>
+          <a:off x="0" y="0"/>
+          <a:ext cx="0" cy="0"/>
+          <a:chOff x="0" y="0"/>
+          <a:chExt cx="0" cy="0"/>
+        </a:xfrm>
+      </p:grpSpPr>
+      <p:sp>
+        <p:nvSpPr>
+          <p:cNvPr id="2" name="Title 1">
+            <a:extLst>
+              <a:ext uri="{FF2B5EF4-FFF2-40B4-BE49-F238E27FC236}">
+                <a16:creationId xmlns:a16="http://schemas.microsoft.com/office/drawing/2014/main" id="{A9A34687-DA29-E9A9-DC80-E1B4316A05B0}"/>
+              </a:ext>
+            </a:extLst>
+          </p:cNvPr>
+          <p:cNvSpPr txBox="1">
+            <a:spLocks noGrp="1"/>
+          </p:cNvSpPr>
+          <p:nvPr>
+            <p:ph type="title"/>
+          </p:nvPr>
+        </p:nvSpPr>
+        <p:spPr/>
+        <p:txBody>
+          <a:bodyPr/>
+          <a:lstStyle/>
+          <a:p>
+            <a:pPr lvl="0"/>
+            <a:r>
+              <a:rPr lang="en-CA"/>
+              <a:t>Linked data</a:t>
+            </a:r>
+            <a:endParaRPr lang="es-BO"/>
+          </a:p>
+        </p:txBody>
+      </p:sp>
+      <p:sp>
+        <p:nvSpPr>
+          <p:cNvPr id="3" name="Content Placeholder 2">
+            <a:extLst>
+              <a:ext uri="{FF2B5EF4-FFF2-40B4-BE49-F238E27FC236}">
+                <a16:creationId xmlns:a16="http://schemas.microsoft.com/office/drawing/2014/main" id="{5E880EDD-83C7-FE10-0C82-616079C71A5D}"/>
+              </a:ext>
+            </a:extLst>
+          </p:cNvPr>
+          <p:cNvSpPr txBox="1">
+            <a:spLocks noGrp="1"/>
+          </p:cNvSpPr>
+          <p:nvPr>
+            <p:ph idx="1"/>
+          </p:nvPr>
+        </p:nvSpPr>
+        <p:spPr/>
+        <p:txBody>
+          <a:bodyPr/>
+          <a:lstStyle/>
+          <a:p>
+            <a:pPr lvl="0"/>
+            <a:r>
+              <a:rPr lang="en-CA" dirty="0" err="1"/>
+              <a:t>Rawa</a:t>
+            </a:r>
+            <a:r>
+              <a:rPr lang="en-CA" dirty="0"/>
+              <a:t> vs. primary data</a:t>
+            </a:r>
+          </a:p>
+          <a:p>
+            <a:pPr lvl="0"/>
+            <a:endParaRPr lang="en-CA" dirty="0"/>
+          </a:p>
+          <a:p>
+            <a:pPr lvl="0"/>
+            <a:r>
+              <a:rPr lang="en-CA" dirty="0"/>
+              <a:t>Time alignment</a:t>
+            </a:r>
+          </a:p>
+          <a:p>
+            <a:pPr lvl="0"/>
+            <a:endParaRPr lang="en-CA" dirty="0"/>
+          </a:p>
+          <a:p>
+            <a:pPr lvl="0"/>
+            <a:r>
+              <a:rPr lang="en-CA" dirty="0"/>
+              <a:t>Metadata</a:t>
+            </a:r>
+          </a:p>
+          <a:p>
+            <a:pPr lvl="0"/>
+            <a:endParaRPr lang="en-CA" dirty="0"/>
+          </a:p>
+          <a:p>
+            <a:pPr lvl="0"/>
+            <a:endParaRPr lang="es-BO" dirty="0"/>
           </a:p>
         </p:txBody>
       </p:sp>
